--- a/PPTs/Ch5 ARM Load Store Exercises ANS.pptx
+++ b/PPTs/Ch5 ARM Load Store Exercises ANS.pptx
@@ -5,10 +5,10 @@
     <p:sldMasterId id="2147483686" r:id="rId1"/>
   </p:sldMasterIdLst>
   <p:notesMasterIdLst>
-    <p:notesMasterId r:id="rId18"/>
+    <p:notesMasterId r:id="rId20"/>
   </p:notesMasterIdLst>
   <p:handoutMasterIdLst>
-    <p:handoutMasterId r:id="rId19"/>
+    <p:handoutMasterId r:id="rId21"/>
   </p:handoutMasterIdLst>
   <p:sldIdLst>
     <p:sldId id="385" r:id="rId2"/>
@@ -18,15 +18,17 @@
     <p:sldId id="364" r:id="rId6"/>
     <p:sldId id="358" r:id="rId7"/>
     <p:sldId id="359" r:id="rId8"/>
-    <p:sldId id="774" r:id="rId9"/>
-    <p:sldId id="345" r:id="rId10"/>
-    <p:sldId id="346" r:id="rId11"/>
-    <p:sldId id="369" r:id="rId12"/>
-    <p:sldId id="370" r:id="rId13"/>
-    <p:sldId id="367" r:id="rId14"/>
-    <p:sldId id="368" r:id="rId15"/>
-    <p:sldId id="365" r:id="rId16"/>
-    <p:sldId id="366" r:id="rId17"/>
+    <p:sldId id="417" r:id="rId9"/>
+    <p:sldId id="798" r:id="rId10"/>
+    <p:sldId id="774" r:id="rId11"/>
+    <p:sldId id="345" r:id="rId12"/>
+    <p:sldId id="346" r:id="rId13"/>
+    <p:sldId id="369" r:id="rId14"/>
+    <p:sldId id="370" r:id="rId15"/>
+    <p:sldId id="367" r:id="rId16"/>
+    <p:sldId id="368" r:id="rId17"/>
+    <p:sldId id="365" r:id="rId18"/>
+    <p:sldId id="366" r:id="rId19"/>
   </p:sldIdLst>
   <p:sldSz cx="9144000" cy="6858000" type="screen4x3"/>
   <p:notesSz cx="9601200" cy="7315200"/>
@@ -211,8 +213,7 @@
 <file path=ppt/revisionInfo.xml><?xml version="1.0" encoding="utf-8"?>
 <p1510:revInfo xmlns:a="http://schemas.openxmlformats.org/drawingml/2006/main" xmlns:r="http://schemas.openxmlformats.org/officeDocument/2006/relationships" xmlns:p1510="http://schemas.microsoft.com/office/powerpoint/2015/10/main">
   <p1510:revLst>
-    <p1510:client id="{95D25279-C3AD-4B13-92A2-4AC656D27A67}" v="139" dt="2025-09-18T02:48:49.161"/>
-    <p1510:client id="{B97F58B2-CB8E-40EA-ACA9-4EF82261E9BE}" v="36" dt="2025-09-17T21:20:28.474"/>
+    <p1510:client id="{95D25279-C3AD-4B13-92A2-4AC656D27A67}" v="155" dt="2025-09-18T20:06:59.886"/>
   </p1510:revLst>
 </p1510:revInfo>
 </file>
@@ -222,7 +223,7 @@
   <pc:docChgLst>
     <pc:chgData name="Zonghua Gu" userId="9a7e1853e1951ef5" providerId="LiveId" clId="{CF1FAA12-072C-4ED5-BA76-0FFFAEFDB88A}"/>
     <pc:docChg chg="undo custSel addSld delSld modSld sldOrd">
-      <pc:chgData name="Zonghua Gu" userId="9a7e1853e1951ef5" providerId="LiveId" clId="{CF1FAA12-072C-4ED5-BA76-0FFFAEFDB88A}" dt="2025-09-18T02:48:49.161" v="512"/>
+      <pc:chgData name="Zonghua Gu" userId="9a7e1853e1951ef5" providerId="LiveId" clId="{CF1FAA12-072C-4ED5-BA76-0FFFAEFDB88A}" dt="2025-09-18T21:27:30.744" v="612" actId="47"/>
       <pc:docMkLst>
         <pc:docMk/>
       </pc:docMkLst>
@@ -1025,12 +1026,60 @@
           </ac:spMkLst>
         </pc:spChg>
       </pc:sldChg>
-      <pc:sldChg chg="delSp modSp del mod delAnim modAnim">
-        <pc:chgData name="Zonghua Gu" userId="9a7e1853e1951ef5" providerId="LiveId" clId="{CF1FAA12-072C-4ED5-BA76-0FFFAEFDB88A}" dt="2025-09-18T02:23:48.757" v="174" actId="47"/>
+      <pc:sldChg chg="addSp delSp modSp add del mod delAnim modAnim">
+        <pc:chgData name="Zonghua Gu" userId="9a7e1853e1951ef5" providerId="LiveId" clId="{CF1FAA12-072C-4ED5-BA76-0FFFAEFDB88A}" dt="2025-09-18T20:06:59.886" v="611"/>
         <pc:sldMkLst>
           <pc:docMk/>
           <pc:sldMk cId="0" sldId="417"/>
         </pc:sldMkLst>
+        <pc:spChg chg="add mod">
+          <ac:chgData name="Zonghua Gu" userId="9a7e1853e1951ef5" providerId="LiveId" clId="{CF1FAA12-072C-4ED5-BA76-0FFFAEFDB88A}" dt="2025-09-18T20:04:02.966" v="574" actId="1076"/>
+          <ac:spMkLst>
+            <pc:docMk/>
+            <pc:sldMk cId="0" sldId="417"/>
+            <ac:spMk id="2" creationId="{03BF8BEC-CBCA-3D53-1D6F-7FE4217EF5F8}"/>
+          </ac:spMkLst>
+        </pc:spChg>
+        <pc:spChg chg="add mod">
+          <ac:chgData name="Zonghua Gu" userId="9a7e1853e1951ef5" providerId="LiveId" clId="{CF1FAA12-072C-4ED5-BA76-0FFFAEFDB88A}" dt="2025-09-18T20:04:24.814" v="585" actId="1076"/>
+          <ac:spMkLst>
+            <pc:docMk/>
+            <pc:sldMk cId="0" sldId="417"/>
+            <ac:spMk id="3" creationId="{D80FA951-DE02-3C91-9A1E-27C70066528C}"/>
+          </ac:spMkLst>
+        </pc:spChg>
+        <pc:spChg chg="mod">
+          <ac:chgData name="Zonghua Gu" userId="9a7e1853e1951ef5" providerId="LiveId" clId="{CF1FAA12-072C-4ED5-BA76-0FFFAEFDB88A}" dt="2025-09-18T20:04:02.966" v="574" actId="1076"/>
+          <ac:spMkLst>
+            <pc:docMk/>
+            <pc:sldMk cId="0" sldId="417"/>
+            <ac:spMk id="11" creationId="{00000000-0000-0000-0000-000000000000}"/>
+          </ac:spMkLst>
+        </pc:spChg>
+        <pc:spChg chg="mod">
+          <ac:chgData name="Zonghua Gu" userId="9a7e1853e1951ef5" providerId="LiveId" clId="{CF1FAA12-072C-4ED5-BA76-0FFFAEFDB88A}" dt="2025-09-18T20:04:02.966" v="574" actId="1076"/>
+          <ac:spMkLst>
+            <pc:docMk/>
+            <pc:sldMk cId="0" sldId="417"/>
+            <ac:spMk id="12" creationId="{00000000-0000-0000-0000-000000000000}"/>
+          </ac:spMkLst>
+        </pc:spChg>
+        <pc:spChg chg="mod">
+          <ac:chgData name="Zonghua Gu" userId="9a7e1853e1951ef5" providerId="LiveId" clId="{CF1FAA12-072C-4ED5-BA76-0FFFAEFDB88A}" dt="2025-09-18T20:04:02.966" v="574" actId="1076"/>
+          <ac:spMkLst>
+            <pc:docMk/>
+            <pc:sldMk cId="0" sldId="417"/>
+            <ac:spMk id="13" creationId="{00000000-0000-0000-0000-000000000000}"/>
+          </ac:spMkLst>
+        </pc:spChg>
+        <pc:spChg chg="mod">
+          <ac:chgData name="Zonghua Gu" userId="9a7e1853e1951ef5" providerId="LiveId" clId="{CF1FAA12-072C-4ED5-BA76-0FFFAEFDB88A}" dt="2025-09-18T20:04:18.734" v="584" actId="1076"/>
+          <ac:spMkLst>
+            <pc:docMk/>
+            <pc:sldMk cId="0" sldId="417"/>
+            <ac:spMk id="14" creationId="{00000000-0000-0000-0000-000000000000}"/>
+          </ac:spMkLst>
+        </pc:spChg>
         <pc:spChg chg="del mod">
           <ac:chgData name="Zonghua Gu" userId="9a7e1853e1951ef5" providerId="LiveId" clId="{CF1FAA12-072C-4ED5-BA76-0FFFAEFDB88A}" dt="2025-09-17T21:14:23.254" v="148"/>
           <ac:spMkLst>
@@ -1039,6 +1088,30 @@
             <ac:spMk id="15" creationId="{00000000-0000-0000-0000-000000000000}"/>
           </ac:spMkLst>
         </pc:spChg>
+        <pc:spChg chg="del">
+          <ac:chgData name="Zonghua Gu" userId="9a7e1853e1951ef5" providerId="LiveId" clId="{CF1FAA12-072C-4ED5-BA76-0FFFAEFDB88A}" dt="2025-09-18T20:03:37.631" v="570" actId="478"/>
+          <ac:spMkLst>
+            <pc:docMk/>
+            <pc:sldMk cId="0" sldId="417"/>
+            <ac:spMk id="16" creationId="{00000000-0000-0000-0000-000000000000}"/>
+          </ac:spMkLst>
+        </pc:spChg>
+        <pc:spChg chg="mod">
+          <ac:chgData name="Zonghua Gu" userId="9a7e1853e1951ef5" providerId="LiveId" clId="{CF1FAA12-072C-4ED5-BA76-0FFFAEFDB88A}" dt="2025-09-18T20:03:46.505" v="573" actId="20577"/>
+          <ac:spMkLst>
+            <pc:docMk/>
+            <pc:sldMk cId="0" sldId="417"/>
+            <ac:spMk id="25606" creationId="{00000000-0000-0000-0000-000000000000}"/>
+          </ac:spMkLst>
+        </pc:spChg>
+        <pc:graphicFrameChg chg="mod">
+          <ac:chgData name="Zonghua Gu" userId="9a7e1853e1951ef5" providerId="LiveId" clId="{CF1FAA12-072C-4ED5-BA76-0FFFAEFDB88A}" dt="2025-09-18T20:06:59.886" v="611"/>
+          <ac:graphicFrameMkLst>
+            <pc:docMk/>
+            <pc:sldMk cId="0" sldId="417"/>
+            <ac:graphicFrameMk id="9" creationId="{00000000-0000-0000-0000-000000000000}"/>
+          </ac:graphicFrameMkLst>
+        </pc:graphicFrameChg>
       </pc:sldChg>
       <pc:sldChg chg="del">
         <pc:chgData name="Zonghua Gu" userId="9a7e1853e1951ef5" providerId="LiveId" clId="{CF1FAA12-072C-4ED5-BA76-0FFFAEFDB88A}" dt="2025-09-18T02:23:48.757" v="174" actId="47"/>
@@ -1545,7 +1618,7 @@
         </pc:sldMkLst>
       </pc:sldChg>
       <pc:sldChg chg="modSp add del mod">
-        <pc:chgData name="Zonghua Gu" userId="9a7e1853e1951ef5" providerId="LiveId" clId="{CF1FAA12-072C-4ED5-BA76-0FFFAEFDB88A}" dt="2025-09-18T02:23:48.757" v="174" actId="47"/>
+        <pc:chgData name="Zonghua Gu" userId="9a7e1853e1951ef5" providerId="LiveId" clId="{CF1FAA12-072C-4ED5-BA76-0FFFAEFDB88A}" dt="2025-09-18T20:05:47.919" v="606" actId="47"/>
         <pc:sldMkLst>
           <pc:docMk/>
           <pc:sldMk cId="3491198584" sldId="796"/>
@@ -1558,6 +1631,84 @@
             <ac:spMk id="16" creationId="{32B8227F-6E18-543E-4869-0593AC795F6E}"/>
           </ac:spMkLst>
         </pc:spChg>
+      </pc:sldChg>
+      <pc:sldChg chg="add del">
+        <pc:chgData name="Zonghua Gu" userId="9a7e1853e1951ef5" providerId="LiveId" clId="{CF1FAA12-072C-4ED5-BA76-0FFFAEFDB88A}" dt="2025-09-18T21:27:30.744" v="612" actId="47"/>
+        <pc:sldMkLst>
+          <pc:docMk/>
+          <pc:sldMk cId="1115551691" sldId="797"/>
+        </pc:sldMkLst>
+      </pc:sldChg>
+      <pc:sldChg chg="addSp delSp modSp add mod modAnim">
+        <pc:chgData name="Zonghua Gu" userId="9a7e1853e1951ef5" providerId="LiveId" clId="{CF1FAA12-072C-4ED5-BA76-0FFFAEFDB88A}" dt="2025-09-18T20:06:51.228" v="610" actId="1076"/>
+        <pc:sldMkLst>
+          <pc:docMk/>
+          <pc:sldMk cId="1422403682" sldId="798"/>
+        </pc:sldMkLst>
+        <pc:spChg chg="del">
+          <ac:chgData name="Zonghua Gu" userId="9a7e1853e1951ef5" providerId="LiveId" clId="{CF1FAA12-072C-4ED5-BA76-0FFFAEFDB88A}" dt="2025-09-18T20:05:09.063" v="591" actId="478"/>
+          <ac:spMkLst>
+            <pc:docMk/>
+            <pc:sldMk cId="1422403682" sldId="798"/>
+            <ac:spMk id="3" creationId="{07B87F4A-1512-5A2F-2D6B-810D504730B5}"/>
+          </ac:spMkLst>
+        </pc:spChg>
+        <pc:spChg chg="add mod">
+          <ac:chgData name="Zonghua Gu" userId="9a7e1853e1951ef5" providerId="LiveId" clId="{CF1FAA12-072C-4ED5-BA76-0FFFAEFDB88A}" dt="2025-09-18T20:06:51.228" v="610" actId="1076"/>
+          <ac:spMkLst>
+            <pc:docMk/>
+            <pc:sldMk cId="1422403682" sldId="798"/>
+            <ac:spMk id="4" creationId="{6F534A2F-9846-7A97-D479-D46DB56AB958}"/>
+          </ac:spMkLst>
+        </pc:spChg>
+        <pc:spChg chg="add mod">
+          <ac:chgData name="Zonghua Gu" userId="9a7e1853e1951ef5" providerId="LiveId" clId="{CF1FAA12-072C-4ED5-BA76-0FFFAEFDB88A}" dt="2025-09-18T20:06:51.228" v="610" actId="1076"/>
+          <ac:spMkLst>
+            <pc:docMk/>
+            <pc:sldMk cId="1422403682" sldId="798"/>
+            <ac:spMk id="5" creationId="{BC3F3BEC-A50C-878A-987B-AAF83CD43E44}"/>
+          </ac:spMkLst>
+        </pc:spChg>
+        <pc:spChg chg="add mod">
+          <ac:chgData name="Zonghua Gu" userId="9a7e1853e1951ef5" providerId="LiveId" clId="{CF1FAA12-072C-4ED5-BA76-0FFFAEFDB88A}" dt="2025-09-18T20:06:44.933" v="609" actId="1076"/>
+          <ac:spMkLst>
+            <pc:docMk/>
+            <pc:sldMk cId="1422403682" sldId="798"/>
+            <ac:spMk id="6" creationId="{FF49A434-8C62-C958-9270-232816F13AE4}"/>
+          </ac:spMkLst>
+        </pc:spChg>
+        <pc:spChg chg="add mod">
+          <ac:chgData name="Zonghua Gu" userId="9a7e1853e1951ef5" providerId="LiveId" clId="{CF1FAA12-072C-4ED5-BA76-0FFFAEFDB88A}" dt="2025-09-18T20:06:44.933" v="609" actId="1076"/>
+          <ac:spMkLst>
+            <pc:docMk/>
+            <pc:sldMk cId="1422403682" sldId="798"/>
+            <ac:spMk id="7" creationId="{F6F628D0-DD4D-72F2-BDF1-C601826C46E8}"/>
+          </ac:spMkLst>
+        </pc:spChg>
+        <pc:spChg chg="del mod">
+          <ac:chgData name="Zonghua Gu" userId="9a7e1853e1951ef5" providerId="LiveId" clId="{CF1FAA12-072C-4ED5-BA76-0FFFAEFDB88A}" dt="2025-09-18T20:04:45.013" v="588" actId="478"/>
+          <ac:spMkLst>
+            <pc:docMk/>
+            <pc:sldMk cId="1422403682" sldId="798"/>
+            <ac:spMk id="14" creationId="{69882E34-54AA-CFE5-F9B1-1B6163F31FEF}"/>
+          </ac:spMkLst>
+        </pc:spChg>
+        <pc:spChg chg="mod">
+          <ac:chgData name="Zonghua Gu" userId="9a7e1853e1951ef5" providerId="LiveId" clId="{CF1FAA12-072C-4ED5-BA76-0FFFAEFDB88A}" dt="2025-09-18T20:05:42.581" v="605" actId="20577"/>
+          <ac:spMkLst>
+            <pc:docMk/>
+            <pc:sldMk cId="1422403682" sldId="798"/>
+            <ac:spMk id="25606" creationId="{2B3E1AB2-B3CB-2CA3-69A9-9B3B2CA1C3F7}"/>
+          </ac:spMkLst>
+        </pc:spChg>
+        <pc:graphicFrameChg chg="mod">
+          <ac:chgData name="Zonghua Gu" userId="9a7e1853e1951ef5" providerId="LiveId" clId="{CF1FAA12-072C-4ED5-BA76-0FFFAEFDB88A}" dt="2025-09-18T20:06:26.567" v="607"/>
+          <ac:graphicFrameMkLst>
+            <pc:docMk/>
+            <pc:sldMk cId="1422403682" sldId="798"/>
+            <ac:graphicFrameMk id="9" creationId="{0E30A4EB-ACBA-8E2B-82A1-96E1DB36D61D}"/>
+          </ac:graphicFrameMkLst>
+        </pc:graphicFrameChg>
       </pc:sldChg>
     </pc:docChg>
   </pc:docChgLst>
@@ -2477,6 +2628,208 @@
       </p:grpSpPr>
       <p:sp>
         <p:nvSpPr>
+          <p:cNvPr id="56322" name="Rectangle 1026"/>
+          <p:cNvSpPr>
+            <a:spLocks noGrp="1" noRot="1" noChangeAspect="1" noChangeArrowheads="1" noTextEdit="1"/>
+          </p:cNvSpPr>
+          <p:nvPr>
+            <p:ph type="sldImg"/>
+          </p:nvPr>
+        </p:nvSpPr>
+        <p:spPr>
+          <a:xfrm>
+            <a:off x="2984500" y="655638"/>
+            <a:ext cx="3341688" cy="2506662"/>
+          </a:xfrm>
+          <a:ln/>
+        </p:spPr>
+      </p:sp>
+      <p:sp>
+        <p:nvSpPr>
+          <p:cNvPr id="56323" name="Rectangle 1027"/>
+          <p:cNvSpPr>
+            <a:spLocks noGrp="1" noChangeArrowheads="1"/>
+          </p:cNvSpPr>
+          <p:nvPr>
+            <p:ph type="body" idx="1"/>
+          </p:nvPr>
+        </p:nvSpPr>
+        <p:spPr>
+          <a:xfrm>
+            <a:off x="1237021" y="3343003"/>
+            <a:ext cx="6822358" cy="3165566"/>
+          </a:xfrm>
+          <a:solidFill>
+            <a:srgbClr val="FFFFFF"/>
+          </a:solidFill>
+          <a:ln>
+            <a:solidFill>
+              <a:srgbClr val="000000"/>
+            </a:solidFill>
+          </a:ln>
+        </p:spPr>
+        <p:txBody>
+          <a:bodyPr lIns="88007" tIns="44003" rIns="88007" bIns="44003"/>
+          <a:lstStyle/>
+          <a:p>
+            <a:r>
+              <a:rPr lang="en-US" dirty="0"/>
+              <a:t>Halfword access and signed halfword/byte accesses were added to the architecture in v4T, this is the reason the offset field is not as flexible as the normal word/byte load/store - not a problem because these accesses are less common.</a:t>
+            </a:r>
+          </a:p>
+          <a:p>
+            <a:endParaRPr lang="en-US" dirty="0"/>
+          </a:p>
+          <a:p>
+            <a:r>
+              <a:rPr lang="en-US" dirty="0"/>
+              <a:t>Link: diagram on next slide</a:t>
+            </a:r>
+          </a:p>
+        </p:txBody>
+      </p:sp>
+    </p:spTree>
+    <p:extLst>
+      <p:ext uri="{BB962C8B-B14F-4D97-AF65-F5344CB8AC3E}">
+        <p14:creationId xmlns:p14="http://schemas.microsoft.com/office/powerpoint/2010/main" val="2013822000"/>
+      </p:ext>
+    </p:extLst>
+  </p:cSld>
+  <p:clrMapOvr>
+    <a:masterClrMapping/>
+  </p:clrMapOvr>
+</p:notes>
+</file>
+
+<file path=ppt/notesSlides/notesSlide7.xml><?xml version="1.0" encoding="utf-8"?>
+<p:notes xmlns:a="http://schemas.openxmlformats.org/drawingml/2006/main" xmlns:r="http://schemas.openxmlformats.org/officeDocument/2006/relationships" xmlns:p="http://schemas.openxmlformats.org/presentationml/2006/main">
+  <p:cSld>
+    <p:spTree>
+      <p:nvGrpSpPr>
+        <p:cNvPr id="1" name="">
+          <a:extLst>
+            <a:ext uri="{FF2B5EF4-FFF2-40B4-BE49-F238E27FC236}">
+              <a16:creationId xmlns:a16="http://schemas.microsoft.com/office/drawing/2014/main" id="{8FCAF3F1-B017-A08A-9251-B46F8932819C}"/>
+            </a:ext>
+          </a:extLst>
+        </p:cNvPr>
+        <p:cNvGrpSpPr/>
+        <p:nvPr/>
+      </p:nvGrpSpPr>
+      <p:grpSpPr>
+        <a:xfrm>
+          <a:off x="0" y="0"/>
+          <a:ext cx="0" cy="0"/>
+          <a:chOff x="0" y="0"/>
+          <a:chExt cx="0" cy="0"/>
+        </a:xfrm>
+      </p:grpSpPr>
+      <p:sp>
+        <p:nvSpPr>
+          <p:cNvPr id="56322" name="Rectangle 1026">
+            <a:extLst>
+              <a:ext uri="{FF2B5EF4-FFF2-40B4-BE49-F238E27FC236}">
+                <a16:creationId xmlns:a16="http://schemas.microsoft.com/office/drawing/2014/main" id="{353D122D-0224-8535-E3A6-5FDD7A707E2A}"/>
+              </a:ext>
+            </a:extLst>
+          </p:cNvPr>
+          <p:cNvSpPr>
+            <a:spLocks noGrp="1" noRot="1" noChangeAspect="1" noChangeArrowheads="1" noTextEdit="1"/>
+          </p:cNvSpPr>
+          <p:nvPr>
+            <p:ph type="sldImg"/>
+          </p:nvPr>
+        </p:nvSpPr>
+        <p:spPr>
+          <a:xfrm>
+            <a:off x="2984500" y="655638"/>
+            <a:ext cx="3341688" cy="2506662"/>
+          </a:xfrm>
+          <a:ln/>
+        </p:spPr>
+      </p:sp>
+      <p:sp>
+        <p:nvSpPr>
+          <p:cNvPr id="56323" name="Rectangle 1027">
+            <a:extLst>
+              <a:ext uri="{FF2B5EF4-FFF2-40B4-BE49-F238E27FC236}">
+                <a16:creationId xmlns:a16="http://schemas.microsoft.com/office/drawing/2014/main" id="{E7284EB6-6786-5ABD-3B45-B558349A2A29}"/>
+              </a:ext>
+            </a:extLst>
+          </p:cNvPr>
+          <p:cNvSpPr>
+            <a:spLocks noGrp="1" noChangeArrowheads="1"/>
+          </p:cNvSpPr>
+          <p:nvPr>
+            <p:ph type="body" idx="1"/>
+          </p:nvPr>
+        </p:nvSpPr>
+        <p:spPr>
+          <a:xfrm>
+            <a:off x="1237021" y="3343003"/>
+            <a:ext cx="6822358" cy="3165566"/>
+          </a:xfrm>
+          <a:solidFill>
+            <a:srgbClr val="FFFFFF"/>
+          </a:solidFill>
+          <a:ln>
+            <a:solidFill>
+              <a:srgbClr val="000000"/>
+            </a:solidFill>
+          </a:ln>
+        </p:spPr>
+        <p:txBody>
+          <a:bodyPr lIns="88007" tIns="44003" rIns="88007" bIns="44003"/>
+          <a:lstStyle/>
+          <a:p>
+            <a:r>
+              <a:rPr lang="en-US"/>
+              <a:t>Halfword access and signed halfword/byte accesses were added to the architecture in v4T, this is the reason the offset field is not as flexible as the normal word/byte load/store - not a problem because these accesses are less common.</a:t>
+            </a:r>
+          </a:p>
+          <a:p>
+            <a:endParaRPr lang="en-US"/>
+          </a:p>
+          <a:p>
+            <a:r>
+              <a:rPr lang="en-US"/>
+              <a:t>Link: diagram on next slide</a:t>
+            </a:r>
+          </a:p>
+        </p:txBody>
+      </p:sp>
+    </p:spTree>
+    <p:extLst>
+      <p:ext uri="{BB962C8B-B14F-4D97-AF65-F5344CB8AC3E}">
+        <p14:creationId xmlns:p14="http://schemas.microsoft.com/office/powerpoint/2010/main" val="2627589376"/>
+      </p:ext>
+    </p:extLst>
+  </p:cSld>
+  <p:clrMapOvr>
+    <a:masterClrMapping/>
+  </p:clrMapOvr>
+</p:notes>
+</file>
+
+<file path=ppt/notesSlides/notesSlide8.xml><?xml version="1.0" encoding="utf-8"?>
+<p:notes xmlns:a="http://schemas.openxmlformats.org/drawingml/2006/main" xmlns:r="http://schemas.openxmlformats.org/officeDocument/2006/relationships" xmlns:p="http://schemas.openxmlformats.org/presentationml/2006/main">
+  <p:cSld>
+    <p:spTree>
+      <p:nvGrpSpPr>
+        <p:cNvPr id="1" name=""/>
+        <p:cNvGrpSpPr/>
+        <p:nvPr/>
+      </p:nvGrpSpPr>
+      <p:grpSpPr>
+        <a:xfrm>
+          <a:off x="0" y="0"/>
+          <a:ext cx="0" cy="0"/>
+          <a:chOff x="0" y="0"/>
+          <a:chExt cx="0" cy="0"/>
+        </a:xfrm>
+      </p:grpSpPr>
+      <p:sp>
+        <p:nvSpPr>
           <p:cNvPr id="2" name="Slide Image Placeholder 1"/>
           <p:cNvSpPr>
             <a:spLocks noGrp="1" noRot="1" noChangeAspect="1"/>
@@ -2524,7 +2877,7 @@
             <a:fld id="{EF97FDFF-7B9F-7D4D-BFC0-AAD1F3D3D3CB}" type="slidenum">
               <a:rPr lang="en-US" smtClean="0"/>
               <a:pPr/>
-              <a:t>8</a:t>
+              <a:t>10</a:t>
             </a:fld>
             <a:endParaRPr lang="en-US" dirty="0"/>
           </a:p>
@@ -2543,7 +2896,7 @@
 </p:notes>
 </file>
 
-<file path=ppt/notesSlides/notesSlide7.xml><?xml version="1.0" encoding="utf-8"?>
+<file path=ppt/notesSlides/notesSlide9.xml><?xml version="1.0" encoding="utf-8"?>
 <p:notes xmlns:a="http://schemas.openxmlformats.org/drawingml/2006/main" xmlns:r="http://schemas.openxmlformats.org/officeDocument/2006/relationships" xmlns:p="http://schemas.openxmlformats.org/presentationml/2006/main">
   <p:cSld>
     <p:spTree>
@@ -2824,7 +3177,7 @@
             <a:fld id="{BA00D299-558C-468E-A8B3-0F5C3BFA45F9}" type="datetime1">
               <a:rPr lang="en-US" smtClean="0"/>
               <a:pPr/>
-              <a:t>9/17/2025</a:t>
+              <a:t>9/18/2025</a:t>
             </a:fld>
             <a:endParaRPr lang="en-US"/>
           </a:p>
@@ -3188,7 +3541,7 @@
             <a:fld id="{8B22D175-8905-42BE-8088-EB39001CF9E2}" type="datetime1">
               <a:rPr lang="en-US" smtClean="0"/>
               <a:pPr/>
-              <a:t>9/17/2025</a:t>
+              <a:t>9/18/2025</a:t>
             </a:fld>
             <a:endParaRPr lang="en-US"/>
           </a:p>
@@ -3367,7 +3720,7 @@
             <a:fld id="{E62AA8DD-1B66-47DA-8A31-5DCDA0DEF224}" type="datetime1">
               <a:rPr lang="en-US" smtClean="0"/>
               <a:pPr/>
-              <a:t>9/17/2025</a:t>
+              <a:t>9/18/2025</a:t>
             </a:fld>
             <a:endParaRPr lang="en-US"/>
           </a:p>
@@ -3606,7 +3959,7 @@
             <a:fld id="{D3A8BFB9-75E0-4A72-9D54-3C687B559A4D}" type="datetime1">
               <a:rPr lang="en-US" smtClean="0"/>
               <a:pPr/>
-              <a:t>9/17/2025</a:t>
+              <a:t>9/18/2025</a:t>
             </a:fld>
             <a:endParaRPr lang="en-US"/>
           </a:p>
@@ -3879,7 +4232,7 @@
             <a:fld id="{E470CD76-7AB7-4744-8178-DC5367B833CD}" type="datetime1">
               <a:rPr lang="en-US" smtClean="0"/>
               <a:pPr/>
-              <a:t>9/17/2025</a:t>
+              <a:t>9/18/2025</a:t>
             </a:fld>
             <a:endParaRPr lang="en-US"/>
           </a:p>
@@ -4103,7 +4456,7 @@
             <a:fld id="{A5E3FC63-82A8-4ACC-B2CB-6D46E8B59216}" type="datetime1">
               <a:rPr lang="en-US" smtClean="0"/>
               <a:pPr/>
-              <a:t>9/17/2025</a:t>
+              <a:t>9/18/2025</a:t>
             </a:fld>
             <a:endParaRPr lang="en-US"/>
           </a:p>
@@ -4459,7 +4812,7 @@
             <a:fld id="{D3A9B8A6-94F4-4AF6-98DE-0FFC617E1C31}" type="datetime1">
               <a:rPr lang="en-US" smtClean="0"/>
               <a:pPr/>
-              <a:t>9/17/2025</a:t>
+              <a:t>9/18/2025</a:t>
             </a:fld>
             <a:endParaRPr lang="en-US"/>
           </a:p>
@@ -4695,7 +5048,7 @@
             <a:fld id="{573CF4FC-8D0E-4C14-A02E-A429C4519FEF}" type="datetime1">
               <a:rPr lang="en-US" smtClean="0"/>
               <a:pPr/>
-              <a:t>9/17/2025</a:t>
+              <a:t>9/18/2025</a:t>
             </a:fld>
             <a:endParaRPr lang="en-US"/>
           </a:p>
@@ -4840,7 +5193,7 @@
             <a:fld id="{06BDC487-A287-485A-B215-4EC98DD3E443}" type="datetime1">
               <a:rPr lang="en-US" smtClean="0"/>
               <a:pPr/>
-              <a:t>9/17/2025</a:t>
+              <a:t>9/18/2025</a:t>
             </a:fld>
             <a:endParaRPr lang="en-US"/>
           </a:p>
@@ -5121,7 +5474,7 @@
             <a:fld id="{46049AC6-4AC4-4D5F-9A1B-0E1C0FF133F9}" type="datetime1">
               <a:rPr lang="en-US" smtClean="0"/>
               <a:pPr/>
-              <a:t>9/17/2025</a:t>
+              <a:t>9/18/2025</a:t>
             </a:fld>
             <a:endParaRPr lang="en-US"/>
           </a:p>
@@ -5532,7 +5885,7 @@
             <a:fld id="{83AF4EF9-9AC8-4842-AFC3-C27337CCABE8}" type="datetime1">
               <a:rPr lang="en-US" smtClean="0"/>
               <a:pPr/>
-              <a:t>9/17/2025</a:t>
+              <a:t>9/18/2025</a:t>
             </a:fld>
             <a:endParaRPr lang="en-US"/>
           </a:p>
@@ -5873,7 +6226,7 @@
             <a:fld id="{8DF0DD18-6EB7-49F7-A70C-A012EDB48BDB}" type="datetime1">
               <a:rPr lang="en-US" smtClean="0"/>
               <a:pPr/>
-              <a:t>9/17/2025</a:t>
+              <a:t>9/18/2025</a:t>
             </a:fld>
             <a:endParaRPr lang="en-US"/>
           </a:p>
@@ -6925,19 +7278,14 @@
             <p:ph type="title"/>
           </p:nvPr>
         </p:nvSpPr>
-        <p:spPr>
-          <a:xfrm>
-            <a:off x="220634" y="0"/>
-            <a:ext cx="8229600" cy="1143000"/>
-          </a:xfrm>
-        </p:spPr>
+        <p:spPr/>
         <p:txBody>
           <a:bodyPr/>
           <a:lstStyle/>
           <a:p>
             <a:r>
               <a:rPr lang="en-US" dirty="0"/>
-              <a:t>Answer: Data Align</a:t>
+              <a:t>Data Alignment</a:t>
             </a:r>
           </a:p>
         </p:txBody>
@@ -6961,6 +7309,972 @@
               <a:rPr lang="en-US" smtClean="0"/>
               <a:pPr/>
               <a:t>10</a:t>
+            </a:fld>
+            <a:endParaRPr lang="en-US" dirty="0"/>
+          </a:p>
+        </p:txBody>
+      </p:sp>
+      <p:sp>
+        <p:nvSpPr>
+          <p:cNvPr id="4" name="Rectangle 3"/>
+          <p:cNvSpPr txBox="1">
+            <a:spLocks noChangeArrowheads="1"/>
+          </p:cNvSpPr>
+          <p:nvPr/>
+        </p:nvSpPr>
+        <p:spPr>
+          <a:xfrm>
+            <a:off x="612648" y="1673752"/>
+            <a:ext cx="8182841" cy="1755248"/>
+          </a:xfrm>
+          <a:prstGeom prst="rect">
+            <a:avLst/>
+          </a:prstGeom>
+        </p:spPr>
+        <p:txBody>
+          <a:bodyPr/>
+          <a:lstStyle>
+            <a:lvl1pPr marL="342900" indent="-342900" algn="l" defTabSz="457200" rtl="0" eaLnBrk="1" latinLnBrk="0" hangingPunct="1">
+              <a:spcBef>
+                <a:spcPct val="20000"/>
+              </a:spcBef>
+              <a:buFont typeface="Arial"/>
+              <a:buChar char="•"/>
+              <a:defRPr sz="3200" kern="1200">
+                <a:solidFill>
+                  <a:schemeClr val="tx1"/>
+                </a:solidFill>
+                <a:latin typeface="+mn-lt"/>
+                <a:ea typeface="+mn-ea"/>
+                <a:cs typeface="+mn-cs"/>
+              </a:defRPr>
+            </a:lvl1pPr>
+            <a:lvl2pPr marL="742950" indent="-285750" algn="l" defTabSz="457200" rtl="0" eaLnBrk="1" latinLnBrk="0" hangingPunct="1">
+              <a:spcBef>
+                <a:spcPct val="20000"/>
+              </a:spcBef>
+              <a:buFont typeface="Arial"/>
+              <a:buChar char="–"/>
+              <a:defRPr sz="2800" kern="1200">
+                <a:solidFill>
+                  <a:schemeClr val="tx1"/>
+                </a:solidFill>
+                <a:latin typeface="+mn-lt"/>
+                <a:ea typeface="+mn-ea"/>
+                <a:cs typeface="+mn-cs"/>
+              </a:defRPr>
+            </a:lvl2pPr>
+            <a:lvl3pPr marL="1143000" indent="-228600" algn="l" defTabSz="457200" rtl="0" eaLnBrk="1" latinLnBrk="0" hangingPunct="1">
+              <a:spcBef>
+                <a:spcPct val="20000"/>
+              </a:spcBef>
+              <a:buFont typeface="Arial"/>
+              <a:buChar char="•"/>
+              <a:defRPr sz="2400" kern="1200">
+                <a:solidFill>
+                  <a:schemeClr val="tx1"/>
+                </a:solidFill>
+                <a:latin typeface="+mn-lt"/>
+                <a:ea typeface="+mn-ea"/>
+                <a:cs typeface="+mn-cs"/>
+              </a:defRPr>
+            </a:lvl3pPr>
+            <a:lvl4pPr marL="1600200" indent="-228600" algn="l" defTabSz="457200" rtl="0" eaLnBrk="1" latinLnBrk="0" hangingPunct="1">
+              <a:spcBef>
+                <a:spcPct val="20000"/>
+              </a:spcBef>
+              <a:buFont typeface="Arial"/>
+              <a:buChar char="–"/>
+              <a:defRPr sz="2000" kern="1200">
+                <a:solidFill>
+                  <a:schemeClr val="tx1"/>
+                </a:solidFill>
+                <a:latin typeface="+mn-lt"/>
+                <a:ea typeface="+mn-ea"/>
+                <a:cs typeface="+mn-cs"/>
+              </a:defRPr>
+            </a:lvl4pPr>
+            <a:lvl5pPr marL="2057400" indent="-228600" algn="l" defTabSz="457200" rtl="0" eaLnBrk="1" latinLnBrk="0" hangingPunct="1">
+              <a:spcBef>
+                <a:spcPct val="20000"/>
+              </a:spcBef>
+              <a:buFont typeface="Arial"/>
+              <a:buChar char="»"/>
+              <a:defRPr sz="2000" kern="1200">
+                <a:solidFill>
+                  <a:schemeClr val="tx1"/>
+                </a:solidFill>
+                <a:latin typeface="+mn-lt"/>
+                <a:ea typeface="+mn-ea"/>
+                <a:cs typeface="+mn-cs"/>
+              </a:defRPr>
+            </a:lvl5pPr>
+            <a:lvl6pPr marL="2514600" indent="-228600" algn="l" defTabSz="457200" rtl="0" eaLnBrk="1" latinLnBrk="0" hangingPunct="1">
+              <a:spcBef>
+                <a:spcPct val="20000"/>
+              </a:spcBef>
+              <a:buFont typeface="Arial"/>
+              <a:buChar char="•"/>
+              <a:defRPr sz="2000" kern="1200">
+                <a:solidFill>
+                  <a:schemeClr val="tx1"/>
+                </a:solidFill>
+                <a:latin typeface="+mn-lt"/>
+                <a:ea typeface="+mn-ea"/>
+                <a:cs typeface="+mn-cs"/>
+              </a:defRPr>
+            </a:lvl6pPr>
+            <a:lvl7pPr marL="2971800" indent="-228600" algn="l" defTabSz="457200" rtl="0" eaLnBrk="1" latinLnBrk="0" hangingPunct="1">
+              <a:spcBef>
+                <a:spcPct val="20000"/>
+              </a:spcBef>
+              <a:buFont typeface="Arial"/>
+              <a:buChar char="•"/>
+              <a:defRPr sz="2000" kern="1200">
+                <a:solidFill>
+                  <a:schemeClr val="tx1"/>
+                </a:solidFill>
+                <a:latin typeface="+mn-lt"/>
+                <a:ea typeface="+mn-ea"/>
+                <a:cs typeface="+mn-cs"/>
+              </a:defRPr>
+            </a:lvl7pPr>
+            <a:lvl8pPr marL="3429000" indent="-228600" algn="l" defTabSz="457200" rtl="0" eaLnBrk="1" latinLnBrk="0" hangingPunct="1">
+              <a:spcBef>
+                <a:spcPct val="20000"/>
+              </a:spcBef>
+              <a:buFont typeface="Arial"/>
+              <a:buChar char="•"/>
+              <a:defRPr sz="2000" kern="1200">
+                <a:solidFill>
+                  <a:schemeClr val="tx1"/>
+                </a:solidFill>
+                <a:latin typeface="+mn-lt"/>
+                <a:ea typeface="+mn-ea"/>
+                <a:cs typeface="+mn-cs"/>
+              </a:defRPr>
+            </a:lvl8pPr>
+            <a:lvl9pPr marL="3886200" indent="-228600" algn="l" defTabSz="457200" rtl="0" eaLnBrk="1" latinLnBrk="0" hangingPunct="1">
+              <a:spcBef>
+                <a:spcPct val="20000"/>
+              </a:spcBef>
+              <a:buFont typeface="Arial"/>
+              <a:buChar char="•"/>
+              <a:defRPr sz="2000" kern="1200">
+                <a:solidFill>
+                  <a:schemeClr val="tx1"/>
+                </a:solidFill>
+                <a:latin typeface="+mn-lt"/>
+                <a:ea typeface="+mn-ea"/>
+                <a:cs typeface="+mn-cs"/>
+              </a:defRPr>
+            </a:lvl9pPr>
+          </a:lstStyle>
+          <a:p>
+            <a:r>
+              <a:rPr lang="en-US" sz="1500" dirty="0"/>
+              <a:t>Assume a byte-addressable memory with a data bus that is 32 bits (4 bytes) wide</a:t>
+            </a:r>
+          </a:p>
+          <a:p>
+            <a:r>
+              <a:rPr lang="en-US" sz="1500" dirty="0"/>
+              <a:t>Consider 16 bytes of memory (addresses 0 to 15) arranged as four 32-bit words (4 bytes each)</a:t>
+            </a:r>
+          </a:p>
+        </p:txBody>
+      </p:sp>
+      <p:sp>
+        <p:nvSpPr>
+          <p:cNvPr id="7" name="TextBox 6"/>
+          <p:cNvSpPr txBox="1"/>
+          <p:nvPr/>
+        </p:nvSpPr>
+        <p:spPr>
+          <a:xfrm>
+            <a:off x="542078" y="3412912"/>
+            <a:ext cx="3581400" cy="715581"/>
+          </a:xfrm>
+          <a:prstGeom prst="rect">
+            <a:avLst/>
+          </a:prstGeom>
+          <a:noFill/>
+        </p:spPr>
+        <p:txBody>
+          <a:bodyPr wrap="square" rtlCol="0">
+            <a:spAutoFit/>
+          </a:bodyPr>
+          <a:lstStyle/>
+          <a:p>
+            <a:r>
+              <a:rPr lang="en-US" sz="1350" dirty="0">
+                <a:solidFill>
+                  <a:srgbClr val="FF0000"/>
+                </a:solidFill>
+              </a:rPr>
+              <a:t>Well-aligned</a:t>
+            </a:r>
+            <a:r>
+              <a:rPr lang="en-US" sz="1350" dirty="0"/>
+              <a:t>: each word begins on a mod-4 address, which can be read in a single memory cycle</a:t>
+            </a:r>
+          </a:p>
+        </p:txBody>
+      </p:sp>
+      <p:pic>
+        <p:nvPicPr>
+          <p:cNvPr id="9" name="Picture 8"/>
+          <p:cNvPicPr>
+            <a:picLocks noChangeAspect="1"/>
+          </p:cNvPicPr>
+          <p:nvPr/>
+        </p:nvPicPr>
+        <p:blipFill>
+          <a:blip r:embed="rId3"/>
+          <a:stretch>
+            <a:fillRect/>
+          </a:stretch>
+        </p:blipFill>
+        <p:spPr>
+          <a:xfrm>
+            <a:off x="4543965" y="2307838"/>
+            <a:ext cx="3785316" cy="1121162"/>
+          </a:xfrm>
+          <a:prstGeom prst="rect">
+            <a:avLst/>
+          </a:prstGeom>
+        </p:spPr>
+      </p:pic>
+      <p:pic>
+        <p:nvPicPr>
+          <p:cNvPr id="10" name="Picture 9"/>
+          <p:cNvPicPr>
+            <a:picLocks noChangeAspect="1"/>
+          </p:cNvPicPr>
+          <p:nvPr/>
+        </p:nvPicPr>
+        <p:blipFill>
+          <a:blip r:embed="rId4"/>
+          <a:stretch>
+            <a:fillRect/>
+          </a:stretch>
+        </p:blipFill>
+        <p:spPr>
+          <a:xfrm>
+            <a:off x="542078" y="2283024"/>
+            <a:ext cx="3802444" cy="1129888"/>
+          </a:xfrm>
+          <a:prstGeom prst="rect">
+            <a:avLst/>
+          </a:prstGeom>
+        </p:spPr>
+      </p:pic>
+      <p:sp>
+        <p:nvSpPr>
+          <p:cNvPr id="11" name="TextBox 10"/>
+          <p:cNvSpPr txBox="1"/>
+          <p:nvPr/>
+        </p:nvSpPr>
+        <p:spPr>
+          <a:xfrm>
+            <a:off x="4543965" y="3412912"/>
+            <a:ext cx="3581400" cy="715581"/>
+          </a:xfrm>
+          <a:prstGeom prst="rect">
+            <a:avLst/>
+          </a:prstGeom>
+          <a:noFill/>
+        </p:spPr>
+        <p:txBody>
+          <a:bodyPr wrap="square" rtlCol="0">
+            <a:spAutoFit/>
+          </a:bodyPr>
+          <a:lstStyle/>
+          <a:p>
+            <a:r>
+              <a:rPr lang="en-US" sz="1350" dirty="0">
+                <a:solidFill>
+                  <a:srgbClr val="FF0000"/>
+                </a:solidFill>
+              </a:rPr>
+              <a:t>Ill-aligned</a:t>
+            </a:r>
+            <a:r>
+              <a:rPr lang="en-US" sz="1350" dirty="0"/>
+              <a:t>: a word begins on address 6, not a mod-4 address, which can be read in 2 memory cycles</a:t>
+            </a:r>
+          </a:p>
+        </p:txBody>
+      </p:sp>
+      <p:pic>
+        <p:nvPicPr>
+          <p:cNvPr id="12" name="Picture 11"/>
+          <p:cNvPicPr>
+            <a:picLocks noChangeAspect="1"/>
+          </p:cNvPicPr>
+          <p:nvPr/>
+        </p:nvPicPr>
+        <p:blipFill>
+          <a:blip r:embed="rId5"/>
+          <a:stretch>
+            <a:fillRect/>
+          </a:stretch>
+        </p:blipFill>
+        <p:spPr>
+          <a:xfrm>
+            <a:off x="4701867" y="4223976"/>
+            <a:ext cx="4059366" cy="305375"/>
+          </a:xfrm>
+          <a:prstGeom prst="rect">
+            <a:avLst/>
+          </a:prstGeom>
+        </p:spPr>
+      </p:pic>
+      <p:pic>
+        <p:nvPicPr>
+          <p:cNvPr id="13" name="Picture 12"/>
+          <p:cNvPicPr>
+            <a:picLocks noChangeAspect="1"/>
+          </p:cNvPicPr>
+          <p:nvPr/>
+        </p:nvPicPr>
+        <p:blipFill>
+          <a:blip r:embed="rId6"/>
+          <a:stretch>
+            <a:fillRect/>
+          </a:stretch>
+        </p:blipFill>
+        <p:spPr>
+          <a:xfrm>
+            <a:off x="4667611" y="4777320"/>
+            <a:ext cx="4127879" cy="327188"/>
+          </a:xfrm>
+          <a:prstGeom prst="rect">
+            <a:avLst/>
+          </a:prstGeom>
+        </p:spPr>
+      </p:pic>
+      <p:pic>
+        <p:nvPicPr>
+          <p:cNvPr id="14" name="Picture 13"/>
+          <p:cNvPicPr>
+            <a:picLocks noChangeAspect="1"/>
+          </p:cNvPicPr>
+          <p:nvPr/>
+        </p:nvPicPr>
+        <p:blipFill>
+          <a:blip r:embed="rId7"/>
+          <a:stretch>
+            <a:fillRect/>
+          </a:stretch>
+        </p:blipFill>
+        <p:spPr>
+          <a:xfrm>
+            <a:off x="4701867" y="5317344"/>
+            <a:ext cx="3665419" cy="335912"/>
+          </a:xfrm>
+          <a:prstGeom prst="rect">
+            <a:avLst/>
+          </a:prstGeom>
+        </p:spPr>
+      </p:pic>
+      <p:sp>
+        <p:nvSpPr>
+          <p:cNvPr id="16" name="TextBox 15"/>
+          <p:cNvSpPr txBox="1"/>
+          <p:nvPr/>
+        </p:nvSpPr>
+        <p:spPr>
+          <a:xfrm>
+            <a:off x="109436" y="4128493"/>
+            <a:ext cx="4268981" cy="1754326"/>
+          </a:xfrm>
+          <a:prstGeom prst="rect">
+            <a:avLst/>
+          </a:prstGeom>
+          <a:noFill/>
+          <a:ln>
+            <a:solidFill>
+              <a:schemeClr val="tx1"/>
+            </a:solidFill>
+          </a:ln>
+        </p:spPr>
+        <p:txBody>
+          <a:bodyPr wrap="square" rtlCol="0">
+            <a:spAutoFit/>
+          </a:bodyPr>
+          <a:lstStyle/>
+          <a:p>
+            <a:r>
+              <a:rPr lang="en-US" sz="1200" dirty="0"/>
+              <a:t>The first read cycle would retrieve 4 bytes from addresses 4 through 7; of these, the bytes from addresses 4 and 5</a:t>
+            </a:r>
+          </a:p>
+          <a:p>
+            <a:r>
+              <a:rPr lang="en-US" sz="1200" dirty="0"/>
+              <a:t>are discarded, and those from addresses 6 and 7 are moved to the far right;</a:t>
+            </a:r>
+          </a:p>
+          <a:p>
+            <a:r>
+              <a:rPr lang="en-US" sz="1200" dirty="0"/>
+              <a:t>The second read cycle retrieves 4 bytes from addresses 8 through 11; the bytes from addresses 10 and 11 are  discarded, and those from addresses 8 and 9 are moved to the far left;</a:t>
+            </a:r>
+          </a:p>
+          <a:p>
+            <a:r>
+              <a:rPr lang="en-US" sz="1200" dirty="0"/>
+              <a:t>Finally, the two halves are combined to form the desired 32-bit operand:</a:t>
+            </a:r>
+          </a:p>
+        </p:txBody>
+      </p:sp>
+      <p:sp>
+        <p:nvSpPr>
+          <p:cNvPr id="5" name="Arrow: Right 4">
+            <a:extLst>
+              <a:ext uri="{FF2B5EF4-FFF2-40B4-BE49-F238E27FC236}">
+                <a16:creationId xmlns:a16="http://schemas.microsoft.com/office/drawing/2014/main" id="{403B0BD2-2931-BDC5-E683-51FBAB7B8593}"/>
+              </a:ext>
+            </a:extLst>
+          </p:cNvPr>
+          <p:cNvSpPr/>
+          <p:nvPr/>
+        </p:nvSpPr>
+        <p:spPr>
+          <a:xfrm>
+            <a:off x="4413347" y="4630642"/>
+            <a:ext cx="285830" cy="363474"/>
+          </a:xfrm>
+          <a:prstGeom prst="rightArrow">
+            <a:avLst/>
+          </a:prstGeom>
+          <a:solidFill>
+            <a:schemeClr val="bg1">
+              <a:lumMod val="75000"/>
+            </a:schemeClr>
+          </a:solidFill>
+        </p:spPr>
+        <p:style>
+          <a:lnRef idx="2">
+            <a:schemeClr val="accent1">
+              <a:shade val="15000"/>
+            </a:schemeClr>
+          </a:lnRef>
+          <a:fillRef idx="1">
+            <a:schemeClr val="accent1"/>
+          </a:fillRef>
+          <a:effectRef idx="0">
+            <a:schemeClr val="accent1"/>
+          </a:effectRef>
+          <a:fontRef idx="minor">
+            <a:schemeClr val="lt1"/>
+          </a:fontRef>
+        </p:style>
+        <p:txBody>
+          <a:bodyPr rtlCol="0" anchor="ctr"/>
+          <a:lstStyle/>
+          <a:p>
+            <a:pPr algn="ctr"/>
+            <a:endParaRPr lang="en-US" sz="1350"/>
+          </a:p>
+        </p:txBody>
+      </p:sp>
+      <p:sp>
+        <p:nvSpPr>
+          <p:cNvPr id="6" name="Horizontal Scroll 14">
+            <a:extLst>
+              <a:ext uri="{FF2B5EF4-FFF2-40B4-BE49-F238E27FC236}">
+                <a16:creationId xmlns:a16="http://schemas.microsoft.com/office/drawing/2014/main" id="{9847AA0A-7964-4433-C181-1EB7B5E48F3F}"/>
+              </a:ext>
+            </a:extLst>
+          </p:cNvPr>
+          <p:cNvSpPr/>
+          <p:nvPr/>
+        </p:nvSpPr>
+        <p:spPr>
+          <a:xfrm>
+            <a:off x="294068" y="178297"/>
+            <a:ext cx="1265712" cy="762000"/>
+          </a:xfrm>
+          <a:prstGeom prst="horizontalScroll">
+            <a:avLst/>
+          </a:prstGeom>
+          <a:gradFill rotWithShape="1">
+            <a:gsLst>
+              <a:gs pos="0">
+                <a:srgbClr val="4F81BD">
+                  <a:tint val="50000"/>
+                  <a:satMod val="300000"/>
+                </a:srgbClr>
+              </a:gs>
+              <a:gs pos="35000">
+                <a:srgbClr val="4F81BD">
+                  <a:tint val="37000"/>
+                  <a:satMod val="300000"/>
+                </a:srgbClr>
+              </a:gs>
+              <a:gs pos="100000">
+                <a:srgbClr val="4F81BD">
+                  <a:tint val="15000"/>
+                  <a:satMod val="350000"/>
+                </a:srgbClr>
+              </a:gs>
+            </a:gsLst>
+            <a:lin ang="16200000" scaled="1"/>
+          </a:gradFill>
+          <a:ln w="9525" cap="flat" cmpd="sng" algn="ctr">
+            <a:solidFill>
+              <a:srgbClr val="4F81BD">
+                <a:shade val="95000"/>
+                <a:satMod val="105000"/>
+              </a:srgbClr>
+            </a:solidFill>
+            <a:prstDash val="solid"/>
+          </a:ln>
+          <a:effectLst>
+            <a:outerShdw blurRad="40000" dist="20000" dir="5400000" rotWithShape="0">
+              <a:srgbClr val="000000">
+                <a:alpha val="38000"/>
+              </a:srgbClr>
+            </a:outerShdw>
+          </a:effectLst>
+        </p:spPr>
+        <p:txBody>
+          <a:bodyPr rtlCol="0" anchor="ctr"/>
+          <a:lstStyle/>
+          <a:p>
+            <a:pPr marL="0" marR="0" lvl="0" indent="0" algn="ctr" defTabSz="457200" eaLnBrk="1" fontAlgn="auto" latinLnBrk="0" hangingPunct="1">
+              <a:lnSpc>
+                <a:spcPct val="100000"/>
+              </a:lnSpc>
+              <a:spcBef>
+                <a:spcPts val="0"/>
+              </a:spcBef>
+              <a:spcAft>
+                <a:spcPts val="0"/>
+              </a:spcAft>
+              <a:buClrTx/>
+              <a:buSzTx/>
+              <a:buFontTx/>
+              <a:buNone/>
+              <a:tabLst/>
+              <a:defRPr/>
+            </a:pPr>
+            <a:r>
+              <a:rPr kumimoji="0" lang="en-US" sz="2400" b="0" i="0" u="none" strike="noStrike" kern="0" cap="none" spc="0" normalizeH="0" baseline="0" noProof="0" dirty="0">
+                <a:ln>
+                  <a:noFill/>
+                </a:ln>
+                <a:solidFill>
+                  <a:prstClr val="black"/>
+                </a:solidFill>
+                <a:effectLst/>
+                <a:uLnTx/>
+                <a:uFillTx/>
+                <a:latin typeface="Calibri"/>
+                <a:ea typeface="+mn-ea"/>
+                <a:cs typeface="+mn-cs"/>
+              </a:rPr>
+              <a:t>Review</a:t>
+            </a:r>
+          </a:p>
+        </p:txBody>
+      </p:sp>
+    </p:spTree>
+    <p:extLst>
+      <p:ext uri="{BB962C8B-B14F-4D97-AF65-F5344CB8AC3E}">
+        <p14:creationId xmlns:p14="http://schemas.microsoft.com/office/powerpoint/2010/main" val="1864663475"/>
+      </p:ext>
+    </p:extLst>
+  </p:cSld>
+  <p:clrMapOvr>
+    <a:masterClrMapping/>
+  </p:clrMapOvr>
+  <p:transition>
+    <p:pull dir="ru"/>
+  </p:transition>
+</p:sld>
+</file>
+
+<file path=ppt/slides/slide11.xml><?xml version="1.0" encoding="utf-8"?>
+<p:sld xmlns:a="http://schemas.openxmlformats.org/drawingml/2006/main" xmlns:r="http://schemas.openxmlformats.org/officeDocument/2006/relationships" xmlns:p="http://schemas.openxmlformats.org/presentationml/2006/main">
+  <p:cSld>
+    <p:spTree>
+      <p:nvGrpSpPr>
+        <p:cNvPr id="1" name=""/>
+        <p:cNvGrpSpPr/>
+        <p:nvPr/>
+      </p:nvGrpSpPr>
+      <p:grpSpPr>
+        <a:xfrm>
+          <a:off x="0" y="0"/>
+          <a:ext cx="0" cy="0"/>
+          <a:chOff x="0" y="0"/>
+          <a:chExt cx="0" cy="0"/>
+        </a:xfrm>
+      </p:grpSpPr>
+      <p:sp>
+        <p:nvSpPr>
+          <p:cNvPr id="2" name="Title 1"/>
+          <p:cNvSpPr>
+            <a:spLocks noGrp="1"/>
+          </p:cNvSpPr>
+          <p:nvPr>
+            <p:ph type="title"/>
+          </p:nvPr>
+        </p:nvSpPr>
+        <p:spPr/>
+        <p:txBody>
+          <a:bodyPr/>
+          <a:lstStyle/>
+          <a:p>
+            <a:r>
+              <a:rPr lang="en-US" dirty="0"/>
+              <a:t>Question: Data Alignment</a:t>
+            </a:r>
+          </a:p>
+        </p:txBody>
+      </p:sp>
+      <p:sp>
+        <p:nvSpPr>
+          <p:cNvPr id="3" name="Slide Number Placeholder 2"/>
+          <p:cNvSpPr>
+            <a:spLocks noGrp="1"/>
+          </p:cNvSpPr>
+          <p:nvPr>
+            <p:ph type="sldNum" sz="quarter" idx="12"/>
+          </p:nvPr>
+        </p:nvSpPr>
+        <p:spPr/>
+        <p:txBody>
+          <a:bodyPr/>
+          <a:lstStyle/>
+          <a:p>
+            <a:fld id="{3CC63E4C-4642-794D-A2FD-70F6B81535F5}" type="slidenum">
+              <a:rPr lang="en-US" smtClean="0"/>
+              <a:pPr/>
+              <a:t>11</a:t>
+            </a:fld>
+            <a:endParaRPr lang="en-US" dirty="0"/>
+          </a:p>
+        </p:txBody>
+      </p:sp>
+      <p:sp>
+        <p:nvSpPr>
+          <p:cNvPr id="4" name="Rectangle 3"/>
+          <p:cNvSpPr txBox="1">
+            <a:spLocks noChangeArrowheads="1"/>
+          </p:cNvSpPr>
+          <p:nvPr/>
+        </p:nvSpPr>
+        <p:spPr>
+          <a:xfrm>
+            <a:off x="311998" y="1307051"/>
+            <a:ext cx="8182841" cy="3476822"/>
+          </a:xfrm>
+          <a:prstGeom prst="rect">
+            <a:avLst/>
+          </a:prstGeom>
+        </p:spPr>
+        <p:txBody>
+          <a:bodyPr/>
+          <a:lstStyle>
+            <a:lvl1pPr marL="342900" indent="-342900" algn="l" defTabSz="457200" rtl="0" eaLnBrk="1" latinLnBrk="0" hangingPunct="1">
+              <a:spcBef>
+                <a:spcPct val="20000"/>
+              </a:spcBef>
+              <a:buFont typeface="Arial"/>
+              <a:buChar char="•"/>
+              <a:defRPr sz="3200" kern="1200">
+                <a:solidFill>
+                  <a:schemeClr val="tx1"/>
+                </a:solidFill>
+                <a:latin typeface="+mn-lt"/>
+                <a:ea typeface="+mn-ea"/>
+                <a:cs typeface="+mn-cs"/>
+              </a:defRPr>
+            </a:lvl1pPr>
+            <a:lvl2pPr marL="742950" indent="-285750" algn="l" defTabSz="457200" rtl="0" eaLnBrk="1" latinLnBrk="0" hangingPunct="1">
+              <a:spcBef>
+                <a:spcPct val="20000"/>
+              </a:spcBef>
+              <a:buFont typeface="Arial"/>
+              <a:buChar char="–"/>
+              <a:defRPr sz="2800" kern="1200">
+                <a:solidFill>
+                  <a:schemeClr val="tx1"/>
+                </a:solidFill>
+                <a:latin typeface="+mn-lt"/>
+                <a:ea typeface="+mn-ea"/>
+                <a:cs typeface="+mn-cs"/>
+              </a:defRPr>
+            </a:lvl2pPr>
+            <a:lvl3pPr marL="1143000" indent="-228600" algn="l" defTabSz="457200" rtl="0" eaLnBrk="1" latinLnBrk="0" hangingPunct="1">
+              <a:spcBef>
+                <a:spcPct val="20000"/>
+              </a:spcBef>
+              <a:buFont typeface="Arial"/>
+              <a:buChar char="•"/>
+              <a:defRPr sz="2400" kern="1200">
+                <a:solidFill>
+                  <a:schemeClr val="tx1"/>
+                </a:solidFill>
+                <a:latin typeface="+mn-lt"/>
+                <a:ea typeface="+mn-ea"/>
+                <a:cs typeface="+mn-cs"/>
+              </a:defRPr>
+            </a:lvl3pPr>
+            <a:lvl4pPr marL="1600200" indent="-228600" algn="l" defTabSz="457200" rtl="0" eaLnBrk="1" latinLnBrk="0" hangingPunct="1">
+              <a:spcBef>
+                <a:spcPct val="20000"/>
+              </a:spcBef>
+              <a:buFont typeface="Arial"/>
+              <a:buChar char="–"/>
+              <a:defRPr sz="2000" kern="1200">
+                <a:solidFill>
+                  <a:schemeClr val="tx1"/>
+                </a:solidFill>
+                <a:latin typeface="+mn-lt"/>
+                <a:ea typeface="+mn-ea"/>
+                <a:cs typeface="+mn-cs"/>
+              </a:defRPr>
+            </a:lvl4pPr>
+            <a:lvl5pPr marL="2057400" indent="-228600" algn="l" defTabSz="457200" rtl="0" eaLnBrk="1" latinLnBrk="0" hangingPunct="1">
+              <a:spcBef>
+                <a:spcPct val="20000"/>
+              </a:spcBef>
+              <a:buFont typeface="Arial"/>
+              <a:buChar char="»"/>
+              <a:defRPr sz="2000" kern="1200">
+                <a:solidFill>
+                  <a:schemeClr val="tx1"/>
+                </a:solidFill>
+                <a:latin typeface="+mn-lt"/>
+                <a:ea typeface="+mn-ea"/>
+                <a:cs typeface="+mn-cs"/>
+              </a:defRPr>
+            </a:lvl5pPr>
+            <a:lvl6pPr marL="2514600" indent="-228600" algn="l" defTabSz="457200" rtl="0" eaLnBrk="1" latinLnBrk="0" hangingPunct="1">
+              <a:spcBef>
+                <a:spcPct val="20000"/>
+              </a:spcBef>
+              <a:buFont typeface="Arial"/>
+              <a:buChar char="•"/>
+              <a:defRPr sz="2000" kern="1200">
+                <a:solidFill>
+                  <a:schemeClr val="tx1"/>
+                </a:solidFill>
+                <a:latin typeface="+mn-lt"/>
+                <a:ea typeface="+mn-ea"/>
+                <a:cs typeface="+mn-cs"/>
+              </a:defRPr>
+            </a:lvl6pPr>
+            <a:lvl7pPr marL="2971800" indent="-228600" algn="l" defTabSz="457200" rtl="0" eaLnBrk="1" latinLnBrk="0" hangingPunct="1">
+              <a:spcBef>
+                <a:spcPct val="20000"/>
+              </a:spcBef>
+              <a:buFont typeface="Arial"/>
+              <a:buChar char="•"/>
+              <a:defRPr sz="2000" kern="1200">
+                <a:solidFill>
+                  <a:schemeClr val="tx1"/>
+                </a:solidFill>
+                <a:latin typeface="+mn-lt"/>
+                <a:ea typeface="+mn-ea"/>
+                <a:cs typeface="+mn-cs"/>
+              </a:defRPr>
+            </a:lvl7pPr>
+            <a:lvl8pPr marL="3429000" indent="-228600" algn="l" defTabSz="457200" rtl="0" eaLnBrk="1" latinLnBrk="0" hangingPunct="1">
+              <a:spcBef>
+                <a:spcPct val="20000"/>
+              </a:spcBef>
+              <a:buFont typeface="Arial"/>
+              <a:buChar char="•"/>
+              <a:defRPr sz="2000" kern="1200">
+                <a:solidFill>
+                  <a:schemeClr val="tx1"/>
+                </a:solidFill>
+                <a:latin typeface="+mn-lt"/>
+                <a:ea typeface="+mn-ea"/>
+                <a:cs typeface="+mn-cs"/>
+              </a:defRPr>
+            </a:lvl8pPr>
+            <a:lvl9pPr marL="3886200" indent="-228600" algn="l" defTabSz="457200" rtl="0" eaLnBrk="1" latinLnBrk="0" hangingPunct="1">
+              <a:spcBef>
+                <a:spcPct val="20000"/>
+              </a:spcBef>
+              <a:buFont typeface="Arial"/>
+              <a:buChar char="•"/>
+              <a:defRPr sz="2000" kern="1200">
+                <a:solidFill>
+                  <a:schemeClr val="tx1"/>
+                </a:solidFill>
+                <a:latin typeface="+mn-lt"/>
+                <a:ea typeface="+mn-ea"/>
+                <a:cs typeface="+mn-cs"/>
+              </a:defRPr>
+            </a:lvl9pPr>
+          </a:lstStyle>
+          <a:p>
+            <a:pPr marL="257175" indent="-257175" defTabSz="342900"/>
+            <a:r>
+              <a:rPr lang="en-US" sz="2000" b="0" dirty="0">
+                <a:solidFill>
+                  <a:prstClr val="black"/>
+                </a:solidFill>
+              </a:rPr>
+              <a:t>Q:  Assume a byte-addressable memory with a data bus that is 32 bits (4 bytes) wide. Consider 16 bytes of memory (addresses 0 to 15) arranged as four 32-bit words (4 bytes each). </a:t>
+            </a:r>
+            <a:r>
+              <a:rPr lang="en-US" altLang="zh-CN" sz="2000" b="0" dirty="0">
+                <a:solidFill>
+                  <a:prstClr val="black"/>
+                </a:solidFill>
+              </a:rPr>
+              <a:t>H</a:t>
+            </a:r>
+            <a:r>
+              <a:rPr lang="en-US" sz="2000" b="0" dirty="0">
+                <a:solidFill>
+                  <a:prstClr val="black"/>
+                </a:solidFill>
+              </a:rPr>
+              <a:t>ow many memory cycles are required to read each of the following from memory?</a:t>
+            </a:r>
+          </a:p>
+          <a:p>
+            <a:pPr marL="657225" lvl="1" indent="-257175" defTabSz="342900"/>
+            <a:r>
+              <a:rPr lang="en-US" sz="1600" b="0" dirty="0">
+                <a:solidFill>
+                  <a:prstClr val="black"/>
+                </a:solidFill>
+              </a:rPr>
+              <a:t>(a) A 2-Byte operand read from decimal address 5</a:t>
+            </a:r>
+          </a:p>
+          <a:p>
+            <a:pPr marL="657225" lvl="1" indent="-257175" defTabSz="342900"/>
+            <a:r>
+              <a:rPr lang="en-US" sz="1600" b="0" dirty="0">
+                <a:solidFill>
+                  <a:prstClr val="black"/>
+                </a:solidFill>
+              </a:rPr>
+              <a:t>(b) A 2-Byte operand read from decimal address 15</a:t>
+            </a:r>
+          </a:p>
+          <a:p>
+            <a:pPr marL="657225" lvl="1" indent="-257175" defTabSz="342900"/>
+            <a:r>
+              <a:rPr lang="en-US" sz="1600" b="0" dirty="0">
+                <a:solidFill>
+                  <a:prstClr val="black"/>
+                </a:solidFill>
+              </a:rPr>
+              <a:t>(c) A 4-Byte operand read from decimal address 10</a:t>
+            </a:r>
+          </a:p>
+          <a:p>
+            <a:pPr marL="657225" lvl="1" indent="-257175" defTabSz="342900"/>
+            <a:r>
+              <a:rPr lang="en-US" sz="1600" b="0" dirty="0">
+                <a:solidFill>
+                  <a:prstClr val="black"/>
+                </a:solidFill>
+              </a:rPr>
+              <a:t>(d) A 4-Byte operand read from decimal address 20</a:t>
+            </a:r>
+            <a:endParaRPr lang="en-US" sz="1600" b="0" dirty="0">
+              <a:solidFill>
+                <a:prstClr val="black"/>
+              </a:solidFill>
+              <a:latin typeface="Calibri"/>
+            </a:endParaRPr>
+          </a:p>
+        </p:txBody>
+      </p:sp>
+    </p:spTree>
+    <p:extLst>
+      <p:ext uri="{BB962C8B-B14F-4D97-AF65-F5344CB8AC3E}">
+        <p14:creationId xmlns:p14="http://schemas.microsoft.com/office/powerpoint/2010/main" val="936686548"/>
+      </p:ext>
+    </p:extLst>
+  </p:cSld>
+  <p:clrMapOvr>
+    <a:masterClrMapping/>
+  </p:clrMapOvr>
+  <p:transition>
+    <p:pull dir="ru"/>
+  </p:transition>
+</p:sld>
+</file>
+
+<file path=ppt/slides/slide12.xml><?xml version="1.0" encoding="utf-8"?>
+<p:sld xmlns:a="http://schemas.openxmlformats.org/drawingml/2006/main" xmlns:r="http://schemas.openxmlformats.org/officeDocument/2006/relationships" xmlns:p="http://schemas.openxmlformats.org/presentationml/2006/main">
+  <p:cSld>
+    <p:spTree>
+      <p:nvGrpSpPr>
+        <p:cNvPr id="1" name=""/>
+        <p:cNvGrpSpPr/>
+        <p:nvPr/>
+      </p:nvGrpSpPr>
+      <p:grpSpPr>
+        <a:xfrm>
+          <a:off x="0" y="0"/>
+          <a:ext cx="0" cy="0"/>
+          <a:chOff x="0" y="0"/>
+          <a:chExt cx="0" cy="0"/>
+        </a:xfrm>
+      </p:grpSpPr>
+      <p:sp>
+        <p:nvSpPr>
+          <p:cNvPr id="2" name="Title 1"/>
+          <p:cNvSpPr>
+            <a:spLocks noGrp="1"/>
+          </p:cNvSpPr>
+          <p:nvPr>
+            <p:ph type="title"/>
+          </p:nvPr>
+        </p:nvSpPr>
+        <p:spPr>
+          <a:xfrm>
+            <a:off x="220634" y="0"/>
+            <a:ext cx="8229600" cy="1143000"/>
+          </a:xfrm>
+        </p:spPr>
+        <p:txBody>
+          <a:bodyPr/>
+          <a:lstStyle/>
+          <a:p>
+            <a:r>
+              <a:rPr lang="en-US" dirty="0"/>
+              <a:t>Answer: Data Align</a:t>
+            </a:r>
+          </a:p>
+        </p:txBody>
+      </p:sp>
+      <p:sp>
+        <p:nvSpPr>
+          <p:cNvPr id="3" name="Slide Number Placeholder 2"/>
+          <p:cNvSpPr>
+            <a:spLocks noGrp="1"/>
+          </p:cNvSpPr>
+          <p:nvPr>
+            <p:ph type="sldNum" sz="quarter" idx="12"/>
+          </p:nvPr>
+        </p:nvSpPr>
+        <p:spPr/>
+        <p:txBody>
+          <a:bodyPr/>
+          <a:lstStyle/>
+          <a:p>
+            <a:fld id="{3CC63E4C-4642-794D-A2FD-70F6B81535F5}" type="slidenum">
+              <a:rPr lang="en-US" smtClean="0"/>
+              <a:pPr/>
+              <a:t>12</a:t>
             </a:fld>
             <a:endParaRPr lang="en-US" dirty="0"/>
           </a:p>
@@ -7697,7 +9011,7 @@
 </p:sld>
 </file>
 
-<file path=ppt/slides/slide11.xml><?xml version="1.0" encoding="utf-8"?>
+<file path=ppt/slides/slide13.xml><?xml version="1.0" encoding="utf-8"?>
 <p:sld xmlns:a="http://schemas.openxmlformats.org/drawingml/2006/main" xmlns:r="http://schemas.openxmlformats.org/officeDocument/2006/relationships" xmlns:p="http://schemas.openxmlformats.org/presentationml/2006/main">
   <p:cSld>
     <p:spTree>
@@ -7759,7 +9073,7 @@
             <a:fld id="{3CC63E4C-4642-794D-A2FD-70F6B81535F5}" type="slidenum">
               <a:rPr lang="en-US" smtClean="0"/>
               <a:pPr/>
-              <a:t>11</a:t>
+              <a:t>13</a:t>
             </a:fld>
             <a:endParaRPr lang="en-US" dirty="0"/>
           </a:p>
@@ -8024,7 +9338,7 @@
 </p:sld>
 </file>
 
-<file path=ppt/slides/slide12.xml><?xml version="1.0" encoding="utf-8"?>
+<file path=ppt/slides/slide14.xml><?xml version="1.0" encoding="utf-8"?>
 <p:sld xmlns:a="http://schemas.openxmlformats.org/drawingml/2006/main" xmlns:r="http://schemas.openxmlformats.org/officeDocument/2006/relationships" xmlns:p="http://schemas.openxmlformats.org/presentationml/2006/main">
   <p:cSld>
     <p:spTree>
@@ -8086,7 +9400,7 @@
             <a:fld id="{3CC63E4C-4642-794D-A2FD-70F6B81535F5}" type="slidenum">
               <a:rPr lang="en-US" smtClean="0"/>
               <a:pPr/>
-              <a:t>12</a:t>
+              <a:t>14</a:t>
             </a:fld>
             <a:endParaRPr lang="en-US" dirty="0"/>
           </a:p>
@@ -8412,7 +9726,7 @@
 </p:sld>
 </file>
 
-<file path=ppt/slides/slide13.xml><?xml version="1.0" encoding="utf-8"?>
+<file path=ppt/slides/slide15.xml><?xml version="1.0" encoding="utf-8"?>
 <p:sld xmlns:a="http://schemas.openxmlformats.org/drawingml/2006/main" xmlns:r="http://schemas.openxmlformats.org/officeDocument/2006/relationships" xmlns:p="http://schemas.openxmlformats.org/presentationml/2006/main">
   <p:cSld>
     <p:spTree>
@@ -8447,7 +9761,7 @@
             <a:fld id="{3CC63E4C-4642-794D-A2FD-70F6B81535F5}" type="slidenum">
               <a:rPr lang="en-US" smtClean="0"/>
               <a:pPr/>
-              <a:t>13</a:t>
+              <a:t>15</a:t>
             </a:fld>
             <a:endParaRPr lang="en-US" dirty="0"/>
           </a:p>
@@ -8951,7 +10265,7 @@
 </p:sld>
 </file>
 
-<file path=ppt/slides/slide14.xml><?xml version="1.0" encoding="utf-8"?>
+<file path=ppt/slides/slide16.xml><?xml version="1.0" encoding="utf-8"?>
 <p:sld xmlns:a="http://schemas.openxmlformats.org/drawingml/2006/main" xmlns:r="http://schemas.openxmlformats.org/officeDocument/2006/relationships" xmlns:p="http://schemas.openxmlformats.org/presentationml/2006/main">
   <p:cSld>
     <p:spTree>
@@ -9013,7 +10327,7 @@
             <a:fld id="{3CC63E4C-4642-794D-A2FD-70F6B81535F5}" type="slidenum">
               <a:rPr lang="en-US" smtClean="0"/>
               <a:pPr/>
-              <a:t>14</a:t>
+              <a:t>16</a:t>
             </a:fld>
             <a:endParaRPr lang="en-US" dirty="0"/>
           </a:p>
@@ -9712,7 +11026,7 @@
 </p:sld>
 </file>
 
-<file path=ppt/slides/slide15.xml><?xml version="1.0" encoding="utf-8"?>
+<file path=ppt/slides/slide17.xml><?xml version="1.0" encoding="utf-8"?>
 <p:sld xmlns:a="http://schemas.openxmlformats.org/drawingml/2006/main" xmlns:r="http://schemas.openxmlformats.org/officeDocument/2006/relationships" xmlns:p="http://schemas.openxmlformats.org/presentationml/2006/main">
   <p:cSld>
     <p:spTree>
@@ -9769,7 +11083,7 @@
             <a:fld id="{3CC63E4C-4642-794D-A2FD-70F6B81535F5}" type="slidenum">
               <a:rPr lang="en-US" smtClean="0"/>
               <a:pPr/>
-              <a:t>15</a:t>
+              <a:t>17</a:t>
             </a:fld>
             <a:endParaRPr lang="en-US" dirty="0"/>
           </a:p>
@@ -10245,7 +11559,7 @@
 </p:sld>
 </file>
 
-<file path=ppt/slides/slide16.xml><?xml version="1.0" encoding="utf-8"?>
+<file path=ppt/slides/slide18.xml><?xml version="1.0" encoding="utf-8"?>
 <p:sld xmlns:a="http://schemas.openxmlformats.org/drawingml/2006/main" xmlns:r="http://schemas.openxmlformats.org/officeDocument/2006/relationships" xmlns:p="http://schemas.openxmlformats.org/presentationml/2006/main">
   <p:cSld>
     <p:spTree>
@@ -10302,7 +11616,7 @@
             <a:fld id="{3CC63E4C-4642-794D-A2FD-70F6B81535F5}" type="slidenum">
               <a:rPr lang="en-US" smtClean="0"/>
               <a:pPr/>
-              <a:t>16</a:t>
+              <a:t>18</a:t>
             </a:fld>
             <a:endParaRPr lang="en-US" dirty="0"/>
           </a:p>
@@ -26321,29 +27635,196 @@
       </p:grpSpPr>
       <p:sp>
         <p:nvSpPr>
-          <p:cNvPr id="2" name="Title 1"/>
+          <p:cNvPr id="25602" name="Rectangle 1026"/>
           <p:cNvSpPr>
-            <a:spLocks noGrp="1"/>
+            <a:spLocks noChangeArrowheads="1"/>
+          </p:cNvSpPr>
+          <p:nvPr/>
+        </p:nvSpPr>
+        <p:spPr bwMode="auto">
+          <a:xfrm>
+            <a:off x="690563" y="6243638"/>
+            <a:ext cx="1903412" cy="455612"/>
+          </a:xfrm>
+          <a:prstGeom prst="rect">
+            <a:avLst/>
+          </a:prstGeom>
+          <a:noFill/>
+          <a:ln w="9525">
+            <a:noFill/>
+            <a:miter lim="800000"/>
+            <a:headEnd/>
+            <a:tailEnd/>
+          </a:ln>
+        </p:spPr>
+        <p:txBody>
+          <a:bodyPr wrap="none" anchor="ctr"/>
+          <a:lstStyle/>
+          <a:p>
+            <a:endParaRPr lang="en-US"/>
+          </a:p>
+        </p:txBody>
+      </p:sp>
+      <p:sp>
+        <p:nvSpPr>
+          <p:cNvPr id="25603" name="Rectangle 1027"/>
+          <p:cNvSpPr>
+            <a:spLocks noChangeArrowheads="1"/>
+          </p:cNvSpPr>
+          <p:nvPr/>
+        </p:nvSpPr>
+        <p:spPr bwMode="auto">
+          <a:xfrm>
+            <a:off x="3125788" y="6243638"/>
+            <a:ext cx="2892425" cy="455612"/>
+          </a:xfrm>
+          <a:prstGeom prst="rect">
+            <a:avLst/>
+          </a:prstGeom>
+          <a:noFill/>
+          <a:ln w="9525">
+            <a:noFill/>
+            <a:miter lim="800000"/>
+            <a:headEnd/>
+            <a:tailEnd/>
+          </a:ln>
+        </p:spPr>
+        <p:txBody>
+          <a:bodyPr wrap="none" anchor="ctr"/>
+          <a:lstStyle/>
+          <a:p>
+            <a:endParaRPr lang="en-US"/>
+          </a:p>
+        </p:txBody>
+      </p:sp>
+      <p:sp>
+        <p:nvSpPr>
+          <p:cNvPr id="25604" name="Rectangle 1028"/>
+          <p:cNvSpPr>
+            <a:spLocks noChangeArrowheads="1"/>
+          </p:cNvSpPr>
+          <p:nvPr/>
+        </p:nvSpPr>
+        <p:spPr bwMode="auto">
+          <a:xfrm>
+            <a:off x="690563" y="6243638"/>
+            <a:ext cx="1903412" cy="455612"/>
+          </a:xfrm>
+          <a:prstGeom prst="rect">
+            <a:avLst/>
+          </a:prstGeom>
+          <a:noFill/>
+          <a:ln w="9525">
+            <a:noFill/>
+            <a:miter lim="800000"/>
+            <a:headEnd/>
+            <a:tailEnd/>
+          </a:ln>
+        </p:spPr>
+        <p:txBody>
+          <a:bodyPr wrap="none" anchor="ctr"/>
+          <a:lstStyle/>
+          <a:p>
+            <a:endParaRPr lang="en-US"/>
+          </a:p>
+        </p:txBody>
+      </p:sp>
+      <p:sp>
+        <p:nvSpPr>
+          <p:cNvPr id="25606" name="Rectangle 1030"/>
+          <p:cNvSpPr>
+            <a:spLocks noGrp="1" noChangeArrowheads="1"/>
           </p:cNvSpPr>
           <p:nvPr>
             <p:ph type="title"/>
           </p:nvPr>
         </p:nvSpPr>
-        <p:spPr/>
+        <p:spPr>
+          <a:noFill/>
+        </p:spPr>
         <p:txBody>
-          <a:bodyPr/>
+          <a:bodyPr lIns="92075" tIns="46038" rIns="92075" bIns="46038"/>
           <a:lstStyle/>
           <a:p>
+            <a:pPr defTabSz="938213"/>
             <a:r>
               <a:rPr lang="en-US" dirty="0"/>
-              <a:t>Data Alignment</a:t>
+              <a:t>Endianness</a:t>
             </a:r>
           </a:p>
         </p:txBody>
       </p:sp>
       <p:sp>
         <p:nvSpPr>
-          <p:cNvPr id="3" name="Slide Number Placeholder 2"/>
+          <p:cNvPr id="25607" name="Rectangle 1031"/>
+          <p:cNvSpPr>
+            <a:spLocks noGrp="1" noChangeArrowheads="1"/>
+          </p:cNvSpPr>
+          <p:nvPr>
+            <p:ph sz="quarter" idx="1"/>
+          </p:nvPr>
+        </p:nvSpPr>
+        <p:spPr>
+          <a:xfrm>
+            <a:off x="3477717" y="1430312"/>
+            <a:ext cx="4804348" cy="1028075"/>
+          </a:xfrm>
+          <a:noFill/>
+        </p:spPr>
+        <p:txBody>
+          <a:bodyPr lIns="92075" tIns="46038" rIns="92075" bIns="46038" anchorCtr="1">
+            <a:normAutofit/>
+          </a:bodyPr>
+          <a:lstStyle/>
+          <a:p>
+            <a:pPr defTabSz="938213">
+              <a:lnSpc>
+                <a:spcPct val="90000"/>
+              </a:lnSpc>
+              <a:buNone/>
+            </a:pPr>
+            <a:r>
+              <a:rPr lang="en-US" dirty="0">
+                <a:latin typeface="Consolas" panose="020B0609020204030204" pitchFamily="49" charset="0"/>
+                <a:cs typeface="Consolas" panose="020B0609020204030204" pitchFamily="49" charset="0"/>
+              </a:rPr>
+              <a:t>LDR r11, [r0]</a:t>
+            </a:r>
+          </a:p>
+          <a:p>
+            <a:pPr defTabSz="938213">
+              <a:lnSpc>
+                <a:spcPct val="90000"/>
+              </a:lnSpc>
+              <a:buNone/>
+            </a:pPr>
+            <a:r>
+              <a:rPr lang="en-US" dirty="0">
+                <a:latin typeface="Consolas" panose="020B0609020204030204" pitchFamily="49" charset="0"/>
+                <a:cs typeface="Consolas" panose="020B0609020204030204" pitchFamily="49" charset="0"/>
+              </a:rPr>
+              <a:t>; r0 = </a:t>
+            </a:r>
+            <a:r>
+              <a:rPr lang="en-US" dirty="0" err="1">
+                <a:latin typeface="Consolas" panose="020B0609020204030204" pitchFamily="49" charset="0"/>
+                <a:cs typeface="Consolas" panose="020B0609020204030204" pitchFamily="49" charset="0"/>
+              </a:rPr>
+              <a:t>0x20008000</a:t>
+            </a:r>
+            <a:r>
+              <a:rPr lang="en-US" dirty="0">
+                <a:latin typeface="Consolas" panose="020B0609020204030204" pitchFamily="49" charset="0"/>
+                <a:cs typeface="Consolas" panose="020B0609020204030204" pitchFamily="49" charset="0"/>
+              </a:rPr>
+              <a:t> </a:t>
+            </a:r>
+          </a:p>
+        </p:txBody>
+      </p:sp>
+      <p:sp>
+        <p:nvSpPr>
+          <p:cNvPr id="8" name="Slide Number Placeholder 7"/>
           <p:cNvSpPr>
             <a:spLocks noGrp="1"/>
           </p:cNvSpPr>
@@ -26356,270 +27837,371 @@
           <a:bodyPr/>
           <a:lstStyle/>
           <a:p>
-            <a:fld id="{3CC63E4C-4642-794D-A2FD-70F6B81535F5}" type="slidenum">
+            <a:fld id="{AEE14D4A-FE32-40AF-B06D-E9622816B101}" type="slidenum">
               <a:rPr lang="en-US" smtClean="0"/>
               <a:pPr/>
               <a:t>8</a:t>
             </a:fld>
-            <a:endParaRPr lang="en-US" dirty="0"/>
+            <a:endParaRPr lang="en-US"/>
           </a:p>
         </p:txBody>
       </p:sp>
-      <p:sp>
-        <p:nvSpPr>
-          <p:cNvPr id="4" name="Rectangle 3"/>
-          <p:cNvSpPr txBox="1">
-            <a:spLocks noChangeArrowheads="1"/>
-          </p:cNvSpPr>
-          <p:nvPr/>
-        </p:nvSpPr>
-        <p:spPr>
-          <a:xfrm>
-            <a:off x="612648" y="1673752"/>
-            <a:ext cx="8182841" cy="1755248"/>
-          </a:xfrm>
-          <a:prstGeom prst="rect">
-            <a:avLst/>
-          </a:prstGeom>
-        </p:spPr>
-        <p:txBody>
-          <a:bodyPr/>
-          <a:lstStyle>
-            <a:lvl1pPr marL="342900" indent="-342900" algn="l" defTabSz="457200" rtl="0" eaLnBrk="1" latinLnBrk="0" hangingPunct="1">
-              <a:spcBef>
-                <a:spcPct val="20000"/>
-              </a:spcBef>
-              <a:buFont typeface="Arial"/>
-              <a:buChar char="•"/>
-              <a:defRPr sz="3200" kern="1200">
-                <a:solidFill>
-                  <a:schemeClr val="tx1"/>
-                </a:solidFill>
-                <a:latin typeface="+mn-lt"/>
-                <a:ea typeface="+mn-ea"/>
-                <a:cs typeface="+mn-cs"/>
-              </a:defRPr>
-            </a:lvl1pPr>
-            <a:lvl2pPr marL="742950" indent="-285750" algn="l" defTabSz="457200" rtl="0" eaLnBrk="1" latinLnBrk="0" hangingPunct="1">
-              <a:spcBef>
-                <a:spcPct val="20000"/>
-              </a:spcBef>
-              <a:buFont typeface="Arial"/>
-              <a:buChar char="–"/>
-              <a:defRPr sz="2800" kern="1200">
-                <a:solidFill>
-                  <a:schemeClr val="tx1"/>
-                </a:solidFill>
-                <a:latin typeface="+mn-lt"/>
-                <a:ea typeface="+mn-ea"/>
-                <a:cs typeface="+mn-cs"/>
-              </a:defRPr>
-            </a:lvl2pPr>
-            <a:lvl3pPr marL="1143000" indent="-228600" algn="l" defTabSz="457200" rtl="0" eaLnBrk="1" latinLnBrk="0" hangingPunct="1">
-              <a:spcBef>
-                <a:spcPct val="20000"/>
-              </a:spcBef>
-              <a:buFont typeface="Arial"/>
-              <a:buChar char="•"/>
-              <a:defRPr sz="2400" kern="1200">
-                <a:solidFill>
-                  <a:schemeClr val="tx1"/>
-                </a:solidFill>
-                <a:latin typeface="+mn-lt"/>
-                <a:ea typeface="+mn-ea"/>
-                <a:cs typeface="+mn-cs"/>
-              </a:defRPr>
-            </a:lvl3pPr>
-            <a:lvl4pPr marL="1600200" indent="-228600" algn="l" defTabSz="457200" rtl="0" eaLnBrk="1" latinLnBrk="0" hangingPunct="1">
-              <a:spcBef>
-                <a:spcPct val="20000"/>
-              </a:spcBef>
-              <a:buFont typeface="Arial"/>
-              <a:buChar char="–"/>
-              <a:defRPr sz="2000" kern="1200">
-                <a:solidFill>
-                  <a:schemeClr val="tx1"/>
-                </a:solidFill>
-                <a:latin typeface="+mn-lt"/>
-                <a:ea typeface="+mn-ea"/>
-                <a:cs typeface="+mn-cs"/>
-              </a:defRPr>
-            </a:lvl4pPr>
-            <a:lvl5pPr marL="2057400" indent="-228600" algn="l" defTabSz="457200" rtl="0" eaLnBrk="1" latinLnBrk="0" hangingPunct="1">
-              <a:spcBef>
-                <a:spcPct val="20000"/>
-              </a:spcBef>
-              <a:buFont typeface="Arial"/>
-              <a:buChar char="»"/>
-              <a:defRPr sz="2000" kern="1200">
-                <a:solidFill>
-                  <a:schemeClr val="tx1"/>
-                </a:solidFill>
-                <a:latin typeface="+mn-lt"/>
-                <a:ea typeface="+mn-ea"/>
-                <a:cs typeface="+mn-cs"/>
-              </a:defRPr>
-            </a:lvl5pPr>
-            <a:lvl6pPr marL="2514600" indent="-228600" algn="l" defTabSz="457200" rtl="0" eaLnBrk="1" latinLnBrk="0" hangingPunct="1">
-              <a:spcBef>
-                <a:spcPct val="20000"/>
-              </a:spcBef>
-              <a:buFont typeface="Arial"/>
-              <a:buChar char="•"/>
-              <a:defRPr sz="2000" kern="1200">
-                <a:solidFill>
-                  <a:schemeClr val="tx1"/>
-                </a:solidFill>
-                <a:latin typeface="+mn-lt"/>
-                <a:ea typeface="+mn-ea"/>
-                <a:cs typeface="+mn-cs"/>
-              </a:defRPr>
-            </a:lvl6pPr>
-            <a:lvl7pPr marL="2971800" indent="-228600" algn="l" defTabSz="457200" rtl="0" eaLnBrk="1" latinLnBrk="0" hangingPunct="1">
-              <a:spcBef>
-                <a:spcPct val="20000"/>
-              </a:spcBef>
-              <a:buFont typeface="Arial"/>
-              <a:buChar char="•"/>
-              <a:defRPr sz="2000" kern="1200">
-                <a:solidFill>
-                  <a:schemeClr val="tx1"/>
-                </a:solidFill>
-                <a:latin typeface="+mn-lt"/>
-                <a:ea typeface="+mn-ea"/>
-                <a:cs typeface="+mn-cs"/>
-              </a:defRPr>
-            </a:lvl7pPr>
-            <a:lvl8pPr marL="3429000" indent="-228600" algn="l" defTabSz="457200" rtl="0" eaLnBrk="1" latinLnBrk="0" hangingPunct="1">
-              <a:spcBef>
-                <a:spcPct val="20000"/>
-              </a:spcBef>
-              <a:buFont typeface="Arial"/>
-              <a:buChar char="•"/>
-              <a:defRPr sz="2000" kern="1200">
-                <a:solidFill>
-                  <a:schemeClr val="tx1"/>
-                </a:solidFill>
-                <a:latin typeface="+mn-lt"/>
-                <a:ea typeface="+mn-ea"/>
-                <a:cs typeface="+mn-cs"/>
-              </a:defRPr>
-            </a:lvl8pPr>
-            <a:lvl9pPr marL="3886200" indent="-228600" algn="l" defTabSz="457200" rtl="0" eaLnBrk="1" latinLnBrk="0" hangingPunct="1">
-              <a:spcBef>
-                <a:spcPct val="20000"/>
-              </a:spcBef>
-              <a:buFont typeface="Arial"/>
-              <a:buChar char="•"/>
-              <a:defRPr sz="2000" kern="1200">
-                <a:solidFill>
-                  <a:schemeClr val="tx1"/>
-                </a:solidFill>
-                <a:latin typeface="+mn-lt"/>
-                <a:ea typeface="+mn-ea"/>
-                <a:cs typeface="+mn-cs"/>
-              </a:defRPr>
-            </a:lvl9pPr>
-          </a:lstStyle>
-          <a:p>
-            <a:r>
-              <a:rPr lang="en-US" sz="1500" dirty="0"/>
-              <a:t>Assume a byte-addressable memory with a data bus that is 32 bits (4 bytes) wide</a:t>
-            </a:r>
-          </a:p>
-          <a:p>
-            <a:r>
-              <a:rPr lang="en-US" sz="1500" dirty="0"/>
-              <a:t>Consider 16 bytes of memory (addresses 0 to 15) arranged as four 32-bit words (4 bytes each)</a:t>
-            </a:r>
-          </a:p>
-        </p:txBody>
-      </p:sp>
-      <p:sp>
-        <p:nvSpPr>
-          <p:cNvPr id="7" name="TextBox 6"/>
-          <p:cNvSpPr txBox="1"/>
-          <p:nvPr/>
-        </p:nvSpPr>
-        <p:spPr>
-          <a:xfrm>
-            <a:off x="542078" y="3412912"/>
-            <a:ext cx="3581400" cy="715581"/>
-          </a:xfrm>
-          <a:prstGeom prst="rect">
-            <a:avLst/>
-          </a:prstGeom>
-          <a:noFill/>
-        </p:spPr>
-        <p:txBody>
-          <a:bodyPr wrap="square" rtlCol="0">
-            <a:spAutoFit/>
-          </a:bodyPr>
-          <a:lstStyle/>
-          <a:p>
-            <a:r>
-              <a:rPr lang="en-US" sz="1350" dirty="0">
-                <a:solidFill>
-                  <a:srgbClr val="FF0000"/>
-                </a:solidFill>
-              </a:rPr>
-              <a:t>Well-aligned</a:t>
-            </a:r>
-            <a:r>
-              <a:rPr lang="en-US" sz="1350" dirty="0"/>
-              <a:t>: each word begins on a mod-4 address, which can be read in a single memory cycle</a:t>
-            </a:r>
-          </a:p>
-        </p:txBody>
-      </p:sp>
-      <p:pic>
-        <p:nvPicPr>
-          <p:cNvPr id="9" name="Picture 8"/>
-          <p:cNvPicPr>
-            <a:picLocks noChangeAspect="1"/>
-          </p:cNvPicPr>
-          <p:nvPr/>
-        </p:nvPicPr>
-        <p:blipFill>
-          <a:blip r:embed="rId3"/>
-          <a:stretch>
-            <a:fillRect/>
-          </a:stretch>
-        </p:blipFill>
-        <p:spPr>
-          <a:xfrm>
-            <a:off x="4543965" y="2307838"/>
-            <a:ext cx="3785316" cy="1121162"/>
-          </a:xfrm>
-          <a:prstGeom prst="rect">
-            <a:avLst/>
-          </a:prstGeom>
-        </p:spPr>
-      </p:pic>
-      <p:pic>
-        <p:nvPicPr>
-          <p:cNvPr id="10" name="Picture 9"/>
-          <p:cNvPicPr>
-            <a:picLocks noChangeAspect="1"/>
-          </p:cNvPicPr>
-          <p:nvPr/>
-        </p:nvPicPr>
-        <p:blipFill>
-          <a:blip r:embed="rId4"/>
-          <a:stretch>
-            <a:fillRect/>
-          </a:stretch>
-        </p:blipFill>
-        <p:spPr>
-          <a:xfrm>
-            <a:off x="542078" y="2283024"/>
-            <a:ext cx="3802444" cy="1129888"/>
-          </a:xfrm>
-          <a:prstGeom prst="rect">
-            <a:avLst/>
-          </a:prstGeom>
-        </p:spPr>
-      </p:pic>
+      <p:graphicFrame>
+        <p:nvGraphicFramePr>
+          <p:cNvPr id="9" name="Table 8"/>
+          <p:cNvGraphicFramePr>
+            <a:graphicFrameLocks noGrp="1"/>
+          </p:cNvGraphicFramePr>
+          <p:nvPr>
+            <p:extLst>
+              <p:ext uri="{D42A27DB-BD31-4B8C-83A1-F6EECF244321}">
+                <p14:modId xmlns:p14="http://schemas.microsoft.com/office/powerpoint/2010/main" val="2177192664"/>
+              </p:ext>
+            </p:extLst>
+          </p:nvPr>
+        </p:nvGraphicFramePr>
+        <p:xfrm>
+          <a:off x="4167267" y="2716135"/>
+          <a:ext cx="4497050" cy="3017520"/>
+        </p:xfrm>
+        <a:graphic>
+          <a:graphicData uri="http://schemas.openxmlformats.org/drawingml/2006/table">
+            <a:tbl>
+              <a:tblPr firstRow="1" bandRow="1">
+                <a:tableStyleId>{5C22544A-7EE6-4342-B048-85BDC9FD1C3A}</a:tableStyleId>
+              </a:tblPr>
+              <a:tblGrid>
+                <a:gridCol w="2457651">
+                  <a:extLst>
+                    <a:ext uri="{9D8B030D-6E8A-4147-A177-3AD203B41FA5}">
+                      <a16:colId xmlns:a16="http://schemas.microsoft.com/office/drawing/2014/main" val="20000"/>
+                    </a:ext>
+                  </a:extLst>
+                </a:gridCol>
+                <a:gridCol w="2039399">
+                  <a:extLst>
+                    <a:ext uri="{9D8B030D-6E8A-4147-A177-3AD203B41FA5}">
+                      <a16:colId xmlns:a16="http://schemas.microsoft.com/office/drawing/2014/main" val="20001"/>
+                    </a:ext>
+                  </a:extLst>
+                </a:gridCol>
+              </a:tblGrid>
+              <a:tr h="370840">
+                <a:tc>
+                  <a:txBody>
+                    <a:bodyPr/>
+                    <a:lstStyle/>
+                    <a:p>
+                      <a:pPr algn="ctr"/>
+                      <a:r>
+                        <a:rPr lang="en-US" sz="2800" dirty="0">
+                          <a:latin typeface="Consolas" panose="020B0609020204030204" pitchFamily="49" charset="0"/>
+                          <a:cs typeface="Consolas" panose="020B0609020204030204" pitchFamily="49" charset="0"/>
+                        </a:rPr>
+                        <a:t>Memory Address</a:t>
+                      </a:r>
+                    </a:p>
+                  </a:txBody>
+                  <a:tcPr/>
+                </a:tc>
+                <a:tc>
+                  <a:txBody>
+                    <a:bodyPr/>
+                    <a:lstStyle/>
+                    <a:p>
+                      <a:pPr algn="ctr"/>
+                      <a:r>
+                        <a:rPr lang="en-US" sz="2800" dirty="0">
+                          <a:latin typeface="Consolas" panose="020B0609020204030204" pitchFamily="49" charset="0"/>
+                          <a:cs typeface="Consolas" panose="020B0609020204030204" pitchFamily="49" charset="0"/>
+                        </a:rPr>
+                        <a:t>Memory</a:t>
+                      </a:r>
+                      <a:r>
+                        <a:rPr lang="en-US" sz="2800" baseline="0" dirty="0">
+                          <a:latin typeface="Consolas" panose="020B0609020204030204" pitchFamily="49" charset="0"/>
+                          <a:cs typeface="Consolas" panose="020B0609020204030204" pitchFamily="49" charset="0"/>
+                        </a:rPr>
+                        <a:t> Data</a:t>
+                      </a:r>
+                      <a:endParaRPr lang="en-US" sz="2800" dirty="0">
+                        <a:latin typeface="Consolas" panose="020B0609020204030204" pitchFamily="49" charset="0"/>
+                        <a:cs typeface="Consolas" panose="020B0609020204030204" pitchFamily="49" charset="0"/>
+                      </a:endParaRPr>
+                    </a:p>
+                  </a:txBody>
+                  <a:tcPr/>
+                </a:tc>
+                <a:extLst>
+                  <a:ext uri="{0D108BD9-81ED-4DB2-BD59-A6C34878D82A}">
+                    <a16:rowId xmlns:a16="http://schemas.microsoft.com/office/drawing/2014/main" val="10000"/>
+                  </a:ext>
+                </a:extLst>
+              </a:tr>
+              <a:tr h="370840">
+                <a:tc>
+                  <a:txBody>
+                    <a:bodyPr/>
+                    <a:lstStyle/>
+                    <a:p>
+                      <a:pPr algn="ctr"/>
+                      <a:r>
+                        <a:rPr lang="en-US" sz="2800" dirty="0" err="1">
+                          <a:latin typeface="Consolas" panose="020B0609020204030204" pitchFamily="49" charset="0"/>
+                          <a:cs typeface="Consolas" panose="020B0609020204030204" pitchFamily="49" charset="0"/>
+                        </a:rPr>
+                        <a:t>0x20008003</a:t>
+                      </a:r>
+                      <a:endParaRPr lang="en-US" sz="2800" dirty="0">
+                        <a:latin typeface="Consolas" panose="020B0609020204030204" pitchFamily="49" charset="0"/>
+                        <a:cs typeface="Consolas" panose="020B0609020204030204" pitchFamily="49" charset="0"/>
+                      </a:endParaRPr>
+                    </a:p>
+                  </a:txBody>
+                  <a:tcPr/>
+                </a:tc>
+                <a:tc>
+                  <a:txBody>
+                    <a:bodyPr/>
+                    <a:lstStyle/>
+                    <a:p>
+                      <a:pPr marL="0" marR="0" indent="0" algn="ctr" defTabSz="914400" rtl="0" eaLnBrk="1" fontAlgn="auto" latinLnBrk="0" hangingPunct="1">
+                        <a:lnSpc>
+                          <a:spcPct val="100000"/>
+                        </a:lnSpc>
+                        <a:spcBef>
+                          <a:spcPts val="0"/>
+                        </a:spcBef>
+                        <a:spcAft>
+                          <a:spcPts val="0"/>
+                        </a:spcAft>
+                        <a:buClrTx/>
+                        <a:buSzTx/>
+                        <a:buFontTx/>
+                        <a:buNone/>
+                        <a:tabLst/>
+                        <a:defRPr/>
+                      </a:pPr>
+                      <a:r>
+                        <a:rPr lang="en-US" sz="2800" dirty="0" err="1">
+                          <a:latin typeface="Consolas" panose="020B0609020204030204" pitchFamily="49" charset="0"/>
+                          <a:cs typeface="Consolas" panose="020B0609020204030204" pitchFamily="49" charset="0"/>
+                        </a:rPr>
+                        <a:t>0xA7</a:t>
+                      </a:r>
+                      <a:endParaRPr lang="en-US" sz="2800" dirty="0">
+                        <a:latin typeface="Consolas" panose="020B0609020204030204" pitchFamily="49" charset="0"/>
+                        <a:cs typeface="Consolas" panose="020B0609020204030204" pitchFamily="49" charset="0"/>
+                      </a:endParaRPr>
+                    </a:p>
+                  </a:txBody>
+                  <a:tcPr/>
+                </a:tc>
+                <a:extLst>
+                  <a:ext uri="{0D108BD9-81ED-4DB2-BD59-A6C34878D82A}">
+                    <a16:rowId xmlns:a16="http://schemas.microsoft.com/office/drawing/2014/main" val="10001"/>
+                  </a:ext>
+                </a:extLst>
+              </a:tr>
+              <a:tr h="370840">
+                <a:tc>
+                  <a:txBody>
+                    <a:bodyPr/>
+                    <a:lstStyle/>
+                    <a:p>
+                      <a:pPr algn="ctr"/>
+                      <a:r>
+                        <a:rPr lang="en-US" sz="2800" dirty="0" err="1">
+                          <a:latin typeface="Consolas" panose="020B0609020204030204" pitchFamily="49" charset="0"/>
+                          <a:cs typeface="Consolas" panose="020B0609020204030204" pitchFamily="49" charset="0"/>
+                        </a:rPr>
+                        <a:t>0x20008002</a:t>
+                      </a:r>
+                      <a:endParaRPr lang="en-US" sz="2800" dirty="0">
+                        <a:latin typeface="Consolas" panose="020B0609020204030204" pitchFamily="49" charset="0"/>
+                        <a:cs typeface="Consolas" panose="020B0609020204030204" pitchFamily="49" charset="0"/>
+                      </a:endParaRPr>
+                    </a:p>
+                  </a:txBody>
+                  <a:tcPr/>
+                </a:tc>
+                <a:tc>
+                  <a:txBody>
+                    <a:bodyPr/>
+                    <a:lstStyle/>
+                    <a:p>
+                      <a:pPr marL="0" marR="0" indent="0" algn="ctr" defTabSz="914400" rtl="0" eaLnBrk="1" fontAlgn="auto" latinLnBrk="0" hangingPunct="1">
+                        <a:lnSpc>
+                          <a:spcPct val="100000"/>
+                        </a:lnSpc>
+                        <a:spcBef>
+                          <a:spcPts val="0"/>
+                        </a:spcBef>
+                        <a:spcAft>
+                          <a:spcPts val="0"/>
+                        </a:spcAft>
+                        <a:buClrTx/>
+                        <a:buSzTx/>
+                        <a:buFontTx/>
+                        <a:buNone/>
+                        <a:tabLst/>
+                        <a:defRPr/>
+                      </a:pPr>
+                      <a:r>
+                        <a:rPr lang="en-US" sz="2800" dirty="0" err="1">
+                          <a:latin typeface="Consolas" panose="020B0609020204030204" pitchFamily="49" charset="0"/>
+                          <a:cs typeface="Consolas" panose="020B0609020204030204" pitchFamily="49" charset="0"/>
+                        </a:rPr>
+                        <a:t>0x90</a:t>
+                      </a:r>
+                      <a:endParaRPr lang="en-US" sz="2800" dirty="0">
+                        <a:latin typeface="Consolas" panose="020B0609020204030204" pitchFamily="49" charset="0"/>
+                        <a:cs typeface="Consolas" panose="020B0609020204030204" pitchFamily="49" charset="0"/>
+                      </a:endParaRPr>
+                    </a:p>
+                  </a:txBody>
+                  <a:tcPr/>
+                </a:tc>
+                <a:extLst>
+                  <a:ext uri="{0D108BD9-81ED-4DB2-BD59-A6C34878D82A}">
+                    <a16:rowId xmlns:a16="http://schemas.microsoft.com/office/drawing/2014/main" val="10002"/>
+                  </a:ext>
+                </a:extLst>
+              </a:tr>
+              <a:tr h="370840">
+                <a:tc>
+                  <a:txBody>
+                    <a:bodyPr/>
+                    <a:lstStyle/>
+                    <a:p>
+                      <a:pPr algn="ctr"/>
+                      <a:r>
+                        <a:rPr lang="en-US" sz="2800" dirty="0" err="1">
+                          <a:latin typeface="Consolas" panose="020B0609020204030204" pitchFamily="49" charset="0"/>
+                          <a:cs typeface="Consolas" panose="020B0609020204030204" pitchFamily="49" charset="0"/>
+                        </a:rPr>
+                        <a:t>0x20008001</a:t>
+                      </a:r>
+                      <a:endParaRPr lang="en-US" sz="2800" dirty="0">
+                        <a:latin typeface="Consolas" panose="020B0609020204030204" pitchFamily="49" charset="0"/>
+                        <a:cs typeface="Consolas" panose="020B0609020204030204" pitchFamily="49" charset="0"/>
+                      </a:endParaRPr>
+                    </a:p>
+                  </a:txBody>
+                  <a:tcPr/>
+                </a:tc>
+                <a:tc>
+                  <a:txBody>
+                    <a:bodyPr/>
+                    <a:lstStyle/>
+                    <a:p>
+                      <a:pPr marL="0" marR="0" indent="0" algn="ctr" defTabSz="914400" rtl="0" eaLnBrk="1" fontAlgn="auto" latinLnBrk="0" hangingPunct="1">
+                        <a:lnSpc>
+                          <a:spcPct val="100000"/>
+                        </a:lnSpc>
+                        <a:spcBef>
+                          <a:spcPts val="0"/>
+                        </a:spcBef>
+                        <a:spcAft>
+                          <a:spcPts val="0"/>
+                        </a:spcAft>
+                        <a:buClrTx/>
+                        <a:buSzTx/>
+                        <a:buFontTx/>
+                        <a:buNone/>
+                        <a:tabLst/>
+                        <a:defRPr/>
+                      </a:pPr>
+                      <a:r>
+                        <a:rPr lang="en-US" sz="2800" dirty="0" err="1">
+                          <a:latin typeface="Consolas" panose="020B0609020204030204" pitchFamily="49" charset="0"/>
+                          <a:cs typeface="Consolas" panose="020B0609020204030204" pitchFamily="49" charset="0"/>
+                        </a:rPr>
+                        <a:t>0x8C</a:t>
+                      </a:r>
+                      <a:endParaRPr lang="en-US" sz="2800" dirty="0">
+                        <a:latin typeface="Consolas" panose="020B0609020204030204" pitchFamily="49" charset="0"/>
+                        <a:cs typeface="Consolas" panose="020B0609020204030204" pitchFamily="49" charset="0"/>
+                      </a:endParaRPr>
+                    </a:p>
+                  </a:txBody>
+                  <a:tcPr/>
+                </a:tc>
+                <a:extLst>
+                  <a:ext uri="{0D108BD9-81ED-4DB2-BD59-A6C34878D82A}">
+                    <a16:rowId xmlns:a16="http://schemas.microsoft.com/office/drawing/2014/main" val="10003"/>
+                  </a:ext>
+                </a:extLst>
+              </a:tr>
+              <a:tr h="370840">
+                <a:tc>
+                  <a:txBody>
+                    <a:bodyPr/>
+                    <a:lstStyle/>
+                    <a:p>
+                      <a:pPr algn="ctr"/>
+                      <a:r>
+                        <a:rPr lang="en-US" sz="2800" dirty="0" err="1">
+                          <a:latin typeface="Consolas" panose="020B0609020204030204" pitchFamily="49" charset="0"/>
+                          <a:cs typeface="Consolas" panose="020B0609020204030204" pitchFamily="49" charset="0"/>
+                        </a:rPr>
+                        <a:t>0x20008000</a:t>
+                      </a:r>
+                      <a:endParaRPr lang="en-US" sz="2800" dirty="0">
+                        <a:latin typeface="Consolas" panose="020B0609020204030204" pitchFamily="49" charset="0"/>
+                        <a:cs typeface="Consolas" panose="020B0609020204030204" pitchFamily="49" charset="0"/>
+                      </a:endParaRPr>
+                    </a:p>
+                  </a:txBody>
+                  <a:tcPr/>
+                </a:tc>
+                <a:tc>
+                  <a:txBody>
+                    <a:bodyPr/>
+                    <a:lstStyle/>
+                    <a:p>
+                      <a:pPr marL="0" marR="0" indent="0" algn="ctr" defTabSz="914400" rtl="0" eaLnBrk="1" fontAlgn="auto" latinLnBrk="0" hangingPunct="1">
+                        <a:lnSpc>
+                          <a:spcPct val="100000"/>
+                        </a:lnSpc>
+                        <a:spcBef>
+                          <a:spcPts val="0"/>
+                        </a:spcBef>
+                        <a:spcAft>
+                          <a:spcPts val="0"/>
+                        </a:spcAft>
+                        <a:buClrTx/>
+                        <a:buSzTx/>
+                        <a:buFontTx/>
+                        <a:buNone/>
+                        <a:tabLst/>
+                        <a:defRPr/>
+                      </a:pPr>
+                      <a:r>
+                        <a:rPr lang="en-US" sz="2800" dirty="0" err="1">
+                          <a:latin typeface="Consolas" panose="020B0609020204030204" pitchFamily="49" charset="0"/>
+                          <a:cs typeface="Consolas" panose="020B0609020204030204" pitchFamily="49" charset="0"/>
+                        </a:rPr>
+                        <a:t>0xEE</a:t>
+                      </a:r>
+                      <a:endParaRPr lang="en-US" sz="2800" dirty="0">
+                        <a:latin typeface="Consolas" panose="020B0609020204030204" pitchFamily="49" charset="0"/>
+                        <a:cs typeface="Consolas" panose="020B0609020204030204" pitchFamily="49" charset="0"/>
+                      </a:endParaRPr>
+                    </a:p>
+                  </a:txBody>
+                  <a:tcPr/>
+                </a:tc>
+                <a:extLst>
+                  <a:ext uri="{0D108BD9-81ED-4DB2-BD59-A6C34878D82A}">
+                    <a16:rowId xmlns:a16="http://schemas.microsoft.com/office/drawing/2014/main" val="10004"/>
+                  </a:ext>
+                </a:extLst>
+              </a:tr>
+            </a:tbl>
+          </a:graphicData>
+        </a:graphic>
+      </p:graphicFrame>
       <p:sp>
         <p:nvSpPr>
           <p:cNvPr id="11" name="TextBox 10"/>
@@ -26628,8 +28210,8 @@
         </p:nvSpPr>
         <p:spPr>
           <a:xfrm>
-            <a:off x="4543965" y="3412912"/>
-            <a:ext cx="3581400" cy="715581"/>
+            <a:off x="366684" y="2231610"/>
+            <a:ext cx="2949846" cy="461665"/>
           </a:xfrm>
           <a:prstGeom prst="rect">
             <a:avLst/>
@@ -26637,180 +28219,40 @@
           <a:noFill/>
         </p:spPr>
         <p:txBody>
-          <a:bodyPr wrap="square" rtlCol="0">
+          <a:bodyPr wrap="none" rtlCol="0">
             <a:spAutoFit/>
           </a:bodyPr>
           <a:lstStyle/>
           <a:p>
             <a:r>
-              <a:rPr lang="en-US" sz="1350" dirty="0">
-                <a:solidFill>
-                  <a:srgbClr val="FF0000"/>
-                </a:solidFill>
-              </a:rPr>
-              <a:t>Ill-aligned</a:t>
-            </a:r>
-            <a:r>
-              <a:rPr lang="en-US" sz="1350" dirty="0"/>
-              <a:t>: a word begins on address 6, not a mod-4 address, which can be read in 2 memory cycles</a:t>
-            </a:r>
-          </a:p>
-        </p:txBody>
-      </p:sp>
-      <p:pic>
-        <p:nvPicPr>
-          <p:cNvPr id="12" name="Picture 11"/>
-          <p:cNvPicPr>
-            <a:picLocks noChangeAspect="1"/>
-          </p:cNvPicPr>
-          <p:nvPr/>
-        </p:nvPicPr>
-        <p:blipFill>
-          <a:blip r:embed="rId5"/>
-          <a:stretch>
-            <a:fillRect/>
-          </a:stretch>
-        </p:blipFill>
-        <p:spPr>
-          <a:xfrm>
-            <a:off x="4701867" y="4223976"/>
-            <a:ext cx="4059366" cy="305375"/>
-          </a:xfrm>
-          <a:prstGeom prst="rect">
-            <a:avLst/>
-          </a:prstGeom>
-        </p:spPr>
-      </p:pic>
-      <p:pic>
-        <p:nvPicPr>
-          <p:cNvPr id="13" name="Picture 12"/>
-          <p:cNvPicPr>
-            <a:picLocks noChangeAspect="1"/>
-          </p:cNvPicPr>
-          <p:nvPr/>
-        </p:nvPicPr>
-        <p:blipFill>
-          <a:blip r:embed="rId6"/>
-          <a:stretch>
-            <a:fillRect/>
-          </a:stretch>
-        </p:blipFill>
-        <p:spPr>
-          <a:xfrm>
-            <a:off x="4667611" y="4777320"/>
-            <a:ext cx="4127879" cy="327188"/>
-          </a:xfrm>
-          <a:prstGeom prst="rect">
-            <a:avLst/>
-          </a:prstGeom>
-        </p:spPr>
-      </p:pic>
-      <p:pic>
-        <p:nvPicPr>
-          <p:cNvPr id="14" name="Picture 13"/>
-          <p:cNvPicPr>
-            <a:picLocks noChangeAspect="1"/>
-          </p:cNvPicPr>
-          <p:nvPr/>
-        </p:nvPicPr>
-        <p:blipFill>
-          <a:blip r:embed="rId7"/>
-          <a:stretch>
-            <a:fillRect/>
-          </a:stretch>
-        </p:blipFill>
-        <p:spPr>
-          <a:xfrm>
-            <a:off x="4701867" y="5317344"/>
-            <a:ext cx="3665419" cy="335912"/>
-          </a:xfrm>
-          <a:prstGeom prst="rect">
-            <a:avLst/>
-          </a:prstGeom>
-        </p:spPr>
-      </p:pic>
-      <p:sp>
-        <p:nvSpPr>
-          <p:cNvPr id="16" name="TextBox 15"/>
-          <p:cNvSpPr txBox="1"/>
-          <p:nvPr/>
-        </p:nvSpPr>
-        <p:spPr>
-          <a:xfrm>
-            <a:off x="109436" y="4128493"/>
-            <a:ext cx="4268981" cy="1754326"/>
-          </a:xfrm>
-          <a:prstGeom prst="rect">
-            <a:avLst/>
-          </a:prstGeom>
-          <a:noFill/>
-          <a:ln>
-            <a:solidFill>
-              <a:schemeClr val="tx1"/>
-            </a:solidFill>
-          </a:ln>
-        </p:spPr>
-        <p:txBody>
-          <a:bodyPr wrap="square" rtlCol="0">
-            <a:spAutoFit/>
-          </a:bodyPr>
-          <a:lstStyle/>
-          <a:p>
-            <a:r>
-              <a:rPr lang="en-US" sz="1200" dirty="0"/>
-              <a:t>The first read cycle would retrieve 4 bytes from addresses 4 through 7; of these, the bytes from addresses 4 and 5</a:t>
-            </a:r>
-          </a:p>
-          <a:p>
-            <a:r>
-              <a:rPr lang="en-US" sz="1200" dirty="0"/>
-              <a:t>are discarded, and those from addresses 6 and 7 are moved to the far right;</a:t>
-            </a:r>
-          </a:p>
-          <a:p>
-            <a:r>
-              <a:rPr lang="en-US" sz="1200" dirty="0"/>
-              <a:t>The second read cycle retrieves 4 bytes from addresses 8 through 11; the bytes from addresses 10 and 11 are  discarded, and those from addresses 8 and 9 are moved to the far left;</a:t>
-            </a:r>
-          </a:p>
-          <a:p>
-            <a:r>
-              <a:rPr lang="en-US" sz="1200" dirty="0"/>
-              <a:t>Finally, the two halves are combined to form the desired 32-bit operand:</a:t>
+              <a:rPr lang="en-US" sz="2400" dirty="0"/>
+              <a:t>r11 before load</a:t>
             </a:r>
           </a:p>
         </p:txBody>
       </p:sp>
       <p:sp>
         <p:nvSpPr>
-          <p:cNvPr id="5" name="Arrow: Right 4">
-            <a:extLst>
-              <a:ext uri="{FF2B5EF4-FFF2-40B4-BE49-F238E27FC236}">
-                <a16:creationId xmlns:a16="http://schemas.microsoft.com/office/drawing/2014/main" id="{403B0BD2-2931-BDC5-E683-51FBAB7B8593}"/>
-              </a:ext>
-            </a:extLst>
-          </p:cNvPr>
+          <p:cNvPr id="12" name="Rectangle 11"/>
           <p:cNvSpPr/>
           <p:nvPr/>
         </p:nvSpPr>
         <p:spPr>
           <a:xfrm>
-            <a:off x="4413347" y="4630642"/>
-            <a:ext cx="285830" cy="363474"/>
+            <a:off x="1026252" y="2741275"/>
+            <a:ext cx="2083633" cy="344774"/>
           </a:xfrm>
-          <a:prstGeom prst="rightArrow">
+          <a:prstGeom prst="rect">
             <a:avLst/>
           </a:prstGeom>
           <a:solidFill>
-            <a:schemeClr val="bg1">
-              <a:lumMod val="75000"/>
-            </a:schemeClr>
+            <a:schemeClr val="bg1"/>
           </a:solidFill>
         </p:spPr>
         <p:style>
           <a:lnRef idx="2">
             <a:schemeClr val="accent1">
-              <a:shade val="15000"/>
+              <a:shade val="50000"/>
             </a:schemeClr>
           </a:lnRef>
           <a:fillRef idx="1">
@@ -26828,16 +28270,136 @@
           <a:lstStyle/>
           <a:p>
             <a:pPr algn="ctr"/>
-            <a:endParaRPr lang="en-US" sz="1350"/>
+            <a:r>
+              <a:rPr lang="en-US" sz="2400" dirty="0">
+                <a:solidFill>
+                  <a:schemeClr val="tx1"/>
+                </a:solidFill>
+                <a:latin typeface="Consolas" panose="020B0609020204030204" pitchFamily="49" charset="0"/>
+                <a:cs typeface="Consolas" panose="020B0609020204030204" pitchFamily="49" charset="0"/>
+              </a:rPr>
+              <a:t>0x12345678</a:t>
+            </a:r>
           </a:p>
         </p:txBody>
       </p:sp>
       <p:sp>
         <p:nvSpPr>
-          <p:cNvPr id="6" name="Horizontal Scroll 14">
+          <p:cNvPr id="13" name="TextBox 12"/>
+          <p:cNvSpPr txBox="1"/>
+          <p:nvPr/>
+        </p:nvSpPr>
+        <p:spPr>
+          <a:xfrm>
+            <a:off x="285829" y="3192496"/>
+            <a:ext cx="3881437" cy="830997"/>
+          </a:xfrm>
+          <a:prstGeom prst="rect">
+            <a:avLst/>
+          </a:prstGeom>
+          <a:noFill/>
+        </p:spPr>
+        <p:txBody>
+          <a:bodyPr wrap="square" rtlCol="0">
+            <a:spAutoFit/>
+          </a:bodyPr>
+          <a:lstStyle/>
+          <a:p>
+            <a:r>
+              <a:rPr lang="en-US" sz="2400" dirty="0"/>
+              <a:t>r11 after load w/ Big-Endian ordering  </a:t>
+            </a:r>
+          </a:p>
+        </p:txBody>
+      </p:sp>
+      <p:sp>
+        <p:nvSpPr>
+          <p:cNvPr id="14" name="Rectangle 13"/>
+          <p:cNvSpPr/>
+          <p:nvPr/>
+        </p:nvSpPr>
+        <p:spPr>
+          <a:xfrm>
+            <a:off x="1026251" y="4018420"/>
+            <a:ext cx="2083633" cy="344774"/>
+          </a:xfrm>
+          <a:prstGeom prst="rect">
+            <a:avLst/>
+          </a:prstGeom>
+          <a:solidFill>
+            <a:schemeClr val="bg1"/>
+          </a:solidFill>
+        </p:spPr>
+        <p:style>
+          <a:lnRef idx="2">
+            <a:schemeClr val="accent1">
+              <a:shade val="50000"/>
+            </a:schemeClr>
+          </a:lnRef>
+          <a:fillRef idx="1">
+            <a:schemeClr val="accent1"/>
+          </a:fillRef>
+          <a:effectRef idx="0">
+            <a:schemeClr val="accent1"/>
+          </a:effectRef>
+          <a:fontRef idx="minor">
+            <a:schemeClr val="lt1"/>
+          </a:fontRef>
+        </p:style>
+        <p:txBody>
+          <a:bodyPr rtlCol="0" anchor="ctr"/>
+          <a:lstStyle/>
+          <a:p>
+            <a:pPr algn="ctr"/>
+            <a:endParaRPr lang="en-US" sz="2400" dirty="0">
+              <a:solidFill>
+                <a:schemeClr val="tx1"/>
+              </a:solidFill>
+            </a:endParaRPr>
+          </a:p>
+        </p:txBody>
+      </p:sp>
+      <p:sp>
+        <p:nvSpPr>
+          <p:cNvPr id="2" name="TextBox 1">
             <a:extLst>
               <a:ext uri="{FF2B5EF4-FFF2-40B4-BE49-F238E27FC236}">
-                <a16:creationId xmlns:a16="http://schemas.microsoft.com/office/drawing/2014/main" id="{9847AA0A-7964-4433-C181-1EB7B5E48F3F}"/>
+                <a16:creationId xmlns:a16="http://schemas.microsoft.com/office/drawing/2014/main" id="{03BF8BEC-CBCA-3D53-1D6F-7FE4217EF5F8}"/>
+              </a:ext>
+            </a:extLst>
+          </p:cNvPr>
+          <p:cNvSpPr txBox="1"/>
+          <p:nvPr/>
+        </p:nvSpPr>
+        <p:spPr>
+          <a:xfrm>
+            <a:off x="0" y="4388465"/>
+            <a:ext cx="4286171" cy="830997"/>
+          </a:xfrm>
+          <a:prstGeom prst="rect">
+            <a:avLst/>
+          </a:prstGeom>
+          <a:noFill/>
+        </p:spPr>
+        <p:txBody>
+          <a:bodyPr wrap="square" rtlCol="0">
+            <a:spAutoFit/>
+          </a:bodyPr>
+          <a:lstStyle/>
+          <a:p>
+            <a:r>
+              <a:rPr lang="en-US" sz="2400" dirty="0"/>
+              <a:t>r11 after load w/ Little-Endian ordering  </a:t>
+            </a:r>
+          </a:p>
+        </p:txBody>
+      </p:sp>
+      <p:sp>
+        <p:nvSpPr>
+          <p:cNvPr id="3" name="Rectangle 2">
+            <a:extLst>
+              <a:ext uri="{FF2B5EF4-FFF2-40B4-BE49-F238E27FC236}">
+                <a16:creationId xmlns:a16="http://schemas.microsoft.com/office/drawing/2014/main" id="{D80FA951-DE02-3C91-9A1E-27C70066528C}"/>
               </a:ext>
             </a:extLst>
           </p:cNvPr>
@@ -26846,106 +28408,58 @@
         </p:nvSpPr>
         <p:spPr>
           <a:xfrm>
-            <a:off x="294068" y="178297"/>
-            <a:ext cx="1265712" cy="762000"/>
+            <a:off x="1026250" y="5214389"/>
+            <a:ext cx="2083633" cy="344774"/>
           </a:xfrm>
-          <a:prstGeom prst="horizontalScroll">
+          <a:prstGeom prst="rect">
             <a:avLst/>
           </a:prstGeom>
-          <a:gradFill rotWithShape="1">
-            <a:gsLst>
-              <a:gs pos="0">
-                <a:srgbClr val="4F81BD">
-                  <a:tint val="50000"/>
-                  <a:satMod val="300000"/>
-                </a:srgbClr>
-              </a:gs>
-              <a:gs pos="35000">
-                <a:srgbClr val="4F81BD">
-                  <a:tint val="37000"/>
-                  <a:satMod val="300000"/>
-                </a:srgbClr>
-              </a:gs>
-              <a:gs pos="100000">
-                <a:srgbClr val="4F81BD">
-                  <a:tint val="15000"/>
-                  <a:satMod val="350000"/>
-                </a:srgbClr>
-              </a:gs>
-            </a:gsLst>
-            <a:lin ang="16200000" scaled="1"/>
-          </a:gradFill>
-          <a:ln w="9525" cap="flat" cmpd="sng" algn="ctr">
-            <a:solidFill>
-              <a:srgbClr val="4F81BD">
-                <a:shade val="95000"/>
-                <a:satMod val="105000"/>
-              </a:srgbClr>
-            </a:solidFill>
-            <a:prstDash val="solid"/>
-          </a:ln>
-          <a:effectLst>
-            <a:outerShdw blurRad="40000" dist="20000" dir="5400000" rotWithShape="0">
-              <a:srgbClr val="000000">
-                <a:alpha val="38000"/>
-              </a:srgbClr>
-            </a:outerShdw>
-          </a:effectLst>
+          <a:solidFill>
+            <a:schemeClr val="bg1"/>
+          </a:solidFill>
         </p:spPr>
+        <p:style>
+          <a:lnRef idx="2">
+            <a:schemeClr val="accent1">
+              <a:shade val="50000"/>
+            </a:schemeClr>
+          </a:lnRef>
+          <a:fillRef idx="1">
+            <a:schemeClr val="accent1"/>
+          </a:fillRef>
+          <a:effectRef idx="0">
+            <a:schemeClr val="accent1"/>
+          </a:effectRef>
+          <a:fontRef idx="minor">
+            <a:schemeClr val="lt1"/>
+          </a:fontRef>
+        </p:style>
         <p:txBody>
           <a:bodyPr rtlCol="0" anchor="ctr"/>
           <a:lstStyle/>
           <a:p>
-            <a:pPr marL="0" marR="0" lvl="0" indent="0" algn="ctr" defTabSz="457200" eaLnBrk="1" fontAlgn="auto" latinLnBrk="0" hangingPunct="1">
-              <a:lnSpc>
-                <a:spcPct val="100000"/>
-              </a:lnSpc>
-              <a:spcBef>
-                <a:spcPts val="0"/>
-              </a:spcBef>
-              <a:spcAft>
-                <a:spcPts val="0"/>
-              </a:spcAft>
-              <a:buClrTx/>
-              <a:buSzTx/>
-              <a:buFontTx/>
-              <a:buNone/>
-              <a:tabLst/>
-              <a:defRPr/>
-            </a:pPr>
-            <a:r>
-              <a:rPr kumimoji="0" lang="en-US" sz="2400" b="0" i="0" u="none" strike="noStrike" kern="0" cap="none" spc="0" normalizeH="0" baseline="0" noProof="0" dirty="0">
-                <a:ln>
-                  <a:noFill/>
-                </a:ln>
-                <a:solidFill>
-                  <a:prstClr val="black"/>
-                </a:solidFill>
-                <a:effectLst/>
-                <a:uLnTx/>
-                <a:uFillTx/>
-                <a:latin typeface="Calibri"/>
-                <a:ea typeface="+mn-ea"/>
-                <a:cs typeface="+mn-cs"/>
-              </a:rPr>
-              <a:t>Review</a:t>
-            </a:r>
+            <a:pPr algn="ctr"/>
+            <a:endParaRPr lang="en-US" sz="2400" dirty="0">
+              <a:solidFill>
+                <a:schemeClr val="tx1"/>
+              </a:solidFill>
+            </a:endParaRPr>
           </a:p>
         </p:txBody>
       </p:sp>
     </p:spTree>
-    <p:extLst>
-      <p:ext uri="{BB962C8B-B14F-4D97-AF65-F5344CB8AC3E}">
-        <p14:creationId xmlns:p14="http://schemas.microsoft.com/office/powerpoint/2010/main" val="1864663475"/>
-      </p:ext>
-    </p:extLst>
   </p:cSld>
   <p:clrMapOvr>
     <a:masterClrMapping/>
   </p:clrMapOvr>
-  <p:transition>
-    <p:pull dir="ru"/>
-  </p:transition>
+  <mc:AlternateContent xmlns:mc="http://schemas.openxmlformats.org/markup-compatibility/2006" xmlns:p14="http://schemas.microsoft.com/office/powerpoint/2010/main">
+    <mc:Choice Requires="p14">
+      <p:transition p14:dur="0"/>
+    </mc:Choice>
+    <mc:Fallback xmlns="">
+      <p:transition/>
+    </mc:Fallback>
+  </mc:AlternateContent>
 </p:sld>
 </file>
 
@@ -26954,7 +28468,13 @@
   <p:cSld>
     <p:spTree>
       <p:nvGrpSpPr>
-        <p:cNvPr id="1" name=""/>
+        <p:cNvPr id="1" name="">
+          <a:extLst>
+            <a:ext uri="{FF2B5EF4-FFF2-40B4-BE49-F238E27FC236}">
+              <a16:creationId xmlns:a16="http://schemas.microsoft.com/office/drawing/2014/main" id="{CE024EDB-B367-8D5E-7A1D-8024D944D378}"/>
+            </a:ext>
+          </a:extLst>
+        </p:cNvPr>
         <p:cNvGrpSpPr/>
         <p:nvPr/>
       </p:nvGrpSpPr>
@@ -26968,29 +28488,232 @@
       </p:grpSpPr>
       <p:sp>
         <p:nvSpPr>
-          <p:cNvPr id="2" name="Title 1"/>
+          <p:cNvPr id="25602" name="Rectangle 1026">
+            <a:extLst>
+              <a:ext uri="{FF2B5EF4-FFF2-40B4-BE49-F238E27FC236}">
+                <a16:creationId xmlns:a16="http://schemas.microsoft.com/office/drawing/2014/main" id="{C05B9626-B3E8-BC07-B4F5-BC0FE3A8CEF0}"/>
+              </a:ext>
+            </a:extLst>
+          </p:cNvPr>
           <p:cNvSpPr>
-            <a:spLocks noGrp="1"/>
+            <a:spLocks noChangeArrowheads="1"/>
+          </p:cNvSpPr>
+          <p:nvPr/>
+        </p:nvSpPr>
+        <p:spPr bwMode="auto">
+          <a:xfrm>
+            <a:off x="690563" y="6243638"/>
+            <a:ext cx="1903412" cy="455612"/>
+          </a:xfrm>
+          <a:prstGeom prst="rect">
+            <a:avLst/>
+          </a:prstGeom>
+          <a:noFill/>
+          <a:ln w="9525">
+            <a:noFill/>
+            <a:miter lim="800000"/>
+            <a:headEnd/>
+            <a:tailEnd/>
+          </a:ln>
+        </p:spPr>
+        <p:txBody>
+          <a:bodyPr wrap="none" anchor="ctr"/>
+          <a:lstStyle/>
+          <a:p>
+            <a:endParaRPr lang="en-US"/>
+          </a:p>
+        </p:txBody>
+      </p:sp>
+      <p:sp>
+        <p:nvSpPr>
+          <p:cNvPr id="25603" name="Rectangle 1027">
+            <a:extLst>
+              <a:ext uri="{FF2B5EF4-FFF2-40B4-BE49-F238E27FC236}">
+                <a16:creationId xmlns:a16="http://schemas.microsoft.com/office/drawing/2014/main" id="{99D37334-8950-8969-9AE6-58AA8FF1E2BA}"/>
+              </a:ext>
+            </a:extLst>
+          </p:cNvPr>
+          <p:cNvSpPr>
+            <a:spLocks noChangeArrowheads="1"/>
+          </p:cNvSpPr>
+          <p:nvPr/>
+        </p:nvSpPr>
+        <p:spPr bwMode="auto">
+          <a:xfrm>
+            <a:off x="3125788" y="6243638"/>
+            <a:ext cx="2892425" cy="455612"/>
+          </a:xfrm>
+          <a:prstGeom prst="rect">
+            <a:avLst/>
+          </a:prstGeom>
+          <a:noFill/>
+          <a:ln w="9525">
+            <a:noFill/>
+            <a:miter lim="800000"/>
+            <a:headEnd/>
+            <a:tailEnd/>
+          </a:ln>
+        </p:spPr>
+        <p:txBody>
+          <a:bodyPr wrap="none" anchor="ctr"/>
+          <a:lstStyle/>
+          <a:p>
+            <a:endParaRPr lang="en-US"/>
+          </a:p>
+        </p:txBody>
+      </p:sp>
+      <p:sp>
+        <p:nvSpPr>
+          <p:cNvPr id="25604" name="Rectangle 1028">
+            <a:extLst>
+              <a:ext uri="{FF2B5EF4-FFF2-40B4-BE49-F238E27FC236}">
+                <a16:creationId xmlns:a16="http://schemas.microsoft.com/office/drawing/2014/main" id="{0750E36E-39FB-8537-5322-BE27861AFF25}"/>
+              </a:ext>
+            </a:extLst>
+          </p:cNvPr>
+          <p:cNvSpPr>
+            <a:spLocks noChangeArrowheads="1"/>
+          </p:cNvSpPr>
+          <p:nvPr/>
+        </p:nvSpPr>
+        <p:spPr bwMode="auto">
+          <a:xfrm>
+            <a:off x="690563" y="6243638"/>
+            <a:ext cx="1903412" cy="455612"/>
+          </a:xfrm>
+          <a:prstGeom prst="rect">
+            <a:avLst/>
+          </a:prstGeom>
+          <a:noFill/>
+          <a:ln w="9525">
+            <a:noFill/>
+            <a:miter lim="800000"/>
+            <a:headEnd/>
+            <a:tailEnd/>
+          </a:ln>
+        </p:spPr>
+        <p:txBody>
+          <a:bodyPr wrap="none" anchor="ctr"/>
+          <a:lstStyle/>
+          <a:p>
+            <a:endParaRPr lang="en-US"/>
+          </a:p>
+        </p:txBody>
+      </p:sp>
+      <p:sp>
+        <p:nvSpPr>
+          <p:cNvPr id="25606" name="Rectangle 1030">
+            <a:extLst>
+              <a:ext uri="{FF2B5EF4-FFF2-40B4-BE49-F238E27FC236}">
+                <a16:creationId xmlns:a16="http://schemas.microsoft.com/office/drawing/2014/main" id="{2B3E1AB2-B3CB-2CA3-69A9-9B3B2CA1C3F7}"/>
+              </a:ext>
+            </a:extLst>
+          </p:cNvPr>
+          <p:cNvSpPr>
+            <a:spLocks noGrp="1" noChangeArrowheads="1"/>
           </p:cNvSpPr>
           <p:nvPr>
             <p:ph type="title"/>
           </p:nvPr>
         </p:nvSpPr>
-        <p:spPr/>
+        <p:spPr>
+          <a:noFill/>
+        </p:spPr>
         <p:txBody>
-          <a:bodyPr/>
+          <a:bodyPr lIns="92075" tIns="46038" rIns="92075" bIns="46038"/>
           <a:lstStyle/>
           <a:p>
+            <a:pPr defTabSz="938213"/>
             <a:r>
               <a:rPr lang="en-US" dirty="0"/>
-              <a:t>Question: Data Alignment</a:t>
+              <a:t>Endianness ANS</a:t>
             </a:r>
           </a:p>
         </p:txBody>
       </p:sp>
       <p:sp>
         <p:nvSpPr>
-          <p:cNvPr id="3" name="Slide Number Placeholder 2"/>
+          <p:cNvPr id="25607" name="Rectangle 1031">
+            <a:extLst>
+              <a:ext uri="{FF2B5EF4-FFF2-40B4-BE49-F238E27FC236}">
+                <a16:creationId xmlns:a16="http://schemas.microsoft.com/office/drawing/2014/main" id="{99AB09FF-CB1D-F4EB-3332-E2B56DF843A9}"/>
+              </a:ext>
+            </a:extLst>
+          </p:cNvPr>
+          <p:cNvSpPr>
+            <a:spLocks noGrp="1" noChangeArrowheads="1"/>
+          </p:cNvSpPr>
+          <p:nvPr>
+            <p:ph sz="quarter" idx="1"/>
+          </p:nvPr>
+        </p:nvSpPr>
+        <p:spPr>
+          <a:xfrm>
+            <a:off x="3477717" y="1430312"/>
+            <a:ext cx="4804348" cy="1028075"/>
+          </a:xfrm>
+          <a:noFill/>
+        </p:spPr>
+        <p:txBody>
+          <a:bodyPr lIns="92075" tIns="46038" rIns="92075" bIns="46038" anchorCtr="1">
+            <a:normAutofit/>
+          </a:bodyPr>
+          <a:lstStyle/>
+          <a:p>
+            <a:pPr defTabSz="938213">
+              <a:lnSpc>
+                <a:spcPct val="90000"/>
+              </a:lnSpc>
+              <a:buNone/>
+            </a:pPr>
+            <a:r>
+              <a:rPr lang="en-US" dirty="0">
+                <a:latin typeface="Consolas" panose="020B0609020204030204" pitchFamily="49" charset="0"/>
+                <a:cs typeface="Consolas" panose="020B0609020204030204" pitchFamily="49" charset="0"/>
+              </a:rPr>
+              <a:t>LDR r11, [r0]</a:t>
+            </a:r>
+          </a:p>
+          <a:p>
+            <a:pPr defTabSz="938213">
+              <a:lnSpc>
+                <a:spcPct val="90000"/>
+              </a:lnSpc>
+              <a:buNone/>
+            </a:pPr>
+            <a:r>
+              <a:rPr lang="en-US" dirty="0">
+                <a:latin typeface="Consolas" panose="020B0609020204030204" pitchFamily="49" charset="0"/>
+                <a:cs typeface="Consolas" panose="020B0609020204030204" pitchFamily="49" charset="0"/>
+              </a:rPr>
+              <a:t>; r0 = </a:t>
+            </a:r>
+            <a:r>
+              <a:rPr lang="en-US" dirty="0" err="1">
+                <a:latin typeface="Consolas" panose="020B0609020204030204" pitchFamily="49" charset="0"/>
+                <a:cs typeface="Consolas" panose="020B0609020204030204" pitchFamily="49" charset="0"/>
+              </a:rPr>
+              <a:t>0x20008000</a:t>
+            </a:r>
+            <a:r>
+              <a:rPr lang="en-US" dirty="0">
+                <a:latin typeface="Consolas" panose="020B0609020204030204" pitchFamily="49" charset="0"/>
+                <a:cs typeface="Consolas" panose="020B0609020204030204" pitchFamily="49" charset="0"/>
+              </a:rPr>
+              <a:t> </a:t>
+            </a:r>
+          </a:p>
+        </p:txBody>
+      </p:sp>
+      <p:sp>
+        <p:nvSpPr>
+          <p:cNvPr id="8" name="Slide Number Placeholder 7">
+            <a:extLst>
+              <a:ext uri="{FF2B5EF4-FFF2-40B4-BE49-F238E27FC236}">
+                <a16:creationId xmlns:a16="http://schemas.microsoft.com/office/drawing/2014/main" id="{BDE04384-8593-539C-67C3-6EE82121FC77}"/>
+              </a:ext>
+            </a:extLst>
+          </p:cNvPr>
           <p:cNvSpPr>
             <a:spLocks noGrp="1"/>
           </p:cNvSpPr>
@@ -27003,263 +28726,875 @@
           <a:bodyPr/>
           <a:lstStyle/>
           <a:p>
-            <a:fld id="{3CC63E4C-4642-794D-A2FD-70F6B81535F5}" type="slidenum">
+            <a:fld id="{AEE14D4A-FE32-40AF-B06D-E9622816B101}" type="slidenum">
               <a:rPr lang="en-US" smtClean="0"/>
               <a:pPr/>
               <a:t>9</a:t>
             </a:fld>
-            <a:endParaRPr lang="en-US" dirty="0"/>
+            <a:endParaRPr lang="en-US"/>
+          </a:p>
+        </p:txBody>
+      </p:sp>
+      <p:graphicFrame>
+        <p:nvGraphicFramePr>
+          <p:cNvPr id="9" name="Table 8">
+            <a:extLst>
+              <a:ext uri="{FF2B5EF4-FFF2-40B4-BE49-F238E27FC236}">
+                <a16:creationId xmlns:a16="http://schemas.microsoft.com/office/drawing/2014/main" id="{0E30A4EB-ACBA-8E2B-82A1-96E1DB36D61D}"/>
+              </a:ext>
+            </a:extLst>
+          </p:cNvPr>
+          <p:cNvGraphicFramePr>
+            <a:graphicFrameLocks noGrp="1"/>
+          </p:cNvGraphicFramePr>
+          <p:nvPr>
+            <p:extLst>
+              <p:ext uri="{D42A27DB-BD31-4B8C-83A1-F6EECF244321}">
+                <p14:modId xmlns:p14="http://schemas.microsoft.com/office/powerpoint/2010/main" val="1686698578"/>
+              </p:ext>
+            </p:extLst>
+          </p:nvPr>
+        </p:nvGraphicFramePr>
+        <p:xfrm>
+          <a:off x="4167267" y="2716135"/>
+          <a:ext cx="4497050" cy="3017520"/>
+        </p:xfrm>
+        <a:graphic>
+          <a:graphicData uri="http://schemas.openxmlformats.org/drawingml/2006/table">
+            <a:tbl>
+              <a:tblPr firstRow="1" bandRow="1">
+                <a:tableStyleId>{5C22544A-7EE6-4342-B048-85BDC9FD1C3A}</a:tableStyleId>
+              </a:tblPr>
+              <a:tblGrid>
+                <a:gridCol w="2457651">
+                  <a:extLst>
+                    <a:ext uri="{9D8B030D-6E8A-4147-A177-3AD203B41FA5}">
+                      <a16:colId xmlns:a16="http://schemas.microsoft.com/office/drawing/2014/main" val="20000"/>
+                    </a:ext>
+                  </a:extLst>
+                </a:gridCol>
+                <a:gridCol w="2039399">
+                  <a:extLst>
+                    <a:ext uri="{9D8B030D-6E8A-4147-A177-3AD203B41FA5}">
+                      <a16:colId xmlns:a16="http://schemas.microsoft.com/office/drawing/2014/main" val="20001"/>
+                    </a:ext>
+                  </a:extLst>
+                </a:gridCol>
+              </a:tblGrid>
+              <a:tr h="370840">
+                <a:tc>
+                  <a:txBody>
+                    <a:bodyPr/>
+                    <a:lstStyle/>
+                    <a:p>
+                      <a:pPr algn="ctr"/>
+                      <a:r>
+                        <a:rPr lang="en-US" sz="2800" dirty="0">
+                          <a:latin typeface="Consolas" panose="020B0609020204030204" pitchFamily="49" charset="0"/>
+                          <a:cs typeface="Consolas" panose="020B0609020204030204" pitchFamily="49" charset="0"/>
+                        </a:rPr>
+                        <a:t>Memory Address</a:t>
+                      </a:r>
+                    </a:p>
+                  </a:txBody>
+                  <a:tcPr/>
+                </a:tc>
+                <a:tc>
+                  <a:txBody>
+                    <a:bodyPr/>
+                    <a:lstStyle/>
+                    <a:p>
+                      <a:pPr algn="ctr"/>
+                      <a:r>
+                        <a:rPr lang="en-US" sz="2800" dirty="0">
+                          <a:latin typeface="Consolas" panose="020B0609020204030204" pitchFamily="49" charset="0"/>
+                          <a:cs typeface="Consolas" panose="020B0609020204030204" pitchFamily="49" charset="0"/>
+                        </a:rPr>
+                        <a:t>Memory</a:t>
+                      </a:r>
+                      <a:r>
+                        <a:rPr lang="en-US" sz="2800" baseline="0" dirty="0">
+                          <a:latin typeface="Consolas" panose="020B0609020204030204" pitchFamily="49" charset="0"/>
+                          <a:cs typeface="Consolas" panose="020B0609020204030204" pitchFamily="49" charset="0"/>
+                        </a:rPr>
+                        <a:t> Data</a:t>
+                      </a:r>
+                      <a:endParaRPr lang="en-US" sz="2800" dirty="0">
+                        <a:latin typeface="Consolas" panose="020B0609020204030204" pitchFamily="49" charset="0"/>
+                        <a:cs typeface="Consolas" panose="020B0609020204030204" pitchFamily="49" charset="0"/>
+                      </a:endParaRPr>
+                    </a:p>
+                  </a:txBody>
+                  <a:tcPr/>
+                </a:tc>
+                <a:extLst>
+                  <a:ext uri="{0D108BD9-81ED-4DB2-BD59-A6C34878D82A}">
+                    <a16:rowId xmlns:a16="http://schemas.microsoft.com/office/drawing/2014/main" val="10000"/>
+                  </a:ext>
+                </a:extLst>
+              </a:tr>
+              <a:tr h="370840">
+                <a:tc>
+                  <a:txBody>
+                    <a:bodyPr/>
+                    <a:lstStyle/>
+                    <a:p>
+                      <a:pPr algn="ctr"/>
+                      <a:r>
+                        <a:rPr lang="en-US" sz="2800" dirty="0" err="1">
+                          <a:latin typeface="Consolas" panose="020B0609020204030204" pitchFamily="49" charset="0"/>
+                          <a:cs typeface="Consolas" panose="020B0609020204030204" pitchFamily="49" charset="0"/>
+                        </a:rPr>
+                        <a:t>0x20008003</a:t>
+                      </a:r>
+                      <a:endParaRPr lang="en-US" sz="2800" dirty="0">
+                        <a:latin typeface="Consolas" panose="020B0609020204030204" pitchFamily="49" charset="0"/>
+                        <a:cs typeface="Consolas" panose="020B0609020204030204" pitchFamily="49" charset="0"/>
+                      </a:endParaRPr>
+                    </a:p>
+                  </a:txBody>
+                  <a:tcPr/>
+                </a:tc>
+                <a:tc>
+                  <a:txBody>
+                    <a:bodyPr/>
+                    <a:lstStyle/>
+                    <a:p>
+                      <a:pPr marL="0" marR="0" indent="0" algn="ctr" defTabSz="914400" rtl="0" eaLnBrk="1" fontAlgn="auto" latinLnBrk="0" hangingPunct="1">
+                        <a:lnSpc>
+                          <a:spcPct val="100000"/>
+                        </a:lnSpc>
+                        <a:spcBef>
+                          <a:spcPts val="0"/>
+                        </a:spcBef>
+                        <a:spcAft>
+                          <a:spcPts val="0"/>
+                        </a:spcAft>
+                        <a:buClrTx/>
+                        <a:buSzTx/>
+                        <a:buFontTx/>
+                        <a:buNone/>
+                        <a:tabLst/>
+                        <a:defRPr/>
+                      </a:pPr>
+                      <a:r>
+                        <a:rPr lang="en-US" sz="2800" dirty="0" err="1">
+                          <a:latin typeface="Consolas" panose="020B0609020204030204" pitchFamily="49" charset="0"/>
+                          <a:cs typeface="Consolas" panose="020B0609020204030204" pitchFamily="49" charset="0"/>
+                        </a:rPr>
+                        <a:t>0xA7</a:t>
+                      </a:r>
+                      <a:endParaRPr lang="en-US" sz="2800" dirty="0">
+                        <a:latin typeface="Consolas" panose="020B0609020204030204" pitchFamily="49" charset="0"/>
+                        <a:cs typeface="Consolas" panose="020B0609020204030204" pitchFamily="49" charset="0"/>
+                      </a:endParaRPr>
+                    </a:p>
+                  </a:txBody>
+                  <a:tcPr/>
+                </a:tc>
+                <a:extLst>
+                  <a:ext uri="{0D108BD9-81ED-4DB2-BD59-A6C34878D82A}">
+                    <a16:rowId xmlns:a16="http://schemas.microsoft.com/office/drawing/2014/main" val="10001"/>
+                  </a:ext>
+                </a:extLst>
+              </a:tr>
+              <a:tr h="370840">
+                <a:tc>
+                  <a:txBody>
+                    <a:bodyPr/>
+                    <a:lstStyle/>
+                    <a:p>
+                      <a:pPr algn="ctr"/>
+                      <a:r>
+                        <a:rPr lang="en-US" sz="2800" dirty="0" err="1">
+                          <a:latin typeface="Consolas" panose="020B0609020204030204" pitchFamily="49" charset="0"/>
+                          <a:cs typeface="Consolas" panose="020B0609020204030204" pitchFamily="49" charset="0"/>
+                        </a:rPr>
+                        <a:t>0x20008002</a:t>
+                      </a:r>
+                      <a:endParaRPr lang="en-US" sz="2800" dirty="0">
+                        <a:latin typeface="Consolas" panose="020B0609020204030204" pitchFamily="49" charset="0"/>
+                        <a:cs typeface="Consolas" panose="020B0609020204030204" pitchFamily="49" charset="0"/>
+                      </a:endParaRPr>
+                    </a:p>
+                  </a:txBody>
+                  <a:tcPr/>
+                </a:tc>
+                <a:tc>
+                  <a:txBody>
+                    <a:bodyPr/>
+                    <a:lstStyle/>
+                    <a:p>
+                      <a:pPr marL="0" marR="0" indent="0" algn="ctr" defTabSz="914400" rtl="0" eaLnBrk="1" fontAlgn="auto" latinLnBrk="0" hangingPunct="1">
+                        <a:lnSpc>
+                          <a:spcPct val="100000"/>
+                        </a:lnSpc>
+                        <a:spcBef>
+                          <a:spcPts val="0"/>
+                        </a:spcBef>
+                        <a:spcAft>
+                          <a:spcPts val="0"/>
+                        </a:spcAft>
+                        <a:buClrTx/>
+                        <a:buSzTx/>
+                        <a:buFontTx/>
+                        <a:buNone/>
+                        <a:tabLst/>
+                        <a:defRPr/>
+                      </a:pPr>
+                      <a:r>
+                        <a:rPr lang="en-US" sz="2800" dirty="0" err="1">
+                          <a:latin typeface="Consolas" panose="020B0609020204030204" pitchFamily="49" charset="0"/>
+                          <a:cs typeface="Consolas" panose="020B0609020204030204" pitchFamily="49" charset="0"/>
+                        </a:rPr>
+                        <a:t>0x90</a:t>
+                      </a:r>
+                      <a:endParaRPr lang="en-US" sz="2800" dirty="0">
+                        <a:latin typeface="Consolas" panose="020B0609020204030204" pitchFamily="49" charset="0"/>
+                        <a:cs typeface="Consolas" panose="020B0609020204030204" pitchFamily="49" charset="0"/>
+                      </a:endParaRPr>
+                    </a:p>
+                  </a:txBody>
+                  <a:tcPr/>
+                </a:tc>
+                <a:extLst>
+                  <a:ext uri="{0D108BD9-81ED-4DB2-BD59-A6C34878D82A}">
+                    <a16:rowId xmlns:a16="http://schemas.microsoft.com/office/drawing/2014/main" val="10002"/>
+                  </a:ext>
+                </a:extLst>
+              </a:tr>
+              <a:tr h="370840">
+                <a:tc>
+                  <a:txBody>
+                    <a:bodyPr/>
+                    <a:lstStyle/>
+                    <a:p>
+                      <a:pPr algn="ctr"/>
+                      <a:r>
+                        <a:rPr lang="en-US" sz="2800" dirty="0" err="1">
+                          <a:latin typeface="Consolas" panose="020B0609020204030204" pitchFamily="49" charset="0"/>
+                          <a:cs typeface="Consolas" panose="020B0609020204030204" pitchFamily="49" charset="0"/>
+                        </a:rPr>
+                        <a:t>0x20008001</a:t>
+                      </a:r>
+                      <a:endParaRPr lang="en-US" sz="2800" dirty="0">
+                        <a:latin typeface="Consolas" panose="020B0609020204030204" pitchFamily="49" charset="0"/>
+                        <a:cs typeface="Consolas" panose="020B0609020204030204" pitchFamily="49" charset="0"/>
+                      </a:endParaRPr>
+                    </a:p>
+                  </a:txBody>
+                  <a:tcPr/>
+                </a:tc>
+                <a:tc>
+                  <a:txBody>
+                    <a:bodyPr/>
+                    <a:lstStyle/>
+                    <a:p>
+                      <a:pPr marL="0" marR="0" indent="0" algn="ctr" defTabSz="914400" rtl="0" eaLnBrk="1" fontAlgn="auto" latinLnBrk="0" hangingPunct="1">
+                        <a:lnSpc>
+                          <a:spcPct val="100000"/>
+                        </a:lnSpc>
+                        <a:spcBef>
+                          <a:spcPts val="0"/>
+                        </a:spcBef>
+                        <a:spcAft>
+                          <a:spcPts val="0"/>
+                        </a:spcAft>
+                        <a:buClrTx/>
+                        <a:buSzTx/>
+                        <a:buFontTx/>
+                        <a:buNone/>
+                        <a:tabLst/>
+                        <a:defRPr/>
+                      </a:pPr>
+                      <a:r>
+                        <a:rPr lang="en-US" sz="2800" dirty="0" err="1">
+                          <a:latin typeface="Consolas" panose="020B0609020204030204" pitchFamily="49" charset="0"/>
+                          <a:cs typeface="Consolas" panose="020B0609020204030204" pitchFamily="49" charset="0"/>
+                        </a:rPr>
+                        <a:t>0x8C</a:t>
+                      </a:r>
+                      <a:endParaRPr lang="en-US" sz="2800" dirty="0">
+                        <a:latin typeface="Consolas" panose="020B0609020204030204" pitchFamily="49" charset="0"/>
+                        <a:cs typeface="Consolas" panose="020B0609020204030204" pitchFamily="49" charset="0"/>
+                      </a:endParaRPr>
+                    </a:p>
+                  </a:txBody>
+                  <a:tcPr/>
+                </a:tc>
+                <a:extLst>
+                  <a:ext uri="{0D108BD9-81ED-4DB2-BD59-A6C34878D82A}">
+                    <a16:rowId xmlns:a16="http://schemas.microsoft.com/office/drawing/2014/main" val="10003"/>
+                  </a:ext>
+                </a:extLst>
+              </a:tr>
+              <a:tr h="370840">
+                <a:tc>
+                  <a:txBody>
+                    <a:bodyPr/>
+                    <a:lstStyle/>
+                    <a:p>
+                      <a:pPr algn="ctr"/>
+                      <a:r>
+                        <a:rPr lang="en-US" sz="2800" dirty="0" err="1">
+                          <a:latin typeface="Consolas" panose="020B0609020204030204" pitchFamily="49" charset="0"/>
+                          <a:cs typeface="Consolas" panose="020B0609020204030204" pitchFamily="49" charset="0"/>
+                        </a:rPr>
+                        <a:t>0x20008000</a:t>
+                      </a:r>
+                      <a:endParaRPr lang="en-US" sz="2800" dirty="0">
+                        <a:latin typeface="Consolas" panose="020B0609020204030204" pitchFamily="49" charset="0"/>
+                        <a:cs typeface="Consolas" panose="020B0609020204030204" pitchFamily="49" charset="0"/>
+                      </a:endParaRPr>
+                    </a:p>
+                  </a:txBody>
+                  <a:tcPr/>
+                </a:tc>
+                <a:tc>
+                  <a:txBody>
+                    <a:bodyPr/>
+                    <a:lstStyle/>
+                    <a:p>
+                      <a:pPr marL="0" marR="0" indent="0" algn="ctr" defTabSz="914400" rtl="0" eaLnBrk="1" fontAlgn="auto" latinLnBrk="0" hangingPunct="1">
+                        <a:lnSpc>
+                          <a:spcPct val="100000"/>
+                        </a:lnSpc>
+                        <a:spcBef>
+                          <a:spcPts val="0"/>
+                        </a:spcBef>
+                        <a:spcAft>
+                          <a:spcPts val="0"/>
+                        </a:spcAft>
+                        <a:buClrTx/>
+                        <a:buSzTx/>
+                        <a:buFontTx/>
+                        <a:buNone/>
+                        <a:tabLst/>
+                        <a:defRPr/>
+                      </a:pPr>
+                      <a:r>
+                        <a:rPr lang="en-US" sz="2800" dirty="0" err="1">
+                          <a:latin typeface="Consolas" panose="020B0609020204030204" pitchFamily="49" charset="0"/>
+                          <a:cs typeface="Consolas" panose="020B0609020204030204" pitchFamily="49" charset="0"/>
+                        </a:rPr>
+                        <a:t>0xEE</a:t>
+                      </a:r>
+                      <a:endParaRPr lang="en-US" sz="2800" dirty="0">
+                        <a:latin typeface="Consolas" panose="020B0609020204030204" pitchFamily="49" charset="0"/>
+                        <a:cs typeface="Consolas" panose="020B0609020204030204" pitchFamily="49" charset="0"/>
+                      </a:endParaRPr>
+                    </a:p>
+                  </a:txBody>
+                  <a:tcPr/>
+                </a:tc>
+                <a:extLst>
+                  <a:ext uri="{0D108BD9-81ED-4DB2-BD59-A6C34878D82A}">
+                    <a16:rowId xmlns:a16="http://schemas.microsoft.com/office/drawing/2014/main" val="10004"/>
+                  </a:ext>
+                </a:extLst>
+              </a:tr>
+            </a:tbl>
+          </a:graphicData>
+        </a:graphic>
+      </p:graphicFrame>
+      <p:sp>
+        <p:nvSpPr>
+          <p:cNvPr id="11" name="TextBox 10">
+            <a:extLst>
+              <a:ext uri="{FF2B5EF4-FFF2-40B4-BE49-F238E27FC236}">
+                <a16:creationId xmlns:a16="http://schemas.microsoft.com/office/drawing/2014/main" id="{0C123BA9-A51A-334A-3CCC-23E32C0FB2EF}"/>
+              </a:ext>
+            </a:extLst>
+          </p:cNvPr>
+          <p:cNvSpPr txBox="1"/>
+          <p:nvPr/>
+        </p:nvSpPr>
+        <p:spPr>
+          <a:xfrm>
+            <a:off x="366684" y="2231610"/>
+            <a:ext cx="2949846" cy="461665"/>
+          </a:xfrm>
+          <a:prstGeom prst="rect">
+            <a:avLst/>
+          </a:prstGeom>
+          <a:noFill/>
+        </p:spPr>
+        <p:txBody>
+          <a:bodyPr wrap="none" rtlCol="0">
+            <a:spAutoFit/>
+          </a:bodyPr>
+          <a:lstStyle/>
+          <a:p>
+            <a:r>
+              <a:rPr lang="en-US" sz="2400" dirty="0"/>
+              <a:t>r11 before load</a:t>
+            </a:r>
           </a:p>
         </p:txBody>
       </p:sp>
       <p:sp>
         <p:nvSpPr>
-          <p:cNvPr id="4" name="Rectangle 3"/>
-          <p:cNvSpPr txBox="1">
-            <a:spLocks noChangeArrowheads="1"/>
-          </p:cNvSpPr>
+          <p:cNvPr id="12" name="Rectangle 11">
+            <a:extLst>
+              <a:ext uri="{FF2B5EF4-FFF2-40B4-BE49-F238E27FC236}">
+                <a16:creationId xmlns:a16="http://schemas.microsoft.com/office/drawing/2014/main" id="{E1A81C05-5B13-07CB-4223-36EA7F5CA04E}"/>
+              </a:ext>
+            </a:extLst>
+          </p:cNvPr>
+          <p:cNvSpPr/>
           <p:nvPr/>
         </p:nvSpPr>
         <p:spPr>
           <a:xfrm>
-            <a:off x="311998" y="1307051"/>
-            <a:ext cx="8182841" cy="3476822"/>
+            <a:off x="1026252" y="2741275"/>
+            <a:ext cx="2083633" cy="344774"/>
+          </a:xfrm>
+          <a:prstGeom prst="rect">
+            <a:avLst/>
+          </a:prstGeom>
+          <a:solidFill>
+            <a:schemeClr val="bg1"/>
+          </a:solidFill>
+        </p:spPr>
+        <p:style>
+          <a:lnRef idx="2">
+            <a:schemeClr val="accent1">
+              <a:shade val="50000"/>
+            </a:schemeClr>
+          </a:lnRef>
+          <a:fillRef idx="1">
+            <a:schemeClr val="accent1"/>
+          </a:fillRef>
+          <a:effectRef idx="0">
+            <a:schemeClr val="accent1"/>
+          </a:effectRef>
+          <a:fontRef idx="minor">
+            <a:schemeClr val="lt1"/>
+          </a:fontRef>
+        </p:style>
+        <p:txBody>
+          <a:bodyPr rtlCol="0" anchor="ctr"/>
+          <a:lstStyle/>
+          <a:p>
+            <a:pPr algn="ctr"/>
+            <a:r>
+              <a:rPr lang="en-US" sz="2400" dirty="0">
+                <a:solidFill>
+                  <a:schemeClr val="tx1"/>
+                </a:solidFill>
+                <a:latin typeface="Consolas" panose="020B0609020204030204" pitchFamily="49" charset="0"/>
+                <a:cs typeface="Consolas" panose="020B0609020204030204" pitchFamily="49" charset="0"/>
+              </a:rPr>
+              <a:t>0x12345678</a:t>
+            </a:r>
+          </a:p>
+        </p:txBody>
+      </p:sp>
+      <p:sp>
+        <p:nvSpPr>
+          <p:cNvPr id="13" name="TextBox 12">
+            <a:extLst>
+              <a:ext uri="{FF2B5EF4-FFF2-40B4-BE49-F238E27FC236}">
+                <a16:creationId xmlns:a16="http://schemas.microsoft.com/office/drawing/2014/main" id="{1365D5A2-4D1B-E7B6-85AF-94A4001FB1BE}"/>
+              </a:ext>
+            </a:extLst>
+          </p:cNvPr>
+          <p:cNvSpPr txBox="1"/>
+          <p:nvPr/>
+        </p:nvSpPr>
+        <p:spPr>
+          <a:xfrm>
+            <a:off x="285829" y="3192496"/>
+            <a:ext cx="3881437" cy="830997"/>
+          </a:xfrm>
+          <a:prstGeom prst="rect">
+            <a:avLst/>
+          </a:prstGeom>
+          <a:noFill/>
+        </p:spPr>
+        <p:txBody>
+          <a:bodyPr wrap="square" rtlCol="0">
+            <a:spAutoFit/>
+          </a:bodyPr>
+          <a:lstStyle/>
+          <a:p>
+            <a:r>
+              <a:rPr lang="en-US" sz="2400" dirty="0"/>
+              <a:t>r11 after load w/ Big-Endian ordering  </a:t>
+            </a:r>
+          </a:p>
+        </p:txBody>
+      </p:sp>
+      <p:sp>
+        <p:nvSpPr>
+          <p:cNvPr id="2" name="TextBox 1">
+            <a:extLst>
+              <a:ext uri="{FF2B5EF4-FFF2-40B4-BE49-F238E27FC236}">
+                <a16:creationId xmlns:a16="http://schemas.microsoft.com/office/drawing/2014/main" id="{0EF70820-D687-EE75-47D5-DA7B817D3044}"/>
+              </a:ext>
+            </a:extLst>
+          </p:cNvPr>
+          <p:cNvSpPr txBox="1"/>
+          <p:nvPr/>
+        </p:nvSpPr>
+        <p:spPr>
+          <a:xfrm>
+            <a:off x="0" y="4388465"/>
+            <a:ext cx="4286171" cy="830997"/>
+          </a:xfrm>
+          <a:prstGeom prst="rect">
+            <a:avLst/>
+          </a:prstGeom>
+          <a:noFill/>
+        </p:spPr>
+        <p:txBody>
+          <a:bodyPr wrap="square" rtlCol="0">
+            <a:spAutoFit/>
+          </a:bodyPr>
+          <a:lstStyle/>
+          <a:p>
+            <a:r>
+              <a:rPr lang="en-US" sz="2400" dirty="0"/>
+              <a:t>r11 after load w/ Little-Endian ordering  </a:t>
+            </a:r>
+          </a:p>
+        </p:txBody>
+      </p:sp>
+      <p:sp>
+        <p:nvSpPr>
+          <p:cNvPr id="4" name="Rectangle 3">
+            <a:extLst>
+              <a:ext uri="{FF2B5EF4-FFF2-40B4-BE49-F238E27FC236}">
+                <a16:creationId xmlns:a16="http://schemas.microsoft.com/office/drawing/2014/main" id="{6F534A2F-9846-7A97-D479-D46DB56AB958}"/>
+              </a:ext>
+            </a:extLst>
+          </p:cNvPr>
+          <p:cNvSpPr/>
+          <p:nvPr/>
+        </p:nvSpPr>
+        <p:spPr>
+          <a:xfrm>
+            <a:off x="1041817" y="5253741"/>
+            <a:ext cx="2083633" cy="344774"/>
+          </a:xfrm>
+          <a:prstGeom prst="rect">
+            <a:avLst/>
+          </a:prstGeom>
+          <a:solidFill>
+            <a:schemeClr val="bg1"/>
+          </a:solidFill>
+        </p:spPr>
+        <p:style>
+          <a:lnRef idx="2">
+            <a:schemeClr val="accent1">
+              <a:shade val="50000"/>
+            </a:schemeClr>
+          </a:lnRef>
+          <a:fillRef idx="1">
+            <a:schemeClr val="accent1"/>
+          </a:fillRef>
+          <a:effectRef idx="0">
+            <a:schemeClr val="accent1"/>
+          </a:effectRef>
+          <a:fontRef idx="minor">
+            <a:schemeClr val="lt1"/>
+          </a:fontRef>
+        </p:style>
+        <p:txBody>
+          <a:bodyPr rtlCol="0" anchor="ctr"/>
+          <a:lstStyle/>
+          <a:p>
+            <a:pPr algn="ctr"/>
+            <a:endParaRPr lang="en-US" sz="2400" dirty="0">
+              <a:solidFill>
+                <a:schemeClr val="tx1"/>
+              </a:solidFill>
+            </a:endParaRPr>
+          </a:p>
+        </p:txBody>
+      </p:sp>
+      <p:sp>
+        <p:nvSpPr>
+          <p:cNvPr id="5" name="Rectangle 4">
+            <a:extLst>
+              <a:ext uri="{FF2B5EF4-FFF2-40B4-BE49-F238E27FC236}">
+                <a16:creationId xmlns:a16="http://schemas.microsoft.com/office/drawing/2014/main" id="{BC3F3BEC-A50C-878A-987B-AAF83CD43E44}"/>
+              </a:ext>
+            </a:extLst>
+          </p:cNvPr>
+          <p:cNvSpPr/>
+          <p:nvPr/>
+        </p:nvSpPr>
+        <p:spPr>
+          <a:xfrm>
+            <a:off x="1054556" y="5213529"/>
+            <a:ext cx="1883849" cy="461665"/>
           </a:xfrm>
           <a:prstGeom prst="rect">
             <a:avLst/>
           </a:prstGeom>
         </p:spPr>
         <p:txBody>
-          <a:bodyPr/>
-          <a:lstStyle>
-            <a:lvl1pPr marL="342900" indent="-342900" algn="l" defTabSz="457200" rtl="0" eaLnBrk="1" latinLnBrk="0" hangingPunct="1">
-              <a:spcBef>
-                <a:spcPct val="20000"/>
-              </a:spcBef>
-              <a:buFont typeface="Arial"/>
-              <a:buChar char="•"/>
-              <a:defRPr sz="3200" kern="1200">
-                <a:solidFill>
-                  <a:schemeClr val="tx1"/>
-                </a:solidFill>
-                <a:latin typeface="+mn-lt"/>
-                <a:ea typeface="+mn-ea"/>
-                <a:cs typeface="+mn-cs"/>
-              </a:defRPr>
-            </a:lvl1pPr>
-            <a:lvl2pPr marL="742950" indent="-285750" algn="l" defTabSz="457200" rtl="0" eaLnBrk="1" latinLnBrk="0" hangingPunct="1">
-              <a:spcBef>
-                <a:spcPct val="20000"/>
-              </a:spcBef>
-              <a:buFont typeface="Arial"/>
-              <a:buChar char="–"/>
-              <a:defRPr sz="2800" kern="1200">
-                <a:solidFill>
-                  <a:schemeClr val="tx1"/>
-                </a:solidFill>
-                <a:latin typeface="+mn-lt"/>
-                <a:ea typeface="+mn-ea"/>
-                <a:cs typeface="+mn-cs"/>
-              </a:defRPr>
-            </a:lvl2pPr>
-            <a:lvl3pPr marL="1143000" indent="-228600" algn="l" defTabSz="457200" rtl="0" eaLnBrk="1" latinLnBrk="0" hangingPunct="1">
-              <a:spcBef>
-                <a:spcPct val="20000"/>
-              </a:spcBef>
-              <a:buFont typeface="Arial"/>
-              <a:buChar char="•"/>
-              <a:defRPr sz="2400" kern="1200">
-                <a:solidFill>
-                  <a:schemeClr val="tx1"/>
-                </a:solidFill>
-                <a:latin typeface="+mn-lt"/>
-                <a:ea typeface="+mn-ea"/>
-                <a:cs typeface="+mn-cs"/>
-              </a:defRPr>
-            </a:lvl3pPr>
-            <a:lvl4pPr marL="1600200" indent="-228600" algn="l" defTabSz="457200" rtl="0" eaLnBrk="1" latinLnBrk="0" hangingPunct="1">
-              <a:spcBef>
-                <a:spcPct val="20000"/>
-              </a:spcBef>
-              <a:buFont typeface="Arial"/>
-              <a:buChar char="–"/>
-              <a:defRPr sz="2000" kern="1200">
-                <a:solidFill>
-                  <a:schemeClr val="tx1"/>
-                </a:solidFill>
-                <a:latin typeface="+mn-lt"/>
-                <a:ea typeface="+mn-ea"/>
-                <a:cs typeface="+mn-cs"/>
-              </a:defRPr>
-            </a:lvl4pPr>
-            <a:lvl5pPr marL="2057400" indent="-228600" algn="l" defTabSz="457200" rtl="0" eaLnBrk="1" latinLnBrk="0" hangingPunct="1">
-              <a:spcBef>
-                <a:spcPct val="20000"/>
-              </a:spcBef>
-              <a:buFont typeface="Arial"/>
-              <a:buChar char="»"/>
-              <a:defRPr sz="2000" kern="1200">
-                <a:solidFill>
-                  <a:schemeClr val="tx1"/>
-                </a:solidFill>
-                <a:latin typeface="+mn-lt"/>
-                <a:ea typeface="+mn-ea"/>
-                <a:cs typeface="+mn-cs"/>
-              </a:defRPr>
-            </a:lvl5pPr>
-            <a:lvl6pPr marL="2514600" indent="-228600" algn="l" defTabSz="457200" rtl="0" eaLnBrk="1" latinLnBrk="0" hangingPunct="1">
-              <a:spcBef>
-                <a:spcPct val="20000"/>
-              </a:spcBef>
-              <a:buFont typeface="Arial"/>
-              <a:buChar char="•"/>
-              <a:defRPr sz="2000" kern="1200">
-                <a:solidFill>
-                  <a:schemeClr val="tx1"/>
-                </a:solidFill>
-                <a:latin typeface="+mn-lt"/>
-                <a:ea typeface="+mn-ea"/>
-                <a:cs typeface="+mn-cs"/>
-              </a:defRPr>
-            </a:lvl6pPr>
-            <a:lvl7pPr marL="2971800" indent="-228600" algn="l" defTabSz="457200" rtl="0" eaLnBrk="1" latinLnBrk="0" hangingPunct="1">
-              <a:spcBef>
-                <a:spcPct val="20000"/>
-              </a:spcBef>
-              <a:buFont typeface="Arial"/>
-              <a:buChar char="•"/>
-              <a:defRPr sz="2000" kern="1200">
-                <a:solidFill>
-                  <a:schemeClr val="tx1"/>
-                </a:solidFill>
-                <a:latin typeface="+mn-lt"/>
-                <a:ea typeface="+mn-ea"/>
-                <a:cs typeface="+mn-cs"/>
-              </a:defRPr>
-            </a:lvl7pPr>
-            <a:lvl8pPr marL="3429000" indent="-228600" algn="l" defTabSz="457200" rtl="0" eaLnBrk="1" latinLnBrk="0" hangingPunct="1">
-              <a:spcBef>
-                <a:spcPct val="20000"/>
-              </a:spcBef>
-              <a:buFont typeface="Arial"/>
-              <a:buChar char="•"/>
-              <a:defRPr sz="2000" kern="1200">
-                <a:solidFill>
-                  <a:schemeClr val="tx1"/>
-                </a:solidFill>
-                <a:latin typeface="+mn-lt"/>
-                <a:ea typeface="+mn-ea"/>
-                <a:cs typeface="+mn-cs"/>
-              </a:defRPr>
-            </a:lvl8pPr>
-            <a:lvl9pPr marL="3886200" indent="-228600" algn="l" defTabSz="457200" rtl="0" eaLnBrk="1" latinLnBrk="0" hangingPunct="1">
-              <a:spcBef>
-                <a:spcPct val="20000"/>
-              </a:spcBef>
-              <a:buFont typeface="Arial"/>
-              <a:buChar char="•"/>
-              <a:defRPr sz="2000" kern="1200">
-                <a:solidFill>
-                  <a:schemeClr val="tx1"/>
-                </a:solidFill>
-                <a:latin typeface="+mn-lt"/>
-                <a:ea typeface="+mn-ea"/>
-                <a:cs typeface="+mn-cs"/>
-              </a:defRPr>
-            </a:lvl9pPr>
-          </a:lstStyle>
-          <a:p>
-            <a:pPr marL="257175" indent="-257175" defTabSz="342900"/>
+          <a:bodyPr wrap="none">
+            <a:spAutoFit/>
+          </a:bodyPr>
+          <a:lstStyle/>
+          <a:p>
             <a:r>
-              <a:rPr lang="en-US" sz="2000" b="0" dirty="0">
-                <a:solidFill>
-                  <a:prstClr val="black"/>
-                </a:solidFill>
+              <a:rPr lang="en-US" sz="2400" dirty="0" err="1">
+                <a:solidFill>
+                  <a:srgbClr val="FF0000"/>
+                </a:solidFill>
+                <a:latin typeface="Consolas" panose="020B0609020204030204" pitchFamily="49" charset="0"/>
+                <a:cs typeface="Consolas" panose="020B0609020204030204" pitchFamily="49" charset="0"/>
               </a:rPr>
-              <a:t>Q:  Assume a byte-addressable memory with a data bus that is 32 bits (4 bytes) wide. Consider 16 bytes of memory (addresses 0 to 15) arranged as four 32-bit words (4 bytes each). </a:t>
+              <a:t>0xA7908CEE</a:t>
             </a:r>
+            <a:endParaRPr lang="en-US" sz="2400" dirty="0">
+              <a:solidFill>
+                <a:srgbClr val="FF0000"/>
+              </a:solidFill>
+              <a:latin typeface="Consolas" panose="020B0609020204030204" pitchFamily="49" charset="0"/>
+              <a:cs typeface="Consolas" panose="020B0609020204030204" pitchFamily="49" charset="0"/>
+            </a:endParaRPr>
+          </a:p>
+        </p:txBody>
+      </p:sp>
+      <p:sp>
+        <p:nvSpPr>
+          <p:cNvPr id="6" name="Rectangle 5">
+            <a:extLst>
+              <a:ext uri="{FF2B5EF4-FFF2-40B4-BE49-F238E27FC236}">
+                <a16:creationId xmlns:a16="http://schemas.microsoft.com/office/drawing/2014/main" id="{FF49A434-8C62-C958-9270-232816F13AE4}"/>
+              </a:ext>
+            </a:extLst>
+          </p:cNvPr>
+          <p:cNvSpPr/>
+          <p:nvPr/>
+        </p:nvSpPr>
+        <p:spPr>
+          <a:xfrm>
+            <a:off x="1041817" y="4032316"/>
+            <a:ext cx="2083633" cy="344774"/>
+          </a:xfrm>
+          <a:prstGeom prst="rect">
+            <a:avLst/>
+          </a:prstGeom>
+          <a:solidFill>
+            <a:schemeClr val="bg1"/>
+          </a:solidFill>
+        </p:spPr>
+        <p:style>
+          <a:lnRef idx="2">
+            <a:schemeClr val="accent1">
+              <a:shade val="50000"/>
+            </a:schemeClr>
+          </a:lnRef>
+          <a:fillRef idx="1">
+            <a:schemeClr val="accent1"/>
+          </a:fillRef>
+          <a:effectRef idx="0">
+            <a:schemeClr val="accent1"/>
+          </a:effectRef>
+          <a:fontRef idx="minor">
+            <a:schemeClr val="lt1"/>
+          </a:fontRef>
+        </p:style>
+        <p:txBody>
+          <a:bodyPr rtlCol="0" anchor="ctr"/>
+          <a:lstStyle/>
+          <a:p>
+            <a:pPr algn="ctr"/>
+            <a:endParaRPr lang="en-US" sz="2400" dirty="0">
+              <a:solidFill>
+                <a:schemeClr val="tx1"/>
+              </a:solidFill>
+            </a:endParaRPr>
+          </a:p>
+        </p:txBody>
+      </p:sp>
+      <p:sp>
+        <p:nvSpPr>
+          <p:cNvPr id="7" name="Rectangle 6">
+            <a:extLst>
+              <a:ext uri="{FF2B5EF4-FFF2-40B4-BE49-F238E27FC236}">
+                <a16:creationId xmlns:a16="http://schemas.microsoft.com/office/drawing/2014/main" id="{F6F628D0-DD4D-72F2-BDF1-C601826C46E8}"/>
+              </a:ext>
+            </a:extLst>
+          </p:cNvPr>
+          <p:cNvSpPr/>
+          <p:nvPr/>
+        </p:nvSpPr>
+        <p:spPr>
+          <a:xfrm>
+            <a:off x="1054556" y="3992104"/>
+            <a:ext cx="1883849" cy="461665"/>
+          </a:xfrm>
+          <a:prstGeom prst="rect">
+            <a:avLst/>
+          </a:prstGeom>
+        </p:spPr>
+        <p:txBody>
+          <a:bodyPr wrap="none">
+            <a:spAutoFit/>
+          </a:bodyPr>
+          <a:lstStyle/>
+          <a:p>
             <a:r>
-              <a:rPr lang="en-US" altLang="zh-CN" sz="2000" b="0" dirty="0">
-                <a:solidFill>
-                  <a:prstClr val="black"/>
-                </a:solidFill>
+              <a:rPr lang="en-US" sz="2400" dirty="0">
+                <a:solidFill>
+                  <a:srgbClr val="FF0000"/>
+                </a:solidFill>
+                <a:latin typeface="Consolas" panose="020B0609020204030204" pitchFamily="49" charset="0"/>
+                <a:cs typeface="Consolas" panose="020B0609020204030204" pitchFamily="49" charset="0"/>
               </a:rPr>
-              <a:t>H</a:t>
+              <a:t>0xEE8C90A7</a:t>
             </a:r>
-            <a:r>
-              <a:rPr lang="en-US" sz="2000" b="0" dirty="0">
-                <a:solidFill>
-                  <a:prstClr val="black"/>
-                </a:solidFill>
-              </a:rPr>
-              <a:t>ow many memory cycles are required to read each of the following from memory?</a:t>
-            </a:r>
-          </a:p>
-          <a:p>
-            <a:pPr marL="657225" lvl="1" indent="-257175" defTabSz="342900"/>
-            <a:r>
-              <a:rPr lang="en-US" sz="1600" b="0" dirty="0">
-                <a:solidFill>
-                  <a:prstClr val="black"/>
-                </a:solidFill>
-              </a:rPr>
-              <a:t>(a) A 2-Byte operand read from decimal address 5</a:t>
-            </a:r>
-          </a:p>
-          <a:p>
-            <a:pPr marL="657225" lvl="1" indent="-257175" defTabSz="342900"/>
-            <a:r>
-              <a:rPr lang="en-US" sz="1600" b="0" dirty="0">
-                <a:solidFill>
-                  <a:prstClr val="black"/>
-                </a:solidFill>
-              </a:rPr>
-              <a:t>(b) A 2-Byte operand read from decimal address 15</a:t>
-            </a:r>
-          </a:p>
-          <a:p>
-            <a:pPr marL="657225" lvl="1" indent="-257175" defTabSz="342900"/>
-            <a:r>
-              <a:rPr lang="en-US" sz="1600" b="0" dirty="0">
-                <a:solidFill>
-                  <a:prstClr val="black"/>
-                </a:solidFill>
-              </a:rPr>
-              <a:t>(c) A 4-Byte operand read from decimal address 10</a:t>
-            </a:r>
-          </a:p>
-          <a:p>
-            <a:pPr marL="657225" lvl="1" indent="-257175" defTabSz="342900"/>
-            <a:r>
-              <a:rPr lang="en-US" sz="1600" b="0" dirty="0">
-                <a:solidFill>
-                  <a:prstClr val="black"/>
-                </a:solidFill>
-              </a:rPr>
-              <a:t>(d) A 4-Byte operand read from decimal address 20</a:t>
-            </a:r>
-            <a:endParaRPr lang="en-US" sz="1600" b="0" dirty="0">
-              <a:solidFill>
-                <a:prstClr val="black"/>
-              </a:solidFill>
-              <a:latin typeface="Calibri"/>
-            </a:endParaRPr>
           </a:p>
         </p:txBody>
       </p:sp>
     </p:spTree>
     <p:extLst>
       <p:ext uri="{BB962C8B-B14F-4D97-AF65-F5344CB8AC3E}">
-        <p14:creationId xmlns:p14="http://schemas.microsoft.com/office/powerpoint/2010/main" val="936686548"/>
+        <p14:creationId xmlns:p14="http://schemas.microsoft.com/office/powerpoint/2010/main" val="1422403682"/>
       </p:ext>
     </p:extLst>
   </p:cSld>
   <p:clrMapOvr>
     <a:masterClrMapping/>
   </p:clrMapOvr>
-  <p:transition>
-    <p:pull dir="ru"/>
-  </p:transition>
+  <mc:AlternateContent xmlns:mc="http://schemas.openxmlformats.org/markup-compatibility/2006" xmlns:p14="http://schemas.microsoft.com/office/powerpoint/2010/main">
+    <mc:Choice Requires="p14">
+      <p:transition p14:dur="0"/>
+    </mc:Choice>
+    <mc:Fallback xmlns="">
+      <p:transition/>
+    </mc:Fallback>
+  </mc:AlternateContent>
+  <p:timing>
+    <p:tnLst>
+      <p:par>
+        <p:cTn id="1" dur="indefinite" restart="never" nodeType="tmRoot">
+          <p:childTnLst>
+            <p:seq concurrent="1" nextAc="seek">
+              <p:cTn id="2" dur="indefinite" nodeType="mainSeq">
+                <p:childTnLst>
+                  <p:par>
+                    <p:cTn id="3" fill="hold">
+                      <p:stCondLst>
+                        <p:cond delay="indefinite"/>
+                      </p:stCondLst>
+                      <p:childTnLst>
+                        <p:par>
+                          <p:cTn id="4" fill="hold">
+                            <p:stCondLst>
+                              <p:cond delay="0"/>
+                            </p:stCondLst>
+                            <p:childTnLst>
+                              <p:par>
+                                <p:cTn id="5" presetID="1" presetClass="entr" presetSubtype="0" fill="hold" grpId="0" nodeType="clickEffect">
+                                  <p:stCondLst>
+                                    <p:cond delay="0"/>
+                                  </p:stCondLst>
+                                  <p:childTnLst>
+                                    <p:set>
+                                      <p:cBhvr>
+                                        <p:cTn id="6" dur="1" fill="hold">
+                                          <p:stCondLst>
+                                            <p:cond delay="0"/>
+                                          </p:stCondLst>
+                                        </p:cTn>
+                                        <p:tgtEl>
+                                          <p:spTgt spid="5"/>
+                                        </p:tgtEl>
+                                        <p:attrNameLst>
+                                          <p:attrName>style.visibility</p:attrName>
+                                        </p:attrNameLst>
+                                      </p:cBhvr>
+                                      <p:to>
+                                        <p:strVal val="visible"/>
+                                      </p:to>
+                                    </p:set>
+                                  </p:childTnLst>
+                                </p:cTn>
+                              </p:par>
+                            </p:childTnLst>
+                          </p:cTn>
+                        </p:par>
+                      </p:childTnLst>
+                    </p:cTn>
+                  </p:par>
+                  <p:par>
+                    <p:cTn id="7" fill="hold">
+                      <p:stCondLst>
+                        <p:cond delay="indefinite"/>
+                      </p:stCondLst>
+                      <p:childTnLst>
+                        <p:par>
+                          <p:cTn id="8" fill="hold">
+                            <p:stCondLst>
+                              <p:cond delay="0"/>
+                            </p:stCondLst>
+                            <p:childTnLst>
+                              <p:par>
+                                <p:cTn id="9" presetID="1" presetClass="entr" presetSubtype="0" fill="hold" grpId="0" nodeType="clickEffect">
+                                  <p:stCondLst>
+                                    <p:cond delay="0"/>
+                                  </p:stCondLst>
+                                  <p:childTnLst>
+                                    <p:set>
+                                      <p:cBhvr>
+                                        <p:cTn id="10" dur="1" fill="hold">
+                                          <p:stCondLst>
+                                            <p:cond delay="0"/>
+                                          </p:stCondLst>
+                                        </p:cTn>
+                                        <p:tgtEl>
+                                          <p:spTgt spid="7"/>
+                                        </p:tgtEl>
+                                        <p:attrNameLst>
+                                          <p:attrName>style.visibility</p:attrName>
+                                        </p:attrNameLst>
+                                      </p:cBhvr>
+                                      <p:to>
+                                        <p:strVal val="visible"/>
+                                      </p:to>
+                                    </p:set>
+                                  </p:childTnLst>
+                                </p:cTn>
+                              </p:par>
+                            </p:childTnLst>
+                          </p:cTn>
+                        </p:par>
+                      </p:childTnLst>
+                    </p:cTn>
+                  </p:par>
+                </p:childTnLst>
+              </p:cTn>
+              <p:prevCondLst>
+                <p:cond evt="onPrev" delay="0">
+                  <p:tgtEl>
+                    <p:sldTgt/>
+                  </p:tgtEl>
+                </p:cond>
+              </p:prevCondLst>
+              <p:nextCondLst>
+                <p:cond evt="onNext" delay="0">
+                  <p:tgtEl>
+                    <p:sldTgt/>
+                  </p:tgtEl>
+                </p:cond>
+              </p:nextCondLst>
+            </p:seq>
+          </p:childTnLst>
+        </p:cTn>
+      </p:par>
+    </p:tnLst>
+    <p:bldLst>
+      <p:bldP spid="5" grpId="0"/>
+      <p:bldP spid="7" grpId="0"/>
+    </p:bldLst>
+  </p:timing>
 </p:sld>
 </file>
 

--- a/PPTs/Ch5 ARM Load Store Exercises ANS.pptx
+++ b/PPTs/Ch5 ARM Load Store Exercises ANS.pptx
@@ -31,7 +31,7 @@
     <p:sldId id="366" r:id="rId19"/>
   </p:sldIdLst>
   <p:sldSz cx="9144000" cy="6858000" type="screen4x3"/>
-  <p:notesSz cx="9601200" cy="7315200"/>
+  <p:notesSz cx="9296400" cy="7010400"/>
   <p:defaultTextStyle>
     <a:defPPr>
       <a:defRPr lang="en-US"/>
@@ -194,12 +194,12 @@
     </p:ext>
     <p:ext uri="{2D200454-40CA-4A62-9FC3-DE9A4176ACB9}">
       <p15:notesGuideLst xmlns:p15="http://schemas.microsoft.com/office/powerpoint/2012/main">
-        <p15:guide id="1" orient="horz" pos="1615">
+        <p15:guide id="1" orient="horz" pos="1548" userDrawn="1">
           <p15:clr>
             <a:srgbClr val="A4A3A4"/>
           </p15:clr>
         </p15:guide>
-        <p15:guide id="2" pos="4025">
+        <p15:guide id="2" pos="3897" userDrawn="1">
           <p15:clr>
             <a:srgbClr val="A4A3A4"/>
           </p15:clr>
@@ -213,7 +213,7 @@
 <file path=ppt/revisionInfo.xml><?xml version="1.0" encoding="utf-8"?>
 <p1510:revInfo xmlns:a="http://schemas.openxmlformats.org/drawingml/2006/main" xmlns:r="http://schemas.openxmlformats.org/officeDocument/2006/relationships" xmlns:p1510="http://schemas.microsoft.com/office/powerpoint/2015/10/main">
   <p1510:revLst>
-    <p1510:client id="{95D25279-C3AD-4B13-92A2-4AC656D27A67}" v="155" dt="2025-09-18T20:06:59.886"/>
+    <p1510:client id="{95D25279-C3AD-4B13-92A2-4AC656D27A67}" v="156" dt="2025-09-18T21:37:05.295"/>
   </p1510:revLst>
 </p1510:revInfo>
 </file>
@@ -222,8 +222,8 @@
 <pc:chgInfo xmlns:a="http://schemas.openxmlformats.org/drawingml/2006/main" xmlns:r="http://schemas.openxmlformats.org/officeDocument/2006/relationships" xmlns:ac="http://schemas.microsoft.com/office/drawing/2013/main/command" xmlns:pc="http://schemas.microsoft.com/office/powerpoint/2013/main/command">
   <pc:docChgLst>
     <pc:chgData name="Zonghua Gu" userId="9a7e1853e1951ef5" providerId="LiveId" clId="{CF1FAA12-072C-4ED5-BA76-0FFFAEFDB88A}"/>
-    <pc:docChg chg="undo custSel addSld delSld modSld sldOrd">
-      <pc:chgData name="Zonghua Gu" userId="9a7e1853e1951ef5" providerId="LiveId" clId="{CF1FAA12-072C-4ED5-BA76-0FFFAEFDB88A}" dt="2025-09-18T21:27:30.744" v="612" actId="47"/>
+    <pc:docChg chg="undo custSel addSld delSld modSld sldOrd modNotesMaster modHandout">
+      <pc:chgData name="Zonghua Gu" userId="9a7e1853e1951ef5" providerId="LiveId" clId="{CF1FAA12-072C-4ED5-BA76-0FFFAEFDB88A}" dt="2025-09-18T21:37:05.294" v="613"/>
       <pc:docMkLst>
         <pc:docMk/>
       </pc:docMkLst>
@@ -308,15 +308,15 @@
           <pc:sldMk cId="1239709488" sldId="357"/>
         </pc:sldMkLst>
       </pc:sldChg>
-      <pc:sldChg chg="add del">
-        <pc:chgData name="Zonghua Gu" userId="9a7e1853e1951ef5" providerId="LiveId" clId="{CF1FAA12-072C-4ED5-BA76-0FFFAEFDB88A}" dt="2025-09-18T02:25:29.686" v="185"/>
+      <pc:sldChg chg="add del modNotes">
+        <pc:chgData name="Zonghua Gu" userId="9a7e1853e1951ef5" providerId="LiveId" clId="{CF1FAA12-072C-4ED5-BA76-0FFFAEFDB88A}" dt="2025-09-18T21:37:05.294" v="613"/>
         <pc:sldMkLst>
           <pc:docMk/>
           <pc:sldMk cId="1502810167" sldId="358"/>
         </pc:sldMkLst>
       </pc:sldChg>
-      <pc:sldChg chg="add">
-        <pc:chgData name="Zonghua Gu" userId="9a7e1853e1951ef5" providerId="LiveId" clId="{CF1FAA12-072C-4ED5-BA76-0FFFAEFDB88A}" dt="2025-09-18T02:25:29.686" v="185"/>
+      <pc:sldChg chg="add modNotes">
+        <pc:chgData name="Zonghua Gu" userId="9a7e1853e1951ef5" providerId="LiveId" clId="{CF1FAA12-072C-4ED5-BA76-0FFFAEFDB88A}" dt="2025-09-18T21:37:05.294" v="613"/>
         <pc:sldMkLst>
           <pc:docMk/>
           <pc:sldMk cId="670903100" sldId="359"/>
@@ -1026,8 +1026,8 @@
           </ac:spMkLst>
         </pc:spChg>
       </pc:sldChg>
-      <pc:sldChg chg="addSp delSp modSp add del mod delAnim modAnim">
-        <pc:chgData name="Zonghua Gu" userId="9a7e1853e1951ef5" providerId="LiveId" clId="{CF1FAA12-072C-4ED5-BA76-0FFFAEFDB88A}" dt="2025-09-18T20:06:59.886" v="611"/>
+      <pc:sldChg chg="addSp delSp modSp add del mod delAnim modAnim modNotes">
+        <pc:chgData name="Zonghua Gu" userId="9a7e1853e1951ef5" providerId="LiveId" clId="{CF1FAA12-072C-4ED5-BA76-0FFFAEFDB88A}" dt="2025-09-18T21:37:05.294" v="613"/>
         <pc:sldMkLst>
           <pc:docMk/>
           <pc:sldMk cId="0" sldId="417"/>
@@ -1639,8 +1639,8 @@
           <pc:sldMk cId="1115551691" sldId="797"/>
         </pc:sldMkLst>
       </pc:sldChg>
-      <pc:sldChg chg="addSp delSp modSp add mod modAnim">
-        <pc:chgData name="Zonghua Gu" userId="9a7e1853e1951ef5" providerId="LiveId" clId="{CF1FAA12-072C-4ED5-BA76-0FFFAEFDB88A}" dt="2025-09-18T20:06:51.228" v="610" actId="1076"/>
+      <pc:sldChg chg="addSp delSp modSp add mod modAnim modNotes">
+        <pc:chgData name="Zonghua Gu" userId="9a7e1853e1951ef5" providerId="LiveId" clId="{CF1FAA12-072C-4ED5-BA76-0FFFAEFDB88A}" dt="2025-09-18T21:37:05.294" v="613"/>
         <pc:sldMkLst>
           <pc:docMk/>
           <pc:sldMk cId="1422403682" sldId="798"/>
@@ -1750,8 +1750,8 @@
         </p:nvSpPr>
         <p:spPr bwMode="auto">
           <a:xfrm>
-            <a:off x="2269102" y="229451"/>
-            <a:ext cx="5179142" cy="251035"/>
+            <a:off x="2197067" y="219891"/>
+            <a:ext cx="5014725" cy="240575"/>
           </a:xfrm>
           <a:prstGeom prst="rect">
             <a:avLst/>
@@ -1765,7 +1765,7 @@
           </a:ln>
         </p:spPr>
         <p:txBody>
-          <a:bodyPr/>
+          <a:bodyPr lIns="88139" tIns="44070" rIns="88139" bIns="44070"/>
           <a:lstStyle/>
           <a:p>
             <a:pPr>
@@ -1823,8 +1823,8 @@
         </p:nvSpPr>
         <p:spPr bwMode="auto">
           <a:xfrm>
-            <a:off x="1277580" y="3487216"/>
-            <a:ext cx="7043891" cy="3306607"/>
+            <a:off x="1237023" y="3341916"/>
+            <a:ext cx="6820275" cy="3168832"/>
           </a:xfrm>
           <a:prstGeom prst="rect">
             <a:avLst/>
@@ -1839,7 +1839,7 @@
           <a:effectLst/>
         </p:spPr>
         <p:txBody>
-          <a:bodyPr vert="horz" wrap="square" lIns="98798" tIns="49399" rIns="98798" bIns="49399" numCol="1" anchor="t" anchorCtr="0" compatLnSpc="1">
+          <a:bodyPr vert="horz" wrap="square" lIns="95231" tIns="47616" rIns="95231" bIns="47616" numCol="1" anchor="t" anchorCtr="0" compatLnSpc="1">
             <a:prstTxWarp prst="textNoShape">
               <a:avLst/>
             </a:prstTxWarp>
@@ -1892,8 +1892,8 @@
         </p:nvSpPr>
         <p:spPr bwMode="gray">
           <a:xfrm>
-            <a:off x="7351457" y="144260"/>
-            <a:ext cx="1740003" cy="346450"/>
+            <a:off x="7118078" y="138249"/>
+            <a:ext cx="1684765" cy="332015"/>
           </a:xfrm>
           <a:prstGeom prst="rect">
             <a:avLst/>
@@ -1912,14 +1912,14 @@
           <a:effectLst/>
         </p:spPr>
         <p:txBody>
-          <a:bodyPr wrap="none" lIns="100444" tIns="49399" rIns="100444" bIns="49399" anchor="ctr"/>
+          <a:bodyPr wrap="none" lIns="96818" tIns="47616" rIns="96818" bIns="47616" anchor="ctr"/>
           <a:lstStyle/>
           <a:p>
-            <a:pPr algn="ctr" defTabSz="1036638">
+            <a:pPr algn="ctr" defTabSz="999215">
               <a:defRPr/>
             </a:pPr>
             <a:r>
-              <a:rPr lang="en-US" sz="1900">
+              <a:rPr lang="en-US" sz="1800">
                 <a:solidFill>
                   <a:schemeClr val="bg1"/>
                 </a:solidFill>
@@ -1940,8 +1940,8 @@
         </p:nvSpPr>
         <p:spPr bwMode="auto">
           <a:xfrm>
-            <a:off x="628036" y="571358"/>
-            <a:ext cx="8472027" cy="0"/>
+            <a:off x="608099" y="547551"/>
+            <a:ext cx="8203074" cy="0"/>
           </a:xfrm>
           <a:prstGeom prst="line">
             <a:avLst/>
@@ -1958,7 +1958,7 @@
           <a:effectLst/>
         </p:spPr>
         <p:txBody>
-          <a:bodyPr wrap="none" anchor="ctr"/>
+          <a:bodyPr wrap="none" lIns="88139" tIns="44070" rIns="88139" bIns="44070" anchor="ctr"/>
           <a:lstStyle/>
           <a:p>
             <a:pPr>
@@ -1978,8 +1978,8 @@
         </p:nvSpPr>
         <p:spPr bwMode="auto">
           <a:xfrm>
-            <a:off x="619432" y="371440"/>
-            <a:ext cx="5802876" cy="226484"/>
+            <a:off x="599767" y="355963"/>
+            <a:ext cx="5618658" cy="217047"/>
           </a:xfrm>
           <a:prstGeom prst="rect">
             <a:avLst/>
@@ -1994,17 +1994,17 @@
           <a:effectLst/>
         </p:spPr>
         <p:txBody>
-          <a:bodyPr lIns="69158" tIns="26346" rIns="69158" bIns="26346">
+          <a:bodyPr lIns="66661" tIns="25395" rIns="66661" bIns="25395">
             <a:spAutoFit/>
           </a:bodyPr>
           <a:lstStyle/>
           <a:p>
-            <a:pPr defTabSz="1036638">
+            <a:pPr defTabSz="999215">
               <a:lnSpc>
                 <a:spcPct val="90000"/>
               </a:lnSpc>
               <a:tabLst>
-                <a:tab pos="989013" algn="l"/>
+                <a:tab pos="953310" algn="l"/>
               </a:tabLst>
               <a:defRPr/>
             </a:pPr>
@@ -2027,8 +2027,8 @@
         </p:nvSpPr>
         <p:spPr bwMode="auto">
           <a:xfrm>
-            <a:off x="4553259" y="6947168"/>
-            <a:ext cx="319203" cy="219406"/>
+            <a:off x="4408711" y="6657703"/>
+            <a:ext cx="314160" cy="217485"/>
           </a:xfrm>
           <a:prstGeom prst="rect">
             <a:avLst/>
@@ -2043,12 +2043,12 @@
           <a:effectLst/>
         </p:spPr>
         <p:txBody>
-          <a:bodyPr wrap="none" lIns="69158" tIns="26346" rIns="69158" bIns="26346">
+          <a:bodyPr wrap="none" lIns="66661" tIns="25395" rIns="66661" bIns="25395">
             <a:spAutoFit/>
           </a:bodyPr>
           <a:lstStyle/>
           <a:p>
-            <a:pPr defTabSz="1036638">
+            <a:pPr defTabSz="999215">
               <a:lnSpc>
                 <a:spcPct val="90000"/>
               </a:lnSpc>
@@ -2061,7 +2061,7 @@
                 </a:solidFill>
                 <a:latin typeface="Times New Roman" pitchFamily="18" charset="0"/>
               </a:rPr>
-              <a:pPr defTabSz="1036638">
+              <a:pPr defTabSz="999215">
                 <a:lnSpc>
                   <a:spcPct val="90000"/>
                 </a:lnSpc>
@@ -2090,8 +2090,8 @@
         </p:nvSpPr>
         <p:spPr bwMode="auto">
           <a:xfrm>
-            <a:off x="3074988" y="673100"/>
-            <a:ext cx="3427412" cy="2571750"/>
+            <a:off x="2994025" y="644525"/>
+            <a:ext cx="3286125" cy="2465388"/>
           </a:xfrm>
           <a:prstGeom prst="rect">
             <a:avLst/>
@@ -2454,8 +2454,8 @@
         </p:nvSpPr>
         <p:spPr>
           <a:xfrm>
-            <a:off x="3063875" y="684213"/>
-            <a:ext cx="3487738" cy="2616200"/>
+            <a:off x="2984500" y="655638"/>
+            <a:ext cx="3341688" cy="2506662"/>
           </a:xfrm>
           <a:ln/>
         </p:spPr>
@@ -2472,8 +2472,8 @@
         </p:nvSpPr>
         <p:spPr>
           <a:xfrm>
-            <a:off x="1277580" y="3488352"/>
-            <a:ext cx="7046042" cy="3303199"/>
+            <a:off x="1237022" y="3343004"/>
+            <a:ext cx="6822358" cy="3165566"/>
           </a:xfrm>
           <a:solidFill>
             <a:srgbClr val="FFFFFF"/>
@@ -2485,7 +2485,7 @@
           </a:ln>
         </p:spPr>
         <p:txBody>
-          <a:bodyPr lIns="91303" tIns="45651" rIns="91303" bIns="45651"/>
+          <a:bodyPr lIns="88007" tIns="44003" rIns="88007" bIns="44003"/>
           <a:lstStyle/>
           <a:p>
             <a:r>
@@ -2518,98 +2518,6 @@
 </file>
 
 <file path=ppt/notesSlides/notesSlide5.xml><?xml version="1.0" encoding="utf-8"?>
-<p:notes xmlns:a="http://schemas.openxmlformats.org/drawingml/2006/main" xmlns:r="http://schemas.openxmlformats.org/officeDocument/2006/relationships" xmlns:p="http://schemas.openxmlformats.org/presentationml/2006/main">
-  <p:cSld>
-    <p:spTree>
-      <p:nvGrpSpPr>
-        <p:cNvPr id="1" name=""/>
-        <p:cNvGrpSpPr/>
-        <p:nvPr/>
-      </p:nvGrpSpPr>
-      <p:grpSpPr>
-        <a:xfrm>
-          <a:off x="0" y="0"/>
-          <a:ext cx="0" cy="0"/>
-          <a:chOff x="0" y="0"/>
-          <a:chExt cx="0" cy="0"/>
-        </a:xfrm>
-      </p:grpSpPr>
-      <p:sp>
-        <p:nvSpPr>
-          <p:cNvPr id="56322" name="Rectangle 1026"/>
-          <p:cNvSpPr>
-            <a:spLocks noGrp="1" noRot="1" noChangeAspect="1" noChangeArrowheads="1" noTextEdit="1"/>
-          </p:cNvSpPr>
-          <p:nvPr>
-            <p:ph type="sldImg"/>
-          </p:nvPr>
-        </p:nvSpPr>
-        <p:spPr>
-          <a:xfrm>
-            <a:off x="3063875" y="684213"/>
-            <a:ext cx="3487738" cy="2616200"/>
-          </a:xfrm>
-          <a:ln/>
-        </p:spPr>
-      </p:sp>
-      <p:sp>
-        <p:nvSpPr>
-          <p:cNvPr id="56323" name="Rectangle 1027"/>
-          <p:cNvSpPr>
-            <a:spLocks noGrp="1" noChangeArrowheads="1"/>
-          </p:cNvSpPr>
-          <p:nvPr>
-            <p:ph type="body" idx="1"/>
-          </p:nvPr>
-        </p:nvSpPr>
-        <p:spPr>
-          <a:xfrm>
-            <a:off x="1277580" y="3488352"/>
-            <a:ext cx="7046042" cy="3303199"/>
-          </a:xfrm>
-          <a:solidFill>
-            <a:srgbClr val="FFFFFF"/>
-          </a:solidFill>
-          <a:ln>
-            <a:solidFill>
-              <a:srgbClr val="000000"/>
-            </a:solidFill>
-          </a:ln>
-        </p:spPr>
-        <p:txBody>
-          <a:bodyPr lIns="91303" tIns="45651" rIns="91303" bIns="45651"/>
-          <a:lstStyle/>
-          <a:p>
-            <a:r>
-              <a:rPr lang="en-US"/>
-              <a:t>Halfword access and signed halfword/byte accesses were added to the architecture in v4T, this is the reason the offset field is not as flexible as the normal word/byte load/store - not a problem because these accesses are less common.</a:t>
-            </a:r>
-          </a:p>
-          <a:p>
-            <a:endParaRPr lang="en-US"/>
-          </a:p>
-          <a:p>
-            <a:r>
-              <a:rPr lang="en-US"/>
-              <a:t>Link: diagram on next slide</a:t>
-            </a:r>
-          </a:p>
-        </p:txBody>
-      </p:sp>
-    </p:spTree>
-    <p:extLst>
-      <p:ext uri="{BB962C8B-B14F-4D97-AF65-F5344CB8AC3E}">
-        <p14:creationId xmlns:p14="http://schemas.microsoft.com/office/powerpoint/2010/main" val="3518169548"/>
-      </p:ext>
-    </p:extLst>
-  </p:cSld>
-  <p:clrMapOvr>
-    <a:masterClrMapping/>
-  </p:clrMapOvr>
-</p:notes>
-</file>
-
-<file path=ppt/notesSlides/notesSlide6.xml><?xml version="1.0" encoding="utf-8"?>
 <p:notes xmlns:a="http://schemas.openxmlformats.org/drawingml/2006/main" xmlns:r="http://schemas.openxmlformats.org/officeDocument/2006/relationships" xmlns:p="http://schemas.openxmlformats.org/presentationml/2006/main">
   <p:cSld>
     <p:spTree>
@@ -2656,7 +2564,7 @@
         </p:nvSpPr>
         <p:spPr>
           <a:xfrm>
-            <a:off x="1237021" y="3343003"/>
+            <a:off x="1237022" y="3343004"/>
             <a:ext cx="6822358" cy="3165566"/>
           </a:xfrm>
           <a:solidFill>
@@ -2670,6 +2578,98 @@
         </p:spPr>
         <p:txBody>
           <a:bodyPr lIns="88007" tIns="44003" rIns="88007" bIns="44003"/>
+          <a:lstStyle/>
+          <a:p>
+            <a:r>
+              <a:rPr lang="en-US"/>
+              <a:t>Halfword access and signed halfword/byte accesses were added to the architecture in v4T, this is the reason the offset field is not as flexible as the normal word/byte load/store - not a problem because these accesses are less common.</a:t>
+            </a:r>
+          </a:p>
+          <a:p>
+            <a:endParaRPr lang="en-US"/>
+          </a:p>
+          <a:p>
+            <a:r>
+              <a:rPr lang="en-US"/>
+              <a:t>Link: diagram on next slide</a:t>
+            </a:r>
+          </a:p>
+        </p:txBody>
+      </p:sp>
+    </p:spTree>
+    <p:extLst>
+      <p:ext uri="{BB962C8B-B14F-4D97-AF65-F5344CB8AC3E}">
+        <p14:creationId xmlns:p14="http://schemas.microsoft.com/office/powerpoint/2010/main" val="3518169548"/>
+      </p:ext>
+    </p:extLst>
+  </p:cSld>
+  <p:clrMapOvr>
+    <a:masterClrMapping/>
+  </p:clrMapOvr>
+</p:notes>
+</file>
+
+<file path=ppt/notesSlides/notesSlide6.xml><?xml version="1.0" encoding="utf-8"?>
+<p:notes xmlns:a="http://schemas.openxmlformats.org/drawingml/2006/main" xmlns:r="http://schemas.openxmlformats.org/officeDocument/2006/relationships" xmlns:p="http://schemas.openxmlformats.org/presentationml/2006/main">
+  <p:cSld>
+    <p:spTree>
+      <p:nvGrpSpPr>
+        <p:cNvPr id="1" name=""/>
+        <p:cNvGrpSpPr/>
+        <p:nvPr/>
+      </p:nvGrpSpPr>
+      <p:grpSpPr>
+        <a:xfrm>
+          <a:off x="0" y="0"/>
+          <a:ext cx="0" cy="0"/>
+          <a:chOff x="0" y="0"/>
+          <a:chExt cx="0" cy="0"/>
+        </a:xfrm>
+      </p:grpSpPr>
+      <p:sp>
+        <p:nvSpPr>
+          <p:cNvPr id="56322" name="Rectangle 1026"/>
+          <p:cNvSpPr>
+            <a:spLocks noGrp="1" noRot="1" noChangeAspect="1" noChangeArrowheads="1" noTextEdit="1"/>
+          </p:cNvSpPr>
+          <p:nvPr>
+            <p:ph type="sldImg"/>
+          </p:nvPr>
+        </p:nvSpPr>
+        <p:spPr>
+          <a:xfrm>
+            <a:off x="2905125" y="628650"/>
+            <a:ext cx="3203575" cy="2401888"/>
+          </a:xfrm>
+          <a:ln/>
+        </p:spPr>
+      </p:sp>
+      <p:sp>
+        <p:nvSpPr>
+          <p:cNvPr id="56323" name="Rectangle 1027"/>
+          <p:cNvSpPr>
+            <a:spLocks noGrp="1" noChangeArrowheads="1"/>
+          </p:cNvSpPr>
+          <p:nvPr>
+            <p:ph type="body" idx="1"/>
+          </p:nvPr>
+        </p:nvSpPr>
+        <p:spPr>
+          <a:xfrm>
+            <a:off x="1197751" y="3203711"/>
+            <a:ext cx="6605775" cy="3033667"/>
+          </a:xfrm>
+          <a:solidFill>
+            <a:srgbClr val="FFFFFF"/>
+          </a:solidFill>
+          <a:ln>
+            <a:solidFill>
+              <a:srgbClr val="000000"/>
+            </a:solidFill>
+          </a:ln>
+        </p:spPr>
+        <p:txBody>
+          <a:bodyPr lIns="84830" tIns="42414" rIns="84830" bIns="42414"/>
           <a:lstStyle/>
           <a:p>
             <a:r>
@@ -2742,8 +2742,8 @@
         </p:nvSpPr>
         <p:spPr>
           <a:xfrm>
-            <a:off x="2984500" y="655638"/>
-            <a:ext cx="3341688" cy="2506662"/>
+            <a:off x="2905125" y="628650"/>
+            <a:ext cx="3203575" cy="2401888"/>
           </a:xfrm>
           <a:ln/>
         </p:spPr>
@@ -2766,8 +2766,8 @@
         </p:nvSpPr>
         <p:spPr>
           <a:xfrm>
-            <a:off x="1237021" y="3343003"/>
-            <a:ext cx="6822358" cy="3165566"/>
+            <a:off x="1197751" y="3203711"/>
+            <a:ext cx="6605775" cy="3033667"/>
           </a:xfrm>
           <a:solidFill>
             <a:srgbClr val="FFFFFF"/>
@@ -2779,7 +2779,7 @@
           </a:ln>
         </p:spPr>
         <p:txBody>
-          <a:bodyPr lIns="88007" tIns="44003" rIns="88007" bIns="44003"/>
+          <a:bodyPr lIns="84830" tIns="42414" rIns="84830" bIns="42414"/>
           <a:lstStyle/>
           <a:p>
             <a:r>
@@ -2871,7 +2871,7 @@
         </p:nvSpPr>
         <p:spPr/>
         <p:txBody>
-          <a:bodyPr/>
+          <a:bodyPr lIns="88139" tIns="44070" rIns="88139" bIns="44070"/>
           <a:lstStyle/>
           <a:p>
             <a:fld id="{EF97FDFF-7B9F-7D4D-BFC0-AAD1F3D3D3CB}" type="slidenum">
@@ -2940,25 +2940,11 @@
           <a:bodyPr/>
           <a:lstStyle/>
           <a:p>
-            <a:pPr marL="0" marR="0" lvl="0" indent="0" algn="l" defTabSz="981075" rtl="0" eaLnBrk="0" fontAlgn="base" latinLnBrk="0" hangingPunct="0">
-              <a:lnSpc>
-                <a:spcPct val="100000"/>
-              </a:lnSpc>
-              <a:spcBef>
-                <a:spcPct val="30000"/>
-              </a:spcBef>
-              <a:spcAft>
-                <a:spcPct val="0"/>
-              </a:spcAft>
-              <a:buClrTx/>
-              <a:buSzTx/>
-              <a:buFontTx/>
-              <a:buNone/>
-              <a:tabLst/>
+            <a:pPr defTabSz="945658">
               <a:defRPr/>
             </a:pPr>
             <a:r>
-              <a:rPr lang="en-US" sz="1200" b="0" dirty="0">
+              <a:rPr lang="en-US" dirty="0">
                 <a:solidFill>
                   <a:prstClr val="black"/>
                 </a:solidFill>
@@ -2967,25 +2953,11 @@
             </a:r>
           </a:p>
           <a:p>
-            <a:pPr marL="0" marR="0" lvl="0" indent="0" algn="l" defTabSz="981075" rtl="0" eaLnBrk="0" fontAlgn="base" latinLnBrk="0" hangingPunct="0">
-              <a:lnSpc>
-                <a:spcPct val="100000"/>
-              </a:lnSpc>
-              <a:spcBef>
-                <a:spcPct val="30000"/>
-              </a:spcBef>
-              <a:spcAft>
-                <a:spcPct val="0"/>
-              </a:spcAft>
-              <a:buClrTx/>
-              <a:buSzTx/>
-              <a:buFontTx/>
-              <a:buNone/>
-              <a:tabLst/>
+            <a:pPr defTabSz="945658">
               <a:defRPr/>
             </a:pPr>
             <a:r>
-              <a:rPr lang="en-US" sz="1200" b="0" dirty="0">
+              <a:rPr lang="en-US" dirty="0">
                 <a:solidFill>
                   <a:prstClr val="black"/>
                 </a:solidFill>
@@ -2994,24 +2966,10 @@
             </a:r>
           </a:p>
           <a:p>
-            <a:pPr marL="0" marR="0" lvl="0" indent="0" algn="l" defTabSz="981075" rtl="0" eaLnBrk="0" fontAlgn="base" latinLnBrk="0" hangingPunct="0">
-              <a:lnSpc>
-                <a:spcPct val="100000"/>
-              </a:lnSpc>
-              <a:spcBef>
-                <a:spcPct val="30000"/>
-              </a:spcBef>
-              <a:spcAft>
-                <a:spcPct val="0"/>
-              </a:spcAft>
-              <a:buClrTx/>
-              <a:buSzTx/>
-              <a:buFontTx/>
-              <a:buNone/>
-              <a:tabLst/>
+            <a:pPr defTabSz="945658">
               <a:defRPr/>
             </a:pPr>
-            <a:endParaRPr lang="en-US" sz="1200" b="0" dirty="0">
+            <a:endParaRPr lang="en-US" dirty="0">
               <a:solidFill>
                 <a:prstClr val="black"/>
               </a:solidFill>
